--- a/Modelagem/Banco de dados.pptx
+++ b/Modelagem/Banco de dados.pptx
@@ -15,6 +15,9 @@
     <p:sldId id="262" r:id="rId9"/>
     <p:sldId id="263" r:id="rId10"/>
     <p:sldId id="264" r:id="rId11"/>
+    <p:sldId id="266" r:id="rId12"/>
+    <p:sldId id="267" r:id="rId13"/>
+    <p:sldId id="268" r:id="rId14"/>
   </p:sldIdLst>
   <p:sldSz cx="12192000" cy="6858000"/>
   <p:notesSz cx="6858000" cy="9144000"/>
@@ -177,6 +180,276 @@
 </inkml:ink>
 </file>
 
+<file path=ppt/ink/ink100.xml><?xml version="1.0" encoding="utf-8"?>
+<inkml:ink xmlns:inkml="http://www.w3.org/2003/InkML">
+  <inkml:definitions>
+    <inkml:context xml:id="ctx0">
+      <inkml:inkSource xml:id="inkSrc0">
+        <inkml:traceFormat>
+          <inkml:channel name="X" type="integer" min="-2.14748E9" max="2.14748E9" units="cm"/>
+          <inkml:channel name="Y" type="integer" min="-2.14748E9" max="2.14748E9" units="cm"/>
+          <inkml:channel name="F" type="integer" max="32767" units="dev"/>
+        </inkml:traceFormat>
+        <inkml:channelProperties>
+          <inkml:channelProperty channel="X" name="resolution" value="1000" units="1/cm"/>
+          <inkml:channelProperty channel="Y" name="resolution" value="1000" units="1/cm"/>
+          <inkml:channelProperty channel="F" name="resolution" value="0" units="1/dev"/>
+        </inkml:channelProperties>
+      </inkml:inkSource>
+      <inkml:timestamp xml:id="ts0" timeString="2024-08-15T23:06:21.025"/>
+    </inkml:context>
+    <inkml:brush xml:id="br0">
+      <inkml:brushProperty name="width" value="0.035" units="cm"/>
+      <inkml:brushProperty name="height" value="0.035" units="cm"/>
+    </inkml:brush>
+  </inkml:definitions>
+  <inkml:trace contextRef="#ctx0" brushRef="#br0">1 1 24575,'5'0'0,"8"0"0,6 0 0,6 0 0,15 0 0,5 0 0,2 0 0,-3 0 0,-9 0-8191</inkml:trace>
+</inkml:ink>
+</file>
+
+<file path=ppt/ink/ink101.xml><?xml version="1.0" encoding="utf-8"?>
+<inkml:ink xmlns:inkml="http://www.w3.org/2003/InkML">
+  <inkml:definitions>
+    <inkml:context xml:id="ctx0">
+      <inkml:inkSource xml:id="inkSrc0">
+        <inkml:traceFormat>
+          <inkml:channel name="X" type="integer" min="-2.14748E9" max="2.14748E9" units="cm"/>
+          <inkml:channel name="Y" type="integer" min="-2.14748E9" max="2.14748E9" units="cm"/>
+          <inkml:channel name="F" type="integer" max="32767" units="dev"/>
+        </inkml:traceFormat>
+        <inkml:channelProperties>
+          <inkml:channelProperty channel="X" name="resolution" value="1000" units="1/cm"/>
+          <inkml:channelProperty channel="Y" name="resolution" value="1000" units="1/cm"/>
+          <inkml:channelProperty channel="F" name="resolution" value="0" units="1/dev"/>
+        </inkml:channelProperties>
+      </inkml:inkSource>
+      <inkml:timestamp xml:id="ts0" timeString="2024-08-15T23:06:22.106"/>
+    </inkml:context>
+    <inkml:brush xml:id="br0">
+      <inkml:brushProperty name="width" value="0.035" units="cm"/>
+      <inkml:brushProperty name="height" value="0.035" units="cm"/>
+    </inkml:brush>
+  </inkml:definitions>
+  <inkml:trace contextRef="#ctx0" brushRef="#br0">0 1 24575,'0'5'0,"0"8"0,0 6 0,0 11 0,0 6 0,0 8 0,0 1 0,0-1 0,0-3 0,0-2 0,0-4 0,0-7-8191</inkml:trace>
+</inkml:ink>
+</file>
+
+<file path=ppt/ink/ink102.xml><?xml version="1.0" encoding="utf-8"?>
+<inkml:ink xmlns:inkml="http://www.w3.org/2003/InkML">
+  <inkml:definitions>
+    <inkml:context xml:id="ctx0">
+      <inkml:inkSource xml:id="inkSrc0">
+        <inkml:traceFormat>
+          <inkml:channel name="X" type="integer" min="-2.14748E9" max="2.14748E9" units="cm"/>
+          <inkml:channel name="Y" type="integer" min="-2.14748E9" max="2.14748E9" units="cm"/>
+          <inkml:channel name="F" type="integer" max="32767" units="dev"/>
+        </inkml:traceFormat>
+        <inkml:channelProperties>
+          <inkml:channelProperty channel="X" name="resolution" value="1000" units="1/cm"/>
+          <inkml:channelProperty channel="Y" name="resolution" value="1000" units="1/cm"/>
+          <inkml:channelProperty channel="F" name="resolution" value="0" units="1/dev"/>
+        </inkml:channelProperties>
+      </inkml:inkSource>
+      <inkml:timestamp xml:id="ts0" timeString="2024-08-15T23:06:23.316"/>
+    </inkml:context>
+    <inkml:brush xml:id="br0">
+      <inkml:brushProperty name="width" value="0.035" units="cm"/>
+      <inkml:brushProperty name="height" value="0.035" units="cm"/>
+    </inkml:brush>
+  </inkml:definitions>
+  <inkml:trace contextRef="#ctx0" brushRef="#br0">0 1 24575,'0'10'0,"0"16"0,0 13 0,0 5 0,0 1 0,0-2 0,0-2 0,0-4 0,0-7-8191</inkml:trace>
+</inkml:ink>
+</file>
+
+<file path=ppt/ink/ink103.xml><?xml version="1.0" encoding="utf-8"?>
+<inkml:ink xmlns:inkml="http://www.w3.org/2003/InkML">
+  <inkml:definitions>
+    <inkml:context xml:id="ctx0">
+      <inkml:inkSource xml:id="inkSrc0">
+        <inkml:traceFormat>
+          <inkml:channel name="X" type="integer" min="-2.14748E9" max="2.14748E9" units="cm"/>
+          <inkml:channel name="Y" type="integer" min="-2.14748E9" max="2.14748E9" units="cm"/>
+          <inkml:channel name="F" type="integer" max="32767" units="dev"/>
+        </inkml:traceFormat>
+        <inkml:channelProperties>
+          <inkml:channelProperty channel="X" name="resolution" value="1000" units="1/cm"/>
+          <inkml:channelProperty channel="Y" name="resolution" value="1000" units="1/cm"/>
+          <inkml:channelProperty channel="F" name="resolution" value="0" units="1/dev"/>
+        </inkml:channelProperties>
+      </inkml:inkSource>
+      <inkml:timestamp xml:id="ts0" timeString="2024-08-15T23:06:25.230"/>
+    </inkml:context>
+    <inkml:brush xml:id="br0">
+      <inkml:brushProperty name="width" value="0.035" units="cm"/>
+      <inkml:brushProperty name="height" value="0.035" units="cm"/>
+    </inkml:brush>
+  </inkml:definitions>
+  <inkml:trace contextRef="#ctx0" brushRef="#br0">5 0 24575,'-1'75'0,"-1"-43"0,1-1 0,1 0 0,2 0 0,2 1 0,0-1 0,15 51 0,-1-32 0,19 82 0,-33-110 0,-1 0 0,0 0 0,-2 0 0,-1 1 0,0-1 0,-6 33 0,-1-13-1365,1-2-5461</inkml:trace>
+</inkml:ink>
+</file>
+
+<file path=ppt/ink/ink104.xml><?xml version="1.0" encoding="utf-8"?>
+<inkml:ink xmlns:inkml="http://www.w3.org/2003/InkML">
+  <inkml:definitions>
+    <inkml:context xml:id="ctx0">
+      <inkml:inkSource xml:id="inkSrc0">
+        <inkml:traceFormat>
+          <inkml:channel name="X" type="integer" min="-2.14748E9" max="2.14748E9" units="cm"/>
+          <inkml:channel name="Y" type="integer" min="-2.14748E9" max="2.14748E9" units="cm"/>
+          <inkml:channel name="F" type="integer" max="32767" units="dev"/>
+        </inkml:traceFormat>
+        <inkml:channelProperties>
+          <inkml:channelProperty channel="X" name="resolution" value="1000" units="1/cm"/>
+          <inkml:channelProperty channel="Y" name="resolution" value="1000" units="1/cm"/>
+          <inkml:channelProperty channel="F" name="resolution" value="0" units="1/dev"/>
+        </inkml:channelProperties>
+      </inkml:inkSource>
+      <inkml:timestamp xml:id="ts0" timeString="2024-08-15T23:06:27.381"/>
+    </inkml:context>
+    <inkml:brush xml:id="br0">
+      <inkml:brushProperty name="width" value="0.035" units="cm"/>
+      <inkml:brushProperty name="height" value="0.035" units="cm"/>
+    </inkml:brush>
+  </inkml:definitions>
+  <inkml:trace contextRef="#ctx0" brushRef="#br0">1 1 24575,'0'10'0,"0"16"0,0 12 0,0 7 0,0 0 0,0-2 0,0-3 0,0-2 0,0 2 0,0-5-8191</inkml:trace>
+</inkml:ink>
+</file>
+
+<file path=ppt/ink/ink105.xml><?xml version="1.0" encoding="utf-8"?>
+<inkml:ink xmlns:inkml="http://www.w3.org/2003/InkML">
+  <inkml:definitions>
+    <inkml:context xml:id="ctx0">
+      <inkml:inkSource xml:id="inkSrc0">
+        <inkml:traceFormat>
+          <inkml:channel name="X" type="integer" min="-2.14748E9" max="2.14748E9" units="cm"/>
+          <inkml:channel name="Y" type="integer" min="-2.14748E9" max="2.14748E9" units="cm"/>
+          <inkml:channel name="F" type="integer" max="32767" units="dev"/>
+        </inkml:traceFormat>
+        <inkml:channelProperties>
+          <inkml:channelProperty channel="X" name="resolution" value="1000" units="1/cm"/>
+          <inkml:channelProperty channel="Y" name="resolution" value="1000" units="1/cm"/>
+          <inkml:channelProperty channel="F" name="resolution" value="0" units="1/dev"/>
+        </inkml:channelProperties>
+      </inkml:inkSource>
+      <inkml:timestamp xml:id="ts0" timeString="2024-08-15T23:06:31.962"/>
+    </inkml:context>
+    <inkml:brush xml:id="br0">
+      <inkml:brushProperty name="width" value="0.035" units="cm"/>
+      <inkml:brushProperty name="height" value="0.035" units="cm"/>
+    </inkml:brush>
+  </inkml:definitions>
+  <inkml:trace contextRef="#ctx0" brushRef="#br0">0 1 24575,'6'0'0,"6"0"0,8 0 0,5 0 0,4 0 0,2 0 0,2 0 0,0 0 0,0 0 0,5 0 0,-4 0-8191</inkml:trace>
+</inkml:ink>
+</file>
+
+<file path=ppt/ink/ink106.xml><?xml version="1.0" encoding="utf-8"?>
+<inkml:ink xmlns:inkml="http://www.w3.org/2003/InkML">
+  <inkml:definitions>
+    <inkml:context xml:id="ctx0">
+      <inkml:inkSource xml:id="inkSrc0">
+        <inkml:traceFormat>
+          <inkml:channel name="X" type="integer" min="-2.14748E9" max="2.14748E9" units="cm"/>
+          <inkml:channel name="Y" type="integer" min="-2.14748E9" max="2.14748E9" units="cm"/>
+          <inkml:channel name="F" type="integer" max="32767" units="dev"/>
+        </inkml:traceFormat>
+        <inkml:channelProperties>
+          <inkml:channelProperty channel="X" name="resolution" value="1000" units="1/cm"/>
+          <inkml:channelProperty channel="Y" name="resolution" value="1000" units="1/cm"/>
+          <inkml:channelProperty channel="F" name="resolution" value="0" units="1/dev"/>
+        </inkml:channelProperties>
+      </inkml:inkSource>
+      <inkml:timestamp xml:id="ts0" timeString="2024-08-15T23:06:33.369"/>
+    </inkml:context>
+    <inkml:brush xml:id="br0">
+      <inkml:brushProperty name="width" value="0.035" units="cm"/>
+      <inkml:brushProperty name="height" value="0.035" units="cm"/>
+    </inkml:brush>
+  </inkml:definitions>
+  <inkml:trace contextRef="#ctx0" brushRef="#br0">0 0 24575,'41'3'0,"0"1"0,42 9 0,-31-4 0,22 5 0,-37-6 0,0-2 0,45 2 0,-48-5 66,51 9 0,17 3-1563,-75-14-5329</inkml:trace>
+</inkml:ink>
+</file>
+
+<file path=ppt/ink/ink107.xml><?xml version="1.0" encoding="utf-8"?>
+<inkml:ink xmlns:inkml="http://www.w3.org/2003/InkML">
+  <inkml:definitions>
+    <inkml:context xml:id="ctx0">
+      <inkml:inkSource xml:id="inkSrc0">
+        <inkml:traceFormat>
+          <inkml:channel name="X" type="integer" min="-2.14748E9" max="2.14748E9" units="cm"/>
+          <inkml:channel name="Y" type="integer" min="-2.14748E9" max="2.14748E9" units="cm"/>
+          <inkml:channel name="F" type="integer" max="32767" units="dev"/>
+        </inkml:traceFormat>
+        <inkml:channelProperties>
+          <inkml:channelProperty channel="X" name="resolution" value="1000" units="1/cm"/>
+          <inkml:channelProperty channel="Y" name="resolution" value="1000" units="1/cm"/>
+          <inkml:channelProperty channel="F" name="resolution" value="0" units="1/dev"/>
+        </inkml:channelProperties>
+      </inkml:inkSource>
+      <inkml:timestamp xml:id="ts0" timeString="2024-08-15T23:06:35.774"/>
+    </inkml:context>
+    <inkml:brush xml:id="br0">
+      <inkml:brushProperty name="width" value="0.035" units="cm"/>
+      <inkml:brushProperty name="height" value="0.035" units="cm"/>
+    </inkml:brush>
+  </inkml:definitions>
+  <inkml:trace contextRef="#ctx0" brushRef="#br0">1 1 24575,'0'601'-1365,"0"-572"-5461</inkml:trace>
+</inkml:ink>
+</file>
+
+<file path=ppt/ink/ink108.xml><?xml version="1.0" encoding="utf-8"?>
+<inkml:ink xmlns:inkml="http://www.w3.org/2003/InkML">
+  <inkml:definitions>
+    <inkml:context xml:id="ctx0">
+      <inkml:inkSource xml:id="inkSrc0">
+        <inkml:traceFormat>
+          <inkml:channel name="X" type="integer" min="-2.14748E9" max="2.14748E9" units="cm"/>
+          <inkml:channel name="Y" type="integer" min="-2.14748E9" max="2.14748E9" units="cm"/>
+          <inkml:channel name="F" type="integer" max="32767" units="dev"/>
+        </inkml:traceFormat>
+        <inkml:channelProperties>
+          <inkml:channelProperty channel="X" name="resolution" value="1000" units="1/cm"/>
+          <inkml:channelProperty channel="Y" name="resolution" value="1000" units="1/cm"/>
+          <inkml:channelProperty channel="F" name="resolution" value="0" units="1/dev"/>
+        </inkml:channelProperties>
+      </inkml:inkSource>
+      <inkml:timestamp xml:id="ts0" timeString="2024-08-15T23:06:39.567"/>
+    </inkml:context>
+    <inkml:brush xml:id="br0">
+      <inkml:brushProperty name="width" value="0.035" units="cm"/>
+      <inkml:brushProperty name="height" value="0.035" units="cm"/>
+    </inkml:brush>
+  </inkml:definitions>
+  <inkml:trace contextRef="#ctx0" brushRef="#br0">0 1 24575,'0'10'0,"5"16"0,2 7 0,0 4 0,-1 2 0,-2-2 0,-2 0 0,-1-3 0,0 0 0,-1-1 0,-1-1 0,1-1 0,5-5 0,2-1 0,0-1 0,-1 3 0,-2-5-8191</inkml:trace>
+</inkml:ink>
+</file>
+
+<file path=ppt/ink/ink109.xml><?xml version="1.0" encoding="utf-8"?>
+<inkml:ink xmlns:inkml="http://www.w3.org/2003/InkML">
+  <inkml:definitions>
+    <inkml:context xml:id="ctx0">
+      <inkml:inkSource xml:id="inkSrc0">
+        <inkml:traceFormat>
+          <inkml:channel name="X" type="integer" min="-2.14748E9" max="2.14748E9" units="cm"/>
+          <inkml:channel name="Y" type="integer" min="-2.14748E9" max="2.14748E9" units="cm"/>
+          <inkml:channel name="F" type="integer" max="32767" units="dev"/>
+        </inkml:traceFormat>
+        <inkml:channelProperties>
+          <inkml:channelProperty channel="X" name="resolution" value="1000" units="1/cm"/>
+          <inkml:channelProperty channel="Y" name="resolution" value="1000" units="1/cm"/>
+          <inkml:channelProperty channel="F" name="resolution" value="0" units="1/dev"/>
+        </inkml:channelProperties>
+      </inkml:inkSource>
+      <inkml:timestamp xml:id="ts0" timeString="2024-08-15T23:06:43.140"/>
+    </inkml:context>
+    <inkml:brush xml:id="br0">
+      <inkml:brushProperty name="width" value="0.035" units="cm"/>
+      <inkml:brushProperty name="height" value="0.035" units="cm"/>
+    </inkml:brush>
+  </inkml:definitions>
+  <inkml:trace contextRef="#ctx0" brushRef="#br0">505 1 24575,'-6'0'0,"-6"0"0,-8 0 0,-5 0 0,-3 0 0,-4 0 0,0 0 0,-1 0 0,0 0 0,0 0 0,0 0 0,1 0 0,0 0 0,0 0 0,0 0 0,0 0 0,1 0 0,4 0-8191</inkml:trace>
+</inkml:ink>
+</file>
+
 <file path=ppt/ink/ink11.xml><?xml version="1.0" encoding="utf-8"?>
 <inkml:ink xmlns:inkml="http://www.w3.org/2003/InkML">
   <inkml:definitions>
@@ -202,6 +475,60 @@
     </inkml:brush>
   </inkml:definitions>
   <inkml:trace contextRef="#ctx0" brushRef="#br0">1279 132 24575,'-33'-2'0,"1"-2"0,-1-1 0,1-2 0,-55-18 0,2 1 0,-5 3 0,-2 5 0,1 3 0,-2 5 0,-94 3 0,142 5 0,13-1 0,-1 1 0,1 2 0,-52 10 0,75-10 0,0 1 0,-1 0 0,1 0 0,0 1 0,1 1 0,-1-1 0,1 1 0,0 0 0,0 1 0,0 0 0,1 1 0,0-1 0,0 1 0,0 0 0,1 1 0,-7 11 0,4-4 0,2 0 0,0 0 0,0 1 0,1-1 0,1 1 0,1 0 0,1 1 0,0-1 0,1 1 0,0 0 0,1-1 0,4 33 0,-2-34 0,1-1 0,1 0 0,0 0 0,1 0 0,1 0 0,0-1 0,1 1 0,0-1 0,1-1 0,0 1 0,1-1 0,1 0 0,0-1 0,0 0 0,14 11 0,-1-2 0,1-2 0,2 0 0,0-2 0,0-1 0,1-1 0,1-1 0,1-1 0,-1-1 0,2-2 0,-1-1 0,46 7 0,3-5 0,10 0 0,124 32 0,-193-35 0,0 0 0,0 1 0,0 1 0,-1 0 0,-1 1 0,1 1 0,-2 1 0,0 0 0,0 1 0,-1 1 0,14 17 0,-5-3 0,-1 2 0,-1 1 0,-1 1 0,29 65 0,-37-68 0,-1 1 0,-2-1 0,-1 2 0,-1-1 0,-2 1 0,-1 0 0,0 61 0,-5-87 0,1-1 0,-1 0 0,0 0 0,0 1 0,0-1 0,0 0 0,-1 0 0,1 0 0,-1 0 0,0 0 0,0 0 0,-1-1 0,1 1 0,-1-1 0,0 1 0,0-1 0,0 0 0,0 0 0,-1 0 0,1-1 0,-1 1 0,1-1 0,-1 0 0,0 0 0,0 0 0,0 0 0,0-1 0,0 0 0,0 0 0,-9 1 0,-11 2 0,-1-2 0,0 0 0,0-2 0,-34-4 0,14 2 0,-548-3-169,428 5-1027,138 0-5630</inkml:trace>
+</inkml:ink>
+</file>
+
+<file path=ppt/ink/ink110.xml><?xml version="1.0" encoding="utf-8"?>
+<inkml:ink xmlns:inkml="http://www.w3.org/2003/InkML">
+  <inkml:definitions>
+    <inkml:context xml:id="ctx0">
+      <inkml:inkSource xml:id="inkSrc0">
+        <inkml:traceFormat>
+          <inkml:channel name="X" type="integer" min="-2.14748E9" max="2.14748E9" units="cm"/>
+          <inkml:channel name="Y" type="integer" min="-2.14748E9" max="2.14748E9" units="cm"/>
+          <inkml:channel name="F" type="integer" max="32767" units="dev"/>
+        </inkml:traceFormat>
+        <inkml:channelProperties>
+          <inkml:channelProperty channel="X" name="resolution" value="1000" units="1/cm"/>
+          <inkml:channelProperty channel="Y" name="resolution" value="1000" units="1/cm"/>
+          <inkml:channelProperty channel="F" name="resolution" value="0" units="1/dev"/>
+        </inkml:channelProperties>
+      </inkml:inkSource>
+      <inkml:timestamp xml:id="ts0" timeString="2024-08-15T23:06:44.826"/>
+    </inkml:context>
+    <inkml:brush xml:id="br0">
+      <inkml:brushProperty name="width" value="0.035" units="cm"/>
+      <inkml:brushProperty name="height" value="0.035" units="cm"/>
+    </inkml:brush>
+  </inkml:definitions>
+  <inkml:trace contextRef="#ctx0" brushRef="#br0">0 0 24575,'6'0'0,"11"0"0,10 0 0,5 0 0,2 0 0,1 0 0,0 0 0,0 0 0,-2 0 0,0 6 0,0 1 0,-7 0-8191</inkml:trace>
+</inkml:ink>
+</file>
+
+<file path=ppt/ink/ink111.xml><?xml version="1.0" encoding="utf-8"?>
+<inkml:ink xmlns:inkml="http://www.w3.org/2003/InkML">
+  <inkml:definitions>
+    <inkml:context xml:id="ctx0">
+      <inkml:inkSource xml:id="inkSrc0">
+        <inkml:traceFormat>
+          <inkml:channel name="X" type="integer" min="-2.14748E9" max="2.14748E9" units="cm"/>
+          <inkml:channel name="Y" type="integer" min="-2.14748E9" max="2.14748E9" units="cm"/>
+          <inkml:channel name="F" type="integer" max="32767" units="dev"/>
+        </inkml:traceFormat>
+        <inkml:channelProperties>
+          <inkml:channelProperty channel="X" name="resolution" value="1000" units="1/cm"/>
+          <inkml:channelProperty channel="Y" name="resolution" value="1000" units="1/cm"/>
+          <inkml:channelProperty channel="F" name="resolution" value="0" units="1/dev"/>
+        </inkml:channelProperties>
+      </inkml:inkSource>
+      <inkml:timestamp xml:id="ts0" timeString="2024-08-15T23:06:49.734"/>
+    </inkml:context>
+    <inkml:brush xml:id="br0">
+      <inkml:brushProperty name="width" value="0.035" units="cm"/>
+      <inkml:brushProperty name="height" value="0.035" units="cm"/>
+    </inkml:brush>
+  </inkml:definitions>
+  <inkml:trace contextRef="#ctx0" brushRef="#br0">0 14 24575,'11'0'0,"9"0"0,11 0 0,7 0 0,-4-6 0,-7-1-8191</inkml:trace>
 </inkml:ink>
 </file>
 
@@ -1765,6 +2092,202 @@
 </inkml:ink>
 </file>
 
+<file path=ppt/ink/ink63.xml><?xml version="1.0" encoding="utf-8"?>
+<inkml:ink xmlns:inkml="http://www.w3.org/2003/InkML">
+  <inkml:definitions>
+    <inkml:context xml:id="ctx0">
+      <inkml:inkSource xml:id="inkSrc0">
+        <inkml:traceFormat>
+          <inkml:channel name="X" type="integer" min="-2.14748E9" max="2.14748E9" units="cm"/>
+          <inkml:channel name="Y" type="integer" min="-2.14748E9" max="2.14748E9" units="cm"/>
+          <inkml:channel name="F" type="integer" max="32767" units="dev"/>
+        </inkml:traceFormat>
+        <inkml:channelProperties>
+          <inkml:channelProperty channel="X" name="resolution" value="1000" units="1/cm"/>
+          <inkml:channelProperty channel="Y" name="resolution" value="1000" units="1/cm"/>
+          <inkml:channelProperty channel="F" name="resolution" value="0" units="1/dev"/>
+        </inkml:channelProperties>
+      </inkml:inkSource>
+      <inkml:timestamp xml:id="ts0" timeString="2024-08-14T23:11:27.087"/>
+    </inkml:context>
+    <inkml:brush xml:id="br0">
+      <inkml:brushProperty name="width" value="0.035" units="cm"/>
+      <inkml:brushProperty name="height" value="0.035" units="cm"/>
+      <inkml:brushProperty name="color" value="#E71224"/>
+    </inkml:brush>
+  </inkml:definitions>
+  <inkml:trace contextRef="#ctx0" brushRef="#br0">1 148 24575,'3'6'0,"0"-1"0,0 0 0,0 1 0,0 0 0,-1 0 0,0 0 0,0 0 0,-1 0 0,0 0 0,1 8 0,2 8 0,24 163 0,-23-131 0,3-1 0,18 68 0,-25-116 0,0-1 0,1 1 0,-1-1 0,1 0 0,1 1 0,-1-1 0,0 0 0,1 0 0,0 0 0,0-1 0,0 1 0,0-1 0,1 0 0,0 0 0,5 4 0,-6-5 0,-1-1 0,1 0 0,0 0 0,0-1 0,0 1 0,0-1 0,1 1 0,-1-1 0,0 0 0,0 0 0,0 0 0,0 0 0,0-1 0,0 1 0,0-1 0,0 0 0,0 0 0,0 0 0,0 0 0,-1-1 0,1 1 0,0-1 0,-1 1 0,5-5 0,134-109 0,2-3 0,-106 92 0,104-75 0,259-138 0,-358 221 67,86-23 0,5-3-1566,-114 36-5327</inkml:trace>
+</inkml:ink>
+</file>
+
+<file path=ppt/ink/ink64.xml><?xml version="1.0" encoding="utf-8"?>
+<inkml:ink xmlns:inkml="http://www.w3.org/2003/InkML">
+  <inkml:definitions>
+    <inkml:context xml:id="ctx0">
+      <inkml:inkSource xml:id="inkSrc0">
+        <inkml:traceFormat>
+          <inkml:channel name="X" type="integer" min="-2.14748E9" max="2.14748E9" units="cm"/>
+          <inkml:channel name="Y" type="integer" min="-2.14748E9" max="2.14748E9" units="cm"/>
+          <inkml:channel name="F" type="integer" max="32767" units="dev"/>
+        </inkml:traceFormat>
+        <inkml:channelProperties>
+          <inkml:channelProperty channel="X" name="resolution" value="1000" units="1/cm"/>
+          <inkml:channelProperty channel="Y" name="resolution" value="1000" units="1/cm"/>
+          <inkml:channelProperty channel="F" name="resolution" value="0" units="1/dev"/>
+        </inkml:channelProperties>
+      </inkml:inkSource>
+      <inkml:timestamp xml:id="ts0" timeString="2024-08-14T23:13:01.156"/>
+    </inkml:context>
+    <inkml:brush xml:id="br0">
+      <inkml:brushProperty name="width" value="0.035" units="cm"/>
+      <inkml:brushProperty name="height" value="0.035" units="cm"/>
+      <inkml:brushProperty name="color" value="#E71224"/>
+    </inkml:brush>
+  </inkml:definitions>
+  <inkml:trace contextRef="#ctx0" brushRef="#br0">0 0 24575,'777'0'0,"-684"5"0,0 4 0,114 26 0,85 10 0,96-41 0,-208-7 0,702 3 0,-599 17 0,4 0 0,-208-17 0,134 18 0,-100-7 0,2-5 0,123-8 0,-61-1 0,-168 3 0,69 1 0,0-4 0,132-20 0,-202 21-195,-1 0 0,1 0 0,0-1 0,0 0 0,-1-1 0,9-4 0,5-7-6631</inkml:trace>
+</inkml:ink>
+</file>
+
+<file path=ppt/ink/ink65.xml><?xml version="1.0" encoding="utf-8"?>
+<inkml:ink xmlns:inkml="http://www.w3.org/2003/InkML">
+  <inkml:definitions>
+    <inkml:context xml:id="ctx0">
+      <inkml:inkSource xml:id="inkSrc0">
+        <inkml:traceFormat>
+          <inkml:channel name="X" type="integer" min="-2.14748E9" max="2.14748E9" units="cm"/>
+          <inkml:channel name="Y" type="integer" min="-2.14748E9" max="2.14748E9" units="cm"/>
+          <inkml:channel name="F" type="integer" max="32767" units="dev"/>
+        </inkml:traceFormat>
+        <inkml:channelProperties>
+          <inkml:channelProperty channel="X" name="resolution" value="1000" units="1/cm"/>
+          <inkml:channelProperty channel="Y" name="resolution" value="1000" units="1/cm"/>
+          <inkml:channelProperty channel="F" name="resolution" value="0" units="1/dev"/>
+        </inkml:channelProperties>
+      </inkml:inkSource>
+      <inkml:timestamp xml:id="ts0" timeString="2024-08-14T23:14:37.597"/>
+    </inkml:context>
+    <inkml:brush xml:id="br0">
+      <inkml:brushProperty name="width" value="0.035" units="cm"/>
+      <inkml:brushProperty name="height" value="0.035" units="cm"/>
+      <inkml:brushProperty name="color" value="#E71224"/>
+    </inkml:brush>
+  </inkml:definitions>
+  <inkml:trace contextRef="#ctx0" brushRef="#br0">1 1 24575,'87'1'0,"101"16"0,-39-4 0,224-10 0,-180-6 0,1334 3 0,-1500 1 0,0 2 0,-1 2 0,1 0 0,38 13 0,-37-9 0,0-2 0,1 0 0,46 3 0,259-10 101,-147-2-1567,-160 2-5360</inkml:trace>
+</inkml:ink>
+</file>
+
+<file path=ppt/ink/ink66.xml><?xml version="1.0" encoding="utf-8"?>
+<inkml:ink xmlns:inkml="http://www.w3.org/2003/InkML">
+  <inkml:definitions>
+    <inkml:context xml:id="ctx0">
+      <inkml:inkSource xml:id="inkSrc0">
+        <inkml:traceFormat>
+          <inkml:channel name="X" type="integer" min="-2.14748E9" max="2.14748E9" units="cm"/>
+          <inkml:channel name="Y" type="integer" min="-2.14748E9" max="2.14748E9" units="cm"/>
+          <inkml:channel name="F" type="integer" max="32767" units="dev"/>
+        </inkml:traceFormat>
+        <inkml:channelProperties>
+          <inkml:channelProperty channel="X" name="resolution" value="1000" units="1/cm"/>
+          <inkml:channelProperty channel="Y" name="resolution" value="1000" units="1/cm"/>
+          <inkml:channelProperty channel="F" name="resolution" value="0" units="1/dev"/>
+        </inkml:channelProperties>
+      </inkml:inkSource>
+      <inkml:timestamp xml:id="ts0" timeString="2024-08-14T23:15:07.581"/>
+    </inkml:context>
+    <inkml:brush xml:id="br0">
+      <inkml:brushProperty name="width" value="0.035" units="cm"/>
+      <inkml:brushProperty name="height" value="0.035" units="cm"/>
+      <inkml:brushProperty name="color" value="#E71224"/>
+    </inkml:brush>
+  </inkml:definitions>
+  <inkml:trace contextRef="#ctx0" brushRef="#br0">15 34 24575,'-1'0'0,"0"1"0,0-1 0,0 1 0,0 0 0,1-1 0,-1 1 0,0 0 0,0-1 0,0 1 0,1 0 0,-1 0 0,0 0 0,1 0 0,-1 0 0,1 0 0,-1 0 0,1 0 0,0 0 0,-1 0 0,1 0 0,0 0 0,-1 0 0,1 0 0,0 0 0,0 0 0,0 0 0,0 0 0,0 0 0,0 1 0,1-1 0,-1 1 0,3 37 0,-3-39 0,10 50 0,2-1 0,2-1 0,2 0 0,3-1 0,33 63 0,-46-99 0,0 0 0,1-1 0,-1 0 0,2 0 0,0-1 0,11 12 0,-15-18 0,0 1 0,1-1 0,-1 0 0,1 0 0,0-1 0,0 1 0,0-1 0,0 0 0,0 0 0,0-1 0,0 1 0,1-1 0,-1 0 0,1-1 0,-1 1 0,9-1 0,16-5 0,0-1 0,-1-1 0,1-2 0,-2 0 0,44-22 0,-3 2 0,-27 13 0,663-273 0,-593 242 0,48-23 0,-139 60-341,0 0 0,1 1-1,25-6 1,-17 8-6485</inkml:trace>
+</inkml:ink>
+</file>
+
+<file path=ppt/ink/ink67.xml><?xml version="1.0" encoding="utf-8"?>
+<inkml:ink xmlns:inkml="http://www.w3.org/2003/InkML">
+  <inkml:definitions>
+    <inkml:context xml:id="ctx0">
+      <inkml:inkSource xml:id="inkSrc0">
+        <inkml:traceFormat>
+          <inkml:channel name="X" type="integer" min="-2.14748E9" max="2.14748E9" units="cm"/>
+          <inkml:channel name="Y" type="integer" min="-2.14748E9" max="2.14748E9" units="cm"/>
+          <inkml:channel name="F" type="integer" max="32767" units="dev"/>
+        </inkml:traceFormat>
+        <inkml:channelProperties>
+          <inkml:channelProperty channel="X" name="resolution" value="1000" units="1/cm"/>
+          <inkml:channelProperty channel="Y" name="resolution" value="1000" units="1/cm"/>
+          <inkml:channelProperty channel="F" name="resolution" value="0" units="1/dev"/>
+        </inkml:channelProperties>
+      </inkml:inkSource>
+      <inkml:timestamp xml:id="ts0" timeString="2024-08-14T23:16:51.768"/>
+    </inkml:context>
+    <inkml:brush xml:id="br0">
+      <inkml:brushProperty name="width" value="0.035" units="cm"/>
+      <inkml:brushProperty name="height" value="0.035" units="cm"/>
+      <inkml:brushProperty name="color" value="#E71224"/>
+    </inkml:brush>
+  </inkml:definitions>
+  <inkml:trace contextRef="#ctx0" brushRef="#br0">3 1 24575,'-2'189'0,"5"207"0,-2-384 0,0 0 0,0-1 0,1 1 0,0-1 0,1 0 0,7 16 0,-9-23 0,1 0 0,0-1 0,0 1 0,1-1 0,-1 0 0,1 0 0,-1 0 0,1 0 0,0 0 0,0-1 0,0 1 0,1-1 0,-1 0 0,1 0 0,-1 0 0,1 0 0,-1-1 0,1 1 0,0-1 0,0 0 0,0 0 0,4 0 0,3 0 0,0 0 0,0-1 0,0 0 0,0-1 0,0 0 0,0-1 0,0 0 0,-1-1 0,1 0 0,0 0 0,-1-1 0,0-1 0,13-7 0,9-8 0,-1-1 0,45-42 0,11-7 0,-49 42 0,2 3 0,1 1 0,1 1 0,71-26 0,-104 46 0,322-132 0,-253 100-1365,-48 24-5461</inkml:trace>
+</inkml:ink>
+</file>
+
+<file path=ppt/ink/ink68.xml><?xml version="1.0" encoding="utf-8"?>
+<inkml:ink xmlns:inkml="http://www.w3.org/2003/InkML">
+  <inkml:definitions>
+    <inkml:context xml:id="ctx0">
+      <inkml:inkSource xml:id="inkSrc0">
+        <inkml:traceFormat>
+          <inkml:channel name="X" type="integer" min="-2.14748E9" max="2.14748E9" units="cm"/>
+          <inkml:channel name="Y" type="integer" min="-2.14748E9" max="2.14748E9" units="cm"/>
+          <inkml:channel name="F" type="integer" max="32767" units="dev"/>
+        </inkml:traceFormat>
+        <inkml:channelProperties>
+          <inkml:channelProperty channel="X" name="resolution" value="1000" units="1/cm"/>
+          <inkml:channelProperty channel="Y" name="resolution" value="1000" units="1/cm"/>
+          <inkml:channelProperty channel="F" name="resolution" value="0" units="1/dev"/>
+        </inkml:channelProperties>
+      </inkml:inkSource>
+      <inkml:timestamp xml:id="ts0" timeString="2024-08-14T23:20:51.028"/>
+    </inkml:context>
+    <inkml:brush xml:id="br0">
+      <inkml:brushProperty name="width" value="0.035" units="cm"/>
+      <inkml:brushProperty name="height" value="0.035" units="cm"/>
+      <inkml:brushProperty name="color" value="#E71224"/>
+    </inkml:brush>
+  </inkml:definitions>
+  <inkml:trace contextRef="#ctx0" brushRef="#br0">0 271 24575,'3'1'0,"-1"-1"0,1 1 0,0 0 0,-1 0 0,1 0 0,-1 0 0,0 0 0,1 1 0,-1-1 0,0 1 0,0-1 0,0 1 0,0 0 0,0 0 0,0 0 0,0 0 0,-1 0 0,1 0 0,-1 0 0,0 1 0,1-1 0,-1 0 0,0 1 0,0-1 0,0 1 0,-1-1 0,1 1 0,0 3 0,3 10 0,-1 1 0,2 32 0,-5 164 0,1 3 0,6-179 0,-6-36 0,-1 0 0,1 0 0,-1-1 0,1 1 0,-1 0 0,1 0 0,0 0 0,-1-1 0,1 1 0,0 0 0,0-1 0,-1 1 0,1-1 0,0 1 0,0-1 0,0 1 0,0-1 0,0 0 0,0 1 0,0-1 0,-1 0 0,1 0 0,0 1 0,0-1 0,0 0 0,0 0 0,0 0 0,0 0 0,0 0 0,0-1 0,0 1 0,0 0 0,0 0 0,0-1 0,0 1 0,0 0 0,0-1 0,1 0 0,19-10 0,-1-1 0,0-1 0,-1-1 0,27-24 0,4-4 0,50-30 0,213-116 0,131-17 0,-333 152 0,198-130 0,-301 178 0,35-22-1365,-7 7-5461</inkml:trace>
+</inkml:ink>
+</file>
+
+<file path=ppt/ink/ink69.xml><?xml version="1.0" encoding="utf-8"?>
+<inkml:ink xmlns:inkml="http://www.w3.org/2003/InkML">
+  <inkml:definitions>
+    <inkml:context xml:id="ctx0">
+      <inkml:inkSource xml:id="inkSrc0">
+        <inkml:traceFormat>
+          <inkml:channel name="X" type="integer" min="-2.14748E9" max="2.14748E9" units="cm"/>
+          <inkml:channel name="Y" type="integer" min="-2.14748E9" max="2.14748E9" units="cm"/>
+          <inkml:channel name="F" type="integer" max="32767" units="dev"/>
+        </inkml:traceFormat>
+        <inkml:channelProperties>
+          <inkml:channelProperty channel="X" name="resolution" value="1000" units="1/cm"/>
+          <inkml:channelProperty channel="Y" name="resolution" value="1000" units="1/cm"/>
+          <inkml:channelProperty channel="F" name="resolution" value="0" units="1/dev"/>
+        </inkml:channelProperties>
+      </inkml:inkSource>
+      <inkml:timestamp xml:id="ts0" timeString="2024-08-14T23:21:06.581"/>
+    </inkml:context>
+    <inkml:brush xml:id="br0">
+      <inkml:brushProperty name="width" value="0.035" units="cm"/>
+      <inkml:brushProperty name="height" value="0.035" units="cm"/>
+      <inkml:brushProperty name="color" value="#E71224"/>
+    </inkml:brush>
+  </inkml:definitions>
+  <inkml:trace contextRef="#ctx0" brushRef="#br0">195 167 24575,'7'-1'0,"-1"0"0,1 0 0,0-1 0,-1 0 0,12-4 0,24-7 0,-5 10 0,45 0 0,-52 4 0,-1-2 0,1-1 0,40-9 0,147-38 0,-322 46 0,-36 2 0,-134 5 0,272-4 0,-1 1 0,1-1 0,0 1 0,-1 0 0,1 0 0,0 0 0,0 0 0,0 1 0,0-1 0,0 1 0,0 0 0,0 0 0,0 0 0,1 0 0,-1 0 0,1 0 0,-1 1 0,1 0 0,0-1 0,0 1 0,0 0 0,1 0 0,-1 0 0,1 0 0,-1 0 0,1 0 0,0 0 0,0 1 0,0-1 0,0 5 0,-1 12 0,0-1 0,1 1 0,2 0 0,2 25 0,0-8 0,3 966 0,-8-584 0,1-396 0,-2 0 0,-1-1 0,0 1 0,-15 41 0,11-36 0,0 0 0,-5 38 0,2 27 0,-4 0 0,-50 165 0,54-217 0,0 1 0,3 0 0,2 1 0,-2 45 0,9 176 0,2-119 0,-4 10 0,3 144 0,3-261 0,1 0 0,14 49 0,4 22 0,-12-53 0,22 67 0,-17-69 0,13 70 0,-23-76 0,9 46 0,4 116 0,-18-150 0,2 0 0,3-1 0,3 0 0,2 0 0,3-1 0,26 66 0,-25-80 0,-2 1 0,-2 0 0,-2 1 0,-2 0 0,3 62 0,-11 241 0,-5-153 0,6 550 0,-4-691 0,-11 64 0,7-62 0,-2 59 0,7-91 0,-1-1 0,-1 1 0,-1-1 0,-10 28 0,6-20 0,-9 55 0,-10 148 0,27-230 0,0-1 0,0 0 0,1 0 0,0 0 0,-1 1 0,1-1 0,1 0 0,-1 0 0,1 1 0,0-1 0,0 0 0,0 0 0,0 0 0,1 0 0,-1 0 0,3 4 0,-1-5 0,0-1 0,0 1 0,0-1 0,0 0 0,0 0 0,0 0 0,1 0 0,-1-1 0,0 1 0,1-1 0,0 0 0,-1 0 0,1 0 0,-1 0 0,1-1 0,0 0 0,0 0 0,6 0 0,143-4 0,-92 0 0,81 6 0,-128 0 0,0 1 0,0 1 0,0 1 0,0-1 0,-1 2 0,0 0 0,15 10 0,-12-7 0,0-1 0,1 0 0,32 9 0,14-2 0,83 9 0,-192-26 0,26 3 0,1-2 0,-1 0 0,1-2 0,-1 0 0,1-1 0,-27-9 0,19 4 0,0 1 0,0 1 0,-1 1 0,1 2 0,-37-2 0,46 4 0,-1 0 0,1-1 0,0-1 0,0-1 0,0-1 0,1 0 0,-24-12 0,-91-61 0,108 63 0,15 9 0,0-1 0,1 0 0,0 0 0,0-1 0,1 0 0,0-1 0,0 1 0,1-1 0,1-1 0,-1 1 0,-4-16 0,-3-9 0,1-1 0,-7-43 0,-6-113 0,17 109 0,-4-88 0,12-176 0,2 147 0,-2-5947 0,0 6142 0,0 1 0,0 0 0,0-1 0,1 1 0,-1 0 0,1-1 0,0 1 0,0 0 0,1 0 0,-1 0 0,1 0 0,0 0 0,0 0 0,0 0 0,3-3 0,-2 4 0,1 0 0,-1 1 0,1-1 0,0 1 0,0 0 0,0 0 0,0 0 0,0 0 0,0 1 0,0-1 0,1 1 0,-1 0 0,0 1 0,9-1 0,2-1-124,1 0 0,-1 2 0,1 0 0,-1 0 0,1 2 0,-1 0-1,0 1 1,0 0 0,0 1 0,28 12 0,-13-1-6702</inkml:trace>
+</inkml:ink>
+</file>
+
 <file path=ppt/ink/ink7.xml><?xml version="1.0" encoding="utf-8"?>
 <inkml:ink xmlns:inkml="http://www.w3.org/2003/InkML">
   <inkml:definitions>
@@ -1790,6 +2313,286 @@
     </inkml:brush>
   </inkml:definitions>
   <inkml:trace contextRef="#ctx0" brushRef="#br0">1 0 24575,'5'0'0,"8"0"0,22 0 0,11 0 0,9 0 0,11 0 0,10 0 0,4 0 0,-8 0 0,-4 0 0,-8 0 0,-10 0 0,-7 0 0,-6 0 0,-9 0-8191</inkml:trace>
+</inkml:ink>
+</file>
+
+<file path=ppt/ink/ink70.xml><?xml version="1.0" encoding="utf-8"?>
+<inkml:ink xmlns:inkml="http://www.w3.org/2003/InkML">
+  <inkml:definitions>
+    <inkml:context xml:id="ctx0">
+      <inkml:inkSource xml:id="inkSrc0">
+        <inkml:traceFormat>
+          <inkml:channel name="X" type="integer" min="-2.14748E9" max="2.14748E9" units="cm"/>
+          <inkml:channel name="Y" type="integer" min="-2.14748E9" max="2.14748E9" units="cm"/>
+          <inkml:channel name="F" type="integer" max="32767" units="dev"/>
+        </inkml:traceFormat>
+        <inkml:channelProperties>
+          <inkml:channelProperty channel="X" name="resolution" value="1000" units="1/cm"/>
+          <inkml:channelProperty channel="Y" name="resolution" value="1000" units="1/cm"/>
+          <inkml:channelProperty channel="F" name="resolution" value="0" units="1/dev"/>
+        </inkml:channelProperties>
+      </inkml:inkSource>
+      <inkml:timestamp xml:id="ts0" timeString="2024-08-14T23:29:38.457"/>
+    </inkml:context>
+    <inkml:brush xml:id="br0">
+      <inkml:brushProperty name="width" value="0.035" units="cm"/>
+      <inkml:brushProperty name="height" value="0.035" units="cm"/>
+      <inkml:brushProperty name="color" value="#E71224"/>
+    </inkml:brush>
+  </inkml:definitions>
+  <inkml:trace contextRef="#ctx0" brushRef="#br0">1 0 24575,'23'2'0,"0"0"0,40 9 0,22 3 0,-31-5 0,1 2 0,-2 2 0,0 3 0,0 2 0,51 25 0,-29-12 0,98 27 0,-73-32 0,-8-1 0,123 17 0,47-3 0,-129-16 0,219 9 0,1253-32 100,-708-2-1565,-854 2-5361</inkml:trace>
+</inkml:ink>
+</file>
+
+<file path=ppt/ink/ink71.xml><?xml version="1.0" encoding="utf-8"?>
+<inkml:ink xmlns:inkml="http://www.w3.org/2003/InkML">
+  <inkml:definitions>
+    <inkml:context xml:id="ctx0">
+      <inkml:inkSource xml:id="inkSrc0">
+        <inkml:traceFormat>
+          <inkml:channel name="X" type="integer" min="-2.14748E9" max="2.14748E9" units="cm"/>
+          <inkml:channel name="Y" type="integer" min="-2.14748E9" max="2.14748E9" units="cm"/>
+          <inkml:channel name="F" type="integer" max="32767" units="dev"/>
+        </inkml:traceFormat>
+        <inkml:channelProperties>
+          <inkml:channelProperty channel="X" name="resolution" value="1000" units="1/cm"/>
+          <inkml:channelProperty channel="Y" name="resolution" value="1000" units="1/cm"/>
+          <inkml:channelProperty channel="F" name="resolution" value="0" units="1/dev"/>
+        </inkml:channelProperties>
+      </inkml:inkSource>
+      <inkml:timestamp xml:id="ts0" timeString="2024-08-14T23:31:02.455"/>
+    </inkml:context>
+    <inkml:brush xml:id="br0">
+      <inkml:brushProperty name="width" value="0.035" units="cm"/>
+      <inkml:brushProperty name="height" value="0.035" units="cm"/>
+      <inkml:brushProperty name="color" value="#E71224"/>
+    </inkml:brush>
+  </inkml:definitions>
+  <inkml:trace contextRef="#ctx0" brushRef="#br0">0 1 24575,'4047'0'-1365,"-4013"0"-5461</inkml:trace>
+</inkml:ink>
+</file>
+
+<file path=ppt/ink/ink72.xml><?xml version="1.0" encoding="utf-8"?>
+<inkml:ink xmlns:inkml="http://www.w3.org/2003/InkML">
+  <inkml:definitions>
+    <inkml:context xml:id="ctx0">
+      <inkml:inkSource xml:id="inkSrc0">
+        <inkml:traceFormat>
+          <inkml:channel name="X" type="integer" min="-2.14748E9" max="2.14748E9" units="cm"/>
+          <inkml:channel name="Y" type="integer" min="-2.14748E9" max="2.14748E9" units="cm"/>
+          <inkml:channel name="F" type="integer" max="32767" units="dev"/>
+        </inkml:traceFormat>
+        <inkml:channelProperties>
+          <inkml:channelProperty channel="X" name="resolution" value="1000" units="1/cm"/>
+          <inkml:channelProperty channel="Y" name="resolution" value="1000" units="1/cm"/>
+          <inkml:channelProperty channel="F" name="resolution" value="0" units="1/dev"/>
+        </inkml:channelProperties>
+      </inkml:inkSource>
+      <inkml:timestamp xml:id="ts0" timeString="2024-08-14T23:31:28.884"/>
+    </inkml:context>
+    <inkml:brush xml:id="br0">
+      <inkml:brushProperty name="width" value="0.035" units="cm"/>
+      <inkml:brushProperty name="height" value="0.035" units="cm"/>
+      <inkml:brushProperty name="color" value="#E71224"/>
+    </inkml:brush>
+  </inkml:definitions>
+  <inkml:trace contextRef="#ctx0" brushRef="#br0">1 204 24575,'5'3'0,"0"1"0,1-1 0,-1 0 0,1 0 0,0 0 0,-1-1 0,1 0 0,0 0 0,1-1 0,-1 1 0,0-1 0,9 0 0,75 0 0,-33-7 0,0-3 0,87-24 0,-85 18 0,0 2 0,66-5 0,95 14 0,2-1 0,-179 2 0,0-3 0,-1-1 0,50-15 0,-43 8 0,0 3 0,1 2 0,66-3 0,154 8 0,-263 4 0,998 1 0,-760-17 0,6-1 0,339 18 0,-518-7-1365,-37 0-5461</inkml:trace>
+</inkml:ink>
+</file>
+
+<file path=ppt/ink/ink73.xml><?xml version="1.0" encoding="utf-8"?>
+<inkml:ink xmlns:inkml="http://www.w3.org/2003/InkML">
+  <inkml:definitions>
+    <inkml:context xml:id="ctx0">
+      <inkml:inkSource xml:id="inkSrc0">
+        <inkml:traceFormat>
+          <inkml:channel name="X" type="integer" min="-2.14748E9" max="2.14748E9" units="cm"/>
+          <inkml:channel name="Y" type="integer" min="-2.14748E9" max="2.14748E9" units="cm"/>
+          <inkml:channel name="F" type="integer" max="32767" units="dev"/>
+        </inkml:traceFormat>
+        <inkml:channelProperties>
+          <inkml:channelProperty channel="X" name="resolution" value="1000" units="1/cm"/>
+          <inkml:channelProperty channel="Y" name="resolution" value="1000" units="1/cm"/>
+          <inkml:channelProperty channel="F" name="resolution" value="0" units="1/dev"/>
+        </inkml:channelProperties>
+      </inkml:inkSource>
+      <inkml:timestamp xml:id="ts0" timeString="2024-08-14T23:34:42.201"/>
+    </inkml:context>
+    <inkml:brush xml:id="br0">
+      <inkml:brushProperty name="width" value="0.035" units="cm"/>
+      <inkml:brushProperty name="height" value="0.035" units="cm"/>
+      <inkml:brushProperty name="color" value="#E71224"/>
+    </inkml:brush>
+  </inkml:definitions>
+  <inkml:trace contextRef="#ctx0" brushRef="#br0">1 495 24575,'0'0'0,"0"0"0,0-1 0,1 1 0,-1 0 0,0-1 0,1 1 0,-1 0 0,0 0 0,1-1 0,-1 1 0,0 0 0,1 0 0,-1-1 0,0 1 0,1 0 0,-1 0 0,1 0 0,-1 0 0,0 0 0,1 0 0,-1 0 0,1-1 0,-1 1 0,0 0 0,1 0 0,-1 1 0,1-1 0,-1 0 0,0 0 0,1 0 0,-1 0 0,1 0 0,-1 0 0,0 0 0,1 1 0,-1-1 0,0 0 0,1 1 0,8 18 0,-3 31 0,-6-46 0,2 226 0,0 17 0,-2-244 0,0 0 0,1-1 0,-1 1 0,0 0 0,1 0 0,0 0 0,-1-1 0,1 1 0,1 0 0,-1-1 0,0 1 0,0-1 0,1 1 0,0-1 0,-1 1 0,1-1 0,0 0 0,0 0 0,0 0 0,5 3 0,-4-3 0,1-1 0,0 1 0,0-1 0,-1 0 0,1 0 0,0-1 0,0 1 0,0-1 0,0 0 0,0 0 0,0 0 0,0 0 0,6-2 0,13-4 0,0-1 0,-1-1 0,0 0 0,25-15 0,-32 15 0,845-480 0,-803 453 0,248-169 0,108-62 0,-355 236-1365,-11 8-5461</inkml:trace>
+</inkml:ink>
+</file>
+
+<file path=ppt/ink/ink74.xml><?xml version="1.0" encoding="utf-8"?>
+<inkml:ink xmlns:inkml="http://www.w3.org/2003/InkML">
+  <inkml:definitions>
+    <inkml:context xml:id="ctx0">
+      <inkml:inkSource xml:id="inkSrc0">
+        <inkml:traceFormat>
+          <inkml:channel name="X" type="integer" min="-2.14748E9" max="2.14748E9" units="cm"/>
+          <inkml:channel name="Y" type="integer" min="-2.14748E9" max="2.14748E9" units="cm"/>
+          <inkml:channel name="F" type="integer" max="32767" units="dev"/>
+        </inkml:traceFormat>
+        <inkml:channelProperties>
+          <inkml:channelProperty channel="X" name="resolution" value="1000" units="1/cm"/>
+          <inkml:channelProperty channel="Y" name="resolution" value="1000" units="1/cm"/>
+          <inkml:channelProperty channel="F" name="resolution" value="0" units="1/dev"/>
+        </inkml:channelProperties>
+      </inkml:inkSource>
+      <inkml:timestamp xml:id="ts0" timeString="2024-08-14T23:35:16.173"/>
+    </inkml:context>
+    <inkml:brush xml:id="br0">
+      <inkml:brushProperty name="width" value="0.035" units="cm"/>
+      <inkml:brushProperty name="height" value="0.035" units="cm"/>
+      <inkml:brushProperty name="color" value="#E71224"/>
+    </inkml:brush>
+  </inkml:definitions>
+  <inkml:trace contextRef="#ctx0" brushRef="#br0">1 201 24575,'0'1'0,"0"0"0,1 0 0,-1 0 0,0 0 0,1 0 0,-1 0 0,1 0 0,0 0 0,-1 0 0,1 0 0,0 0 0,0 0 0,0 0 0,-1 0 0,1 0 0,0-1 0,0 1 0,0 0 0,0-1 0,0 1 0,1-1 0,-1 1 0,0-1 0,0 0 0,0 1 0,0-1 0,3 0 0,37 6 0,-37-5 0,218 30 0,-135-15 0,102 4 0,186-19 0,-176-3 0,8-14 0,-1 0 0,-104 17 0,-52 1 0,0-1 0,0-3 0,0-3 0,75-15 0,-28-10 0,94-45 0,-103 38 0,127-35 0,-158 62-53,1 2 0,0 3 0,0 2-1,91 8 1,-62-2-1046,-50-2-5727</inkml:trace>
+</inkml:ink>
+</file>
+
+<file path=ppt/ink/ink75.xml><?xml version="1.0" encoding="utf-8"?>
+<inkml:ink xmlns:inkml="http://www.w3.org/2003/InkML">
+  <inkml:definitions>
+    <inkml:context xml:id="ctx0">
+      <inkml:inkSource xml:id="inkSrc0">
+        <inkml:traceFormat>
+          <inkml:channel name="X" type="integer" min="-2.14748E9" max="2.14748E9" units="cm"/>
+          <inkml:channel name="Y" type="integer" min="-2.14748E9" max="2.14748E9" units="cm"/>
+          <inkml:channel name="F" type="integer" max="32767" units="dev"/>
+        </inkml:traceFormat>
+        <inkml:channelProperties>
+          <inkml:channelProperty channel="X" name="resolution" value="1000" units="1/cm"/>
+          <inkml:channelProperty channel="Y" name="resolution" value="1000" units="1/cm"/>
+          <inkml:channelProperty channel="F" name="resolution" value="0" units="1/dev"/>
+        </inkml:channelProperties>
+      </inkml:inkSource>
+      <inkml:timestamp xml:id="ts0" timeString="2024-08-14T23:35:23.366"/>
+    </inkml:context>
+    <inkml:brush xml:id="br0">
+      <inkml:brushProperty name="width" value="0.035" units="cm"/>
+      <inkml:brushProperty name="height" value="0.035" units="cm"/>
+      <inkml:brushProperty name="color" value="#E71224"/>
+    </inkml:brush>
+  </inkml:definitions>
+  <inkml:trace contextRef="#ctx0" brushRef="#br0">0 34 24575,'3971'0'0,"-3752"-16"0,2-1 0,982 18 0,-1134 5-1365,-40 1-5461</inkml:trace>
+</inkml:ink>
+</file>
+
+<file path=ppt/ink/ink76.xml><?xml version="1.0" encoding="utf-8"?>
+<inkml:ink xmlns:inkml="http://www.w3.org/2003/InkML">
+  <inkml:definitions>
+    <inkml:context xml:id="ctx0">
+      <inkml:inkSource xml:id="inkSrc0">
+        <inkml:traceFormat>
+          <inkml:channel name="X" type="integer" min="-2.14748E9" max="2.14748E9" units="cm"/>
+          <inkml:channel name="Y" type="integer" min="-2.14748E9" max="2.14748E9" units="cm"/>
+          <inkml:channel name="F" type="integer" max="32767" units="dev"/>
+        </inkml:traceFormat>
+        <inkml:channelProperties>
+          <inkml:channelProperty channel="X" name="resolution" value="1000" units="1/cm"/>
+          <inkml:channelProperty channel="Y" name="resolution" value="1000" units="1/cm"/>
+          <inkml:channelProperty channel="F" name="resolution" value="0" units="1/dev"/>
+        </inkml:channelProperties>
+      </inkml:inkSource>
+      <inkml:timestamp xml:id="ts0" timeString="2024-08-14T23:35:32.906"/>
+    </inkml:context>
+    <inkml:brush xml:id="br0">
+      <inkml:brushProperty name="width" value="0.035" units="cm"/>
+      <inkml:brushProperty name="height" value="0.035" units="cm"/>
+      <inkml:brushProperty name="color" value="#E71224"/>
+    </inkml:brush>
+  </inkml:definitions>
+  <inkml:trace contextRef="#ctx0" brushRef="#br0">0 97 24575,'4'-2'0,"-1"-1"0,1 0 0,0 1 0,0-1 0,0 1 0,0 0 0,0 0 0,0 1 0,1-1 0,-1 1 0,1 0 0,6-1 0,60-1 0,-40 3 0,1148-6 0,-640 9 0,2627-3 0,-2501-32 0,7-1 0,930 36 0,-1514 1 63,140 25 0,-20-2-1554,-176-24-5335</inkml:trace>
+</inkml:ink>
+</file>
+
+<file path=ppt/ink/ink77.xml><?xml version="1.0" encoding="utf-8"?>
+<inkml:ink xmlns:inkml="http://www.w3.org/2003/InkML">
+  <inkml:definitions>
+    <inkml:context xml:id="ctx0">
+      <inkml:inkSource xml:id="inkSrc0">
+        <inkml:traceFormat>
+          <inkml:channel name="X" type="integer" min="-2.14748E9" max="2.14748E9" units="cm"/>
+          <inkml:channel name="Y" type="integer" min="-2.14748E9" max="2.14748E9" units="cm"/>
+          <inkml:channel name="F" type="integer" max="32767" units="dev"/>
+        </inkml:traceFormat>
+        <inkml:channelProperties>
+          <inkml:channelProperty channel="X" name="resolution" value="1000" units="1/cm"/>
+          <inkml:channelProperty channel="Y" name="resolution" value="1000" units="1/cm"/>
+          <inkml:channelProperty channel="F" name="resolution" value="0" units="1/dev"/>
+        </inkml:channelProperties>
+      </inkml:inkSource>
+      <inkml:timestamp xml:id="ts0" timeString="2024-08-14T23:35:36.014"/>
+    </inkml:context>
+    <inkml:brush xml:id="br0">
+      <inkml:brushProperty name="width" value="0.035" units="cm"/>
+      <inkml:brushProperty name="height" value="0.035" units="cm"/>
+      <inkml:brushProperty name="color" value="#E71224"/>
+    </inkml:brush>
+  </inkml:definitions>
+  <inkml:trace contextRef="#ctx0" brushRef="#br0">0 130 24575,'750'36'0,"-683"-31"0,1358 21 0,-999-29 0,193 5 0,548-6 0,-532-53 0,-462 35 0,-20 8 0,97-15 0,-115 2 0,2 7 0,157-3 0,812 24 0,-412 2 0,-667-2-382,0 2 0,49 11 0,-73-13 163,24 4-6607</inkml:trace>
+</inkml:ink>
+</file>
+
+<file path=ppt/ink/ink78.xml><?xml version="1.0" encoding="utf-8"?>
+<inkml:ink xmlns:inkml="http://www.w3.org/2003/InkML">
+  <inkml:definitions>
+    <inkml:context xml:id="ctx0">
+      <inkml:inkSource xml:id="inkSrc0">
+        <inkml:traceFormat>
+          <inkml:channel name="X" type="integer" min="-2.14748E9" max="2.14748E9" units="cm"/>
+          <inkml:channel name="Y" type="integer" min="-2.14748E9" max="2.14748E9" units="cm"/>
+          <inkml:channel name="F" type="integer" max="32767" units="dev"/>
+        </inkml:traceFormat>
+        <inkml:channelProperties>
+          <inkml:channelProperty channel="X" name="resolution" value="1000" units="1/cm"/>
+          <inkml:channelProperty channel="Y" name="resolution" value="1000" units="1/cm"/>
+          <inkml:channelProperty channel="F" name="resolution" value="0" units="1/dev"/>
+        </inkml:channelProperties>
+      </inkml:inkSource>
+      <inkml:timestamp xml:id="ts0" timeString="2024-08-14T23:35:46.444"/>
+    </inkml:context>
+    <inkml:brush xml:id="br0">
+      <inkml:brushProperty name="width" value="0.035" units="cm"/>
+      <inkml:brushProperty name="height" value="0.035" units="cm"/>
+      <inkml:brushProperty name="color" value="#E71224"/>
+    </inkml:brush>
+  </inkml:definitions>
+  <inkml:trace contextRef="#ctx0" brushRef="#br0">0 164 24575,'2214'0'0,"-2036"-1"0,-1-7 0,0-9 0,208-45 0,-262 36 0,2 6 0,0 4 0,176 2 0,439 19-1365,-709-5-5461</inkml:trace>
+</inkml:ink>
+</file>
+
+<file path=ppt/ink/ink79.xml><?xml version="1.0" encoding="utf-8"?>
+<inkml:ink xmlns:inkml="http://www.w3.org/2003/InkML">
+  <inkml:definitions>
+    <inkml:context xml:id="ctx0">
+      <inkml:inkSource xml:id="inkSrc0">
+        <inkml:traceFormat>
+          <inkml:channel name="X" type="integer" min="-2.14748E9" max="2.14748E9" units="cm"/>
+          <inkml:channel name="Y" type="integer" min="-2.14748E9" max="2.14748E9" units="cm"/>
+          <inkml:channel name="F" type="integer" max="32767" units="dev"/>
+        </inkml:traceFormat>
+        <inkml:channelProperties>
+          <inkml:channelProperty channel="X" name="resolution" value="1000" units="1/cm"/>
+          <inkml:channelProperty channel="Y" name="resolution" value="1000" units="1/cm"/>
+          <inkml:channelProperty channel="F" name="resolution" value="0" units="1/dev"/>
+        </inkml:channelProperties>
+      </inkml:inkSource>
+      <inkml:timestamp xml:id="ts0" timeString="2024-08-14T23:35:49.567"/>
+    </inkml:context>
+    <inkml:brush xml:id="br0">
+      <inkml:brushProperty name="width" value="0.035" units="cm"/>
+      <inkml:brushProperty name="height" value="0.035" units="cm"/>
+      <inkml:brushProperty name="color" value="#E71224"/>
+    </inkml:brush>
+  </inkml:definitions>
+  <inkml:trace contextRef="#ctx0" brushRef="#br0">6817 31 24575,'-1'-1'0,"1"0"0,0 0 0,-1 1 0,1-1 0,-1 0 0,0 0 0,1 1 0,-1-1 0,1 0 0,-1 1 0,0-1 0,0 1 0,1-1 0,-1 1 0,0-1 0,0 1 0,0-1 0,1 1 0,-1 0 0,0-1 0,0 1 0,0 0 0,0 0 0,-1 0 0,-29-6 0,25 5 0,-51-5 0,1 2 0,-1 3 0,-71 7 0,-172 34 0,137-15 0,-689 35 0,-9-61 0,335-3 0,-3199 4-1365,3690 0-5461</inkml:trace>
 </inkml:ink>
 </file>
 
@@ -1821,6 +2624,286 @@
 </inkml:ink>
 </file>
 
+<file path=ppt/ink/ink80.xml><?xml version="1.0" encoding="utf-8"?>
+<inkml:ink xmlns:inkml="http://www.w3.org/2003/InkML">
+  <inkml:definitions>
+    <inkml:context xml:id="ctx0">
+      <inkml:inkSource xml:id="inkSrc0">
+        <inkml:traceFormat>
+          <inkml:channel name="X" type="integer" min="-2.14748E9" max="2.14748E9" units="cm"/>
+          <inkml:channel name="Y" type="integer" min="-2.14748E9" max="2.14748E9" units="cm"/>
+          <inkml:channel name="F" type="integer" max="32767" units="dev"/>
+        </inkml:traceFormat>
+        <inkml:channelProperties>
+          <inkml:channelProperty channel="X" name="resolution" value="1000" units="1/cm"/>
+          <inkml:channelProperty channel="Y" name="resolution" value="1000" units="1/cm"/>
+          <inkml:channelProperty channel="F" name="resolution" value="0" units="1/dev"/>
+        </inkml:channelProperties>
+      </inkml:inkSource>
+      <inkml:timestamp xml:id="ts0" timeString="2024-08-14T23:19:31.198"/>
+    </inkml:context>
+    <inkml:brush xml:id="br0">
+      <inkml:brushProperty name="width" value="0.035" units="cm"/>
+      <inkml:brushProperty name="height" value="0.035" units="cm"/>
+      <inkml:brushProperty name="color" value="#E71224"/>
+    </inkml:brush>
+  </inkml:definitions>
+  <inkml:trace contextRef="#ctx0" brushRef="#br0">1 330 24575,'3'78'0,"4"0"0,4 0 0,26 103 0,-30-162 0,0 0 0,2-1 0,0 0 0,0-1 0,17 22 0,-25-37 0,0 1 0,1-1 0,-1 0 0,0 0 0,1 0 0,0 0 0,0 0 0,-1-1 0,1 1 0,0-1 0,0 1 0,0-1 0,1 1 0,-1-1 0,0 0 0,0 0 0,1 0 0,-1 0 0,1-1 0,-1 1 0,0-1 0,1 1 0,-1-1 0,1 0 0,0 0 0,-1 0 0,1 0 0,-1 0 0,1-1 0,-1 1 0,0-1 0,1 0 0,-1 1 0,1-1 0,-1 0 0,0 0 0,0-1 0,1 1 0,-1 0 0,0-1 0,0 0 0,2-2 0,10-9 0,0 0 0,-2-1 0,0 0 0,17-26 0,-20 28 0,44-63 0,120-152 0,-120 165 0,-24 25 0,3 2 0,65-57 0,-66 67-113,45-34-513,95-96 0,-156 138-6200</inkml:trace>
+</inkml:ink>
+</file>
+
+<file path=ppt/ink/ink81.xml><?xml version="1.0" encoding="utf-8"?>
+<inkml:ink xmlns:inkml="http://www.w3.org/2003/InkML">
+  <inkml:definitions>
+    <inkml:context xml:id="ctx0">
+      <inkml:inkSource xml:id="inkSrc0">
+        <inkml:traceFormat>
+          <inkml:channel name="X" type="integer" min="-2.14748E9" max="2.14748E9" units="cm"/>
+          <inkml:channel name="Y" type="integer" min="-2.14748E9" max="2.14748E9" units="cm"/>
+          <inkml:channel name="F" type="integer" max="32767" units="dev"/>
+        </inkml:traceFormat>
+        <inkml:channelProperties>
+          <inkml:channelProperty channel="X" name="resolution" value="1000" units="1/cm"/>
+          <inkml:channelProperty channel="Y" name="resolution" value="1000" units="1/cm"/>
+          <inkml:channelProperty channel="F" name="resolution" value="0" units="1/dev"/>
+        </inkml:channelProperties>
+      </inkml:inkSource>
+      <inkml:timestamp xml:id="ts0" timeString="2024-08-14T23:19:32.676"/>
+    </inkml:context>
+    <inkml:brush xml:id="br0">
+      <inkml:brushProperty name="width" value="0.035" units="cm"/>
+      <inkml:brushProperty name="height" value="0.035" units="cm"/>
+      <inkml:brushProperty name="color" value="#E71224"/>
+    </inkml:brush>
+  </inkml:definitions>
+  <inkml:trace contextRef="#ctx0" brushRef="#br0">0 1 24575,'6'0'0,"6"5"0,7 8 0,12 12 0,5 12 0,2 6 0,-5 1 0,-4-2 0,0-3 0,0 4 0,0-7 0,-4-3 0,-2-2 0,1-1 0,2 0 0,2-6 0,-4-6-8191</inkml:trace>
+</inkml:ink>
+</file>
+
+<file path=ppt/ink/ink82.xml><?xml version="1.0" encoding="utf-8"?>
+<inkml:ink xmlns:inkml="http://www.w3.org/2003/InkML">
+  <inkml:definitions>
+    <inkml:context xml:id="ctx0">
+      <inkml:inkSource xml:id="inkSrc0">
+        <inkml:traceFormat>
+          <inkml:channel name="X" type="integer" min="-2.14748E9" max="2.14748E9" units="cm"/>
+          <inkml:channel name="Y" type="integer" min="-2.14748E9" max="2.14748E9" units="cm"/>
+          <inkml:channel name="F" type="integer" max="32767" units="dev"/>
+        </inkml:traceFormat>
+        <inkml:channelProperties>
+          <inkml:channelProperty channel="X" name="resolution" value="1000" units="1/cm"/>
+          <inkml:channelProperty channel="Y" name="resolution" value="1000" units="1/cm"/>
+          <inkml:channelProperty channel="F" name="resolution" value="0" units="1/dev"/>
+        </inkml:channelProperties>
+      </inkml:inkSource>
+      <inkml:timestamp xml:id="ts0" timeString="2024-08-14T23:57:19.341"/>
+    </inkml:context>
+    <inkml:brush xml:id="br0">
+      <inkml:brushProperty name="width" value="0.035" units="cm"/>
+      <inkml:brushProperty name="height" value="0.035" units="cm"/>
+      <inkml:brushProperty name="color" value="#E71224"/>
+    </inkml:brush>
+  </inkml:definitions>
+  <inkml:trace contextRef="#ctx0" brushRef="#br0">0 1 24575,'4'3'0,"0"-1"0,0 1 0,0-1 0,0 0 0,0 0 0,1 0 0,-1-1 0,0 1 0,1-1 0,-1 0 0,7 0 0,57 4 0,-45-4 0,263 6 0,117 10 0,-70 27 0,-139-14 0,242 4 0,0-36 0,-401 4 0,0 2 0,-1 1 0,50 14 0,53 9 0,520 10 0,-576-37 0,109 17 0,-8 4 0,248 1 0,746-24-1365,-1123 1-5461</inkml:trace>
+</inkml:ink>
+</file>
+
+<file path=ppt/ink/ink83.xml><?xml version="1.0" encoding="utf-8"?>
+<inkml:ink xmlns:inkml="http://www.w3.org/2003/InkML">
+  <inkml:definitions>
+    <inkml:context xml:id="ctx0">
+      <inkml:inkSource xml:id="inkSrc0">
+        <inkml:traceFormat>
+          <inkml:channel name="X" type="integer" min="-2.14748E9" max="2.14748E9" units="cm"/>
+          <inkml:channel name="Y" type="integer" min="-2.14748E9" max="2.14748E9" units="cm"/>
+          <inkml:channel name="F" type="integer" max="32767" units="dev"/>
+        </inkml:traceFormat>
+        <inkml:channelProperties>
+          <inkml:channelProperty channel="X" name="resolution" value="1000" units="1/cm"/>
+          <inkml:channelProperty channel="Y" name="resolution" value="1000" units="1/cm"/>
+          <inkml:channelProperty channel="F" name="resolution" value="0" units="1/dev"/>
+        </inkml:channelProperties>
+      </inkml:inkSource>
+      <inkml:timestamp xml:id="ts0" timeString="2024-08-15T22:36:42.540"/>
+    </inkml:context>
+    <inkml:brush xml:id="br0">
+      <inkml:brushProperty name="width" value="0.035" units="cm"/>
+      <inkml:brushProperty name="height" value="0.035" units="cm"/>
+      <inkml:brushProperty name="color" value="#E71224"/>
+    </inkml:brush>
+  </inkml:definitions>
+  <inkml:trace contextRef="#ctx0" brushRef="#br0">357 1 24575,'-2'7'0,"0"1"0,0-1 0,-1 0 0,0 0 0,-1 0 0,1 0 0,-1 0 0,0-1 0,-6 7 0,8-11 0,1 0 0,-1-1 0,0 1 0,0 0 0,0-1 0,0 0 0,0 1 0,0-1 0,0 0 0,0 0 0,-1 0 0,1-1 0,0 1 0,-1 0 0,1-1 0,0 1 0,-1-1 0,1 0 0,-1 0 0,1 0 0,0 0 0,-1 0 0,1-1 0,-1 1 0,1-1 0,0 0 0,-1 1 0,1-1 0,0 0 0,0 0 0,-3-2 0,-11-6 0,6 3 0,-1 0 0,0 1 0,0 0 0,-16-5 0,24 9 0,0 1 0,0-1 0,0 1 0,-1-1 0,1 1 0,0 0 0,-1 0 0,1 1 0,0-1 0,0 1 0,-1-1 0,1 1 0,0 0 0,0 0 0,0 1 0,0-1 0,0 1 0,0-1 0,1 1 0,-1 0 0,-3 2 0,-2 5 0,0 0 0,0 0 0,1 0 0,0 1 0,1 0 0,0 0 0,0 1 0,1-1 0,0 1 0,1 1 0,1-1 0,0 0 0,0 1 0,-1 18 0,0 18 0,1 0 0,7 64 0,-1-36 0,-5-27 0,1-34 0,0 0 0,1-1 0,1 1 0,0 0 0,1-1 0,5 25 0,-5-36 0,-1-1 0,1 1 0,0 0 0,0-1 0,0 1 0,0-1 0,0 0 0,1 1 0,-1-1 0,1 0 0,-1-1 0,1 1 0,0 0 0,-1-1 0,1 1 0,0-1 0,0 0 0,0 0 0,0 0 0,0 0 0,1-1 0,4 1 0,10 1 0,-1-1 0,35-3 0,-28 1 0,11 0 0,0 0 0,0 0 0,68-13 0,-91 11 0,0-1 0,0 0 0,-1-1 0,0 0 0,1 0 0,-2-1 0,1-1 0,-1 0 0,0 0 0,0-1 0,-1 0 0,9-11 0,11-15 0,-2-1 0,-1-1 0,-2-1 0,-1-2 0,20-48 0,-41 84 0,0-1 0,-1 1 0,1-1 0,-1 0 0,0 0 0,0 1 0,0-1 0,0 0 0,-1 0 0,0 0 0,1 0 0,-1 0 0,-1 0 0,1 0 0,0 0 0,-1 1 0,0-1 0,0 0 0,0 0 0,-1 1 0,1-1 0,-1 0 0,0 1 0,0-1 0,0 1 0,0 0 0,-1 0 0,1 0 0,-1 0 0,0 0 0,1 1 0,-5-4 0,-15-11-195,-1 1 0,-1 1 0,0 0 0,-1 2 0,0 1 0,-37-12 0,31 17-6631</inkml:trace>
+</inkml:ink>
+</file>
+
+<file path=ppt/ink/ink84.xml><?xml version="1.0" encoding="utf-8"?>
+<inkml:ink xmlns:inkml="http://www.w3.org/2003/InkML">
+  <inkml:definitions>
+    <inkml:context xml:id="ctx0">
+      <inkml:inkSource xml:id="inkSrc0">
+        <inkml:traceFormat>
+          <inkml:channel name="X" type="integer" min="-2.14748E9" max="2.14748E9" units="cm"/>
+          <inkml:channel name="Y" type="integer" min="-2.14748E9" max="2.14748E9" units="cm"/>
+          <inkml:channel name="F" type="integer" max="32767" units="dev"/>
+        </inkml:traceFormat>
+        <inkml:channelProperties>
+          <inkml:channelProperty channel="X" name="resolution" value="1000" units="1/cm"/>
+          <inkml:channelProperty channel="Y" name="resolution" value="1000" units="1/cm"/>
+          <inkml:channelProperty channel="F" name="resolution" value="0" units="1/dev"/>
+        </inkml:channelProperties>
+      </inkml:inkSource>
+      <inkml:timestamp xml:id="ts0" timeString="2024-08-15T22:36:44.650"/>
+    </inkml:context>
+    <inkml:brush xml:id="br0">
+      <inkml:brushProperty name="width" value="0.035" units="cm"/>
+      <inkml:brushProperty name="height" value="0.035" units="cm"/>
+      <inkml:brushProperty name="color" value="#E71224"/>
+    </inkml:brush>
+  </inkml:definitions>
+  <inkml:trace contextRef="#ctx0" brushRef="#br0">612 67 24575,'-26'-12'0,"0"2"0,-1 0 0,0 2 0,-1 1 0,0 1 0,-40-4 0,7 6 0,-116 7 0,170-3 0,1 1 0,-1-1 0,1 1 0,0 1 0,-1-1 0,1 1 0,0 0 0,0 1 0,0-1 0,0 1 0,0 0 0,1 1 0,-1-1 0,1 1 0,0 0 0,-6 6 0,7-4 0,0 0 0,0 0 0,0 0 0,1 1 0,0-1 0,0 1 0,1 0 0,0-1 0,0 1 0,1 0 0,-1 0 0,2 1 0,-1-1 0,1 11 0,0 3 0,-2 13 0,2-1 0,2 0 0,1 1 0,1-1 0,10 37 0,-9-57 0,0-1 0,0 0 0,1 0 0,0-1 0,1 0 0,0 0 0,1 0 0,0-1 0,1-1 0,18 17 0,-12-14 0,1-1 0,0-1 0,1 0 0,0-2 0,0 0 0,31 10 0,-45-17 0,32 11 0,0-2 0,52 9 0,-78-18 0,1 0 0,-1 0 0,1-1 0,-1 0 0,1 0 0,-1-1 0,1-1 0,-1 1 0,0-1 0,0-1 0,0 0 0,0 0 0,0-1 0,14-8 0,-17 7 0,0-1 0,-1 1 0,0-1 0,0 0 0,-1 0 0,0 0 0,0-1 0,0 0 0,4-11 0,23-67 0,-26 66-85,-1 0 0,-1 0-1,0 0 1,-2 0 0,0-1-1,-1 1 1,-1 0 0,-1-1-1,0 1 1,-2 0 0,0 0-1,-1 1 1,-1-1 0,-1 1-1,-12-24 1,-7-3-6741</inkml:trace>
+</inkml:ink>
+</file>
+
+<file path=ppt/ink/ink85.xml><?xml version="1.0" encoding="utf-8"?>
+<inkml:ink xmlns:inkml="http://www.w3.org/2003/InkML">
+  <inkml:definitions>
+    <inkml:context xml:id="ctx0">
+      <inkml:inkSource xml:id="inkSrc0">
+        <inkml:traceFormat>
+          <inkml:channel name="X" type="integer" min="-2.14748E9" max="2.14748E9" units="cm"/>
+          <inkml:channel name="Y" type="integer" min="-2.14748E9" max="2.14748E9" units="cm"/>
+          <inkml:channel name="F" type="integer" max="32767" units="dev"/>
+        </inkml:traceFormat>
+        <inkml:channelProperties>
+          <inkml:channelProperty channel="X" name="resolution" value="1000" units="1/cm"/>
+          <inkml:channelProperty channel="Y" name="resolution" value="1000" units="1/cm"/>
+          <inkml:channelProperty channel="F" name="resolution" value="0" units="1/dev"/>
+        </inkml:channelProperties>
+      </inkml:inkSource>
+      <inkml:timestamp xml:id="ts0" timeString="2024-08-15T22:38:32.814"/>
+    </inkml:context>
+    <inkml:brush xml:id="br0">
+      <inkml:brushProperty name="width" value="0.035" units="cm"/>
+      <inkml:brushProperty name="height" value="0.035" units="cm"/>
+      <inkml:brushProperty name="color" value="#E71224"/>
+    </inkml:brush>
+  </inkml:definitions>
+  <inkml:trace contextRef="#ctx0" brushRef="#br0">0 1 24575,'1956'0'0,"-1626"15"0,-44 1 0,662-14 0,-492-4 0,-382 6 0,134 23 0,-20 0 0,9 4 0,26 2 0,52-29 0,-11-1 0,-161 12 0,-72-9 0,53 3 0,16-10-341,0-5 0,0-5-1,99-23 1,-165 28-6485</inkml:trace>
+</inkml:ink>
+</file>
+
+<file path=ppt/ink/ink86.xml><?xml version="1.0" encoding="utf-8"?>
+<inkml:ink xmlns:inkml="http://www.w3.org/2003/InkML">
+  <inkml:definitions>
+    <inkml:context xml:id="ctx0">
+      <inkml:inkSource xml:id="inkSrc0">
+        <inkml:traceFormat>
+          <inkml:channel name="X" type="integer" min="-2.14748E9" max="2.14748E9" units="cm"/>
+          <inkml:channel name="Y" type="integer" min="-2.14748E9" max="2.14748E9" units="cm"/>
+          <inkml:channel name="F" type="integer" max="32767" units="dev"/>
+        </inkml:traceFormat>
+        <inkml:channelProperties>
+          <inkml:channelProperty channel="X" name="resolution" value="1000" units="1/cm"/>
+          <inkml:channelProperty channel="Y" name="resolution" value="1000" units="1/cm"/>
+          <inkml:channelProperty channel="F" name="resolution" value="0" units="1/dev"/>
+        </inkml:channelProperties>
+      </inkml:inkSource>
+      <inkml:timestamp xml:id="ts0" timeString="2024-08-15T22:39:22.084"/>
+    </inkml:context>
+    <inkml:brush xml:id="br0">
+      <inkml:brushProperty name="width" value="0.035" units="cm"/>
+      <inkml:brushProperty name="height" value="0.035" units="cm"/>
+      <inkml:brushProperty name="color" value="#E71224"/>
+    </inkml:brush>
+  </inkml:definitions>
+  <inkml:trace contextRef="#ctx0" brushRef="#br0">3 123 24575,'-2'124'0,"5"135"0,-3-256 0,0-1 0,0 1 0,0 0 0,1-1 0,-1 1 0,1 0 0,-1-1 0,1 1 0,0-1 0,0 1 0,0-1 0,1 0 0,-1 1 0,1-1 0,-1 0 0,4 4 0,-4-6 0,0 1 0,1 0 0,-1-1 0,0 1 0,0-1 0,1 0 0,-1 1 0,0-1 0,1 0 0,-1 0 0,1 0 0,-1 0 0,0 0 0,1 0 0,-1 0 0,0 0 0,1-1 0,-1 1 0,0 0 0,1-1 0,-1 1 0,2-2 0,8-4 0,-1-1 0,0 0 0,0-1 0,-1 0 0,12-12 0,-19 17 0,40-36 0,3 2 0,0 2 0,3 1 0,80-42 0,219-80 0,-309 141-455,-2-1 0,67-41 0,-66 30-6371</inkml:trace>
+</inkml:ink>
+</file>
+
+<file path=ppt/ink/ink87.xml><?xml version="1.0" encoding="utf-8"?>
+<inkml:ink xmlns:inkml="http://www.w3.org/2003/InkML">
+  <inkml:definitions>
+    <inkml:context xml:id="ctx0">
+      <inkml:inkSource xml:id="inkSrc0">
+        <inkml:traceFormat>
+          <inkml:channel name="X" type="integer" min="-2.14748E9" max="2.14748E9" units="cm"/>
+          <inkml:channel name="Y" type="integer" min="-2.14748E9" max="2.14748E9" units="cm"/>
+          <inkml:channel name="F" type="integer" max="32767" units="dev"/>
+        </inkml:traceFormat>
+        <inkml:channelProperties>
+          <inkml:channelProperty channel="X" name="resolution" value="1000" units="1/cm"/>
+          <inkml:channelProperty channel="Y" name="resolution" value="1000" units="1/cm"/>
+          <inkml:channelProperty channel="F" name="resolution" value="0" units="1/dev"/>
+        </inkml:channelProperties>
+      </inkml:inkSource>
+      <inkml:timestamp xml:id="ts0" timeString="2024-08-15T22:39:23.591"/>
+    </inkml:context>
+    <inkml:brush xml:id="br0">
+      <inkml:brushProperty name="width" value="0.035" units="cm"/>
+      <inkml:brushProperty name="height" value="0.035" units="cm"/>
+      <inkml:brushProperty name="color" value="#E71224"/>
+    </inkml:brush>
+  </inkml:definitions>
+  <inkml:trace contextRef="#ctx0" brushRef="#br0">1 0 24575,'5'14'0,"0"-1"0,0 1 0,-1 0 0,-1 0 0,0 1 0,1 17 0,-1 91 0,-3-70 0,-2 4 0,1 44 0,1-94 0,1 0 0,0 0 0,0-1 0,1 1 0,0 0 0,0 0 0,0-1 0,1 1 0,0-1 0,7 11 0,-8-15 0,0 1 0,0-1 0,0 0 0,0 0 0,0-1 0,0 1 0,0 0 0,1-1 0,-1 1 0,1-1 0,-1 0 0,1 0 0,0 0 0,-1 0 0,1 0 0,0-1 0,4 1 0,-1-1 0,0 0 0,-1 0 0,1 0 0,0-1 0,0 0 0,0 0 0,-1-1 0,7-2 0,10-6 0,0 0 0,-1-2 0,25-17 0,-31 19 0,168-126 0,-131 92 0,3 3 0,88-51 0,-120 82 44,-1 0-1,34-8 0,33-13-1538,-65 18-5331</inkml:trace>
+</inkml:ink>
+</file>
+
+<file path=ppt/ink/ink88.xml><?xml version="1.0" encoding="utf-8"?>
+<inkml:ink xmlns:inkml="http://www.w3.org/2003/InkML">
+  <inkml:definitions>
+    <inkml:context xml:id="ctx0">
+      <inkml:inkSource xml:id="inkSrc0">
+        <inkml:traceFormat>
+          <inkml:channel name="X" type="integer" min="-2.14748E9" max="2.14748E9" units="cm"/>
+          <inkml:channel name="Y" type="integer" min="-2.14748E9" max="2.14748E9" units="cm"/>
+          <inkml:channel name="F" type="integer" max="32767" units="dev"/>
+        </inkml:traceFormat>
+        <inkml:channelProperties>
+          <inkml:channelProperty channel="X" name="resolution" value="1000" units="1/cm"/>
+          <inkml:channelProperty channel="Y" name="resolution" value="1000" units="1/cm"/>
+          <inkml:channelProperty channel="F" name="resolution" value="0" units="1/dev"/>
+        </inkml:channelProperties>
+      </inkml:inkSource>
+      <inkml:timestamp xml:id="ts0" timeString="2024-08-15T22:39:30.634"/>
+    </inkml:context>
+    <inkml:brush xml:id="br0">
+      <inkml:brushProperty name="width" value="0.035" units="cm"/>
+      <inkml:brushProperty name="height" value="0.035" units="cm"/>
+      <inkml:brushProperty name="color" value="#E71224"/>
+    </inkml:brush>
+  </inkml:definitions>
+  <inkml:trace contextRef="#ctx0" brushRef="#br0">120 1 24575,'-4'5'0,"1"1"0,0 0 0,0 0 0,1 0 0,-1 0 0,1 0 0,1 0 0,-1 0 0,1 1 0,0-1 0,0 12 0,-3 11 0,-82 483 0,85-506 0,0 0 0,0 0 0,1 0 0,0 0 0,0 0 0,0 0 0,1 0 0,2 9 0,-3-14 0,1 0 0,-1 0 0,1 0 0,-1 0 0,1 0 0,0 0 0,-1 0 0,1 0 0,0 0 0,0-1 0,-1 1 0,1 0 0,0 0 0,0-1 0,0 1 0,0-1 0,0 1 0,0-1 0,0 1 0,1 0 0,1-1 0,-1 0 0,1 0 0,-1 0 0,1 0 0,-1 0 0,1 0 0,-1-1 0,1 1 0,-1-1 0,1 0 0,-1 1 0,5-4 0,689-313 0,-231 104 0,-442 199-1365,-7 2-5461</inkml:trace>
+</inkml:ink>
+</file>
+
+<file path=ppt/ink/ink89.xml><?xml version="1.0" encoding="utf-8"?>
+<inkml:ink xmlns:inkml="http://www.w3.org/2003/InkML">
+  <inkml:definitions>
+    <inkml:context xml:id="ctx0">
+      <inkml:inkSource xml:id="inkSrc0">
+        <inkml:traceFormat>
+          <inkml:channel name="X" type="integer" min="-2.14748E9" max="2.14748E9" units="cm"/>
+          <inkml:channel name="Y" type="integer" min="-2.14748E9" max="2.14748E9" units="cm"/>
+          <inkml:channel name="F" type="integer" max="32767" units="dev"/>
+        </inkml:traceFormat>
+        <inkml:channelProperties>
+          <inkml:channelProperty channel="X" name="resolution" value="1000" units="1/cm"/>
+          <inkml:channelProperty channel="Y" name="resolution" value="1000" units="1/cm"/>
+          <inkml:channelProperty channel="F" name="resolution" value="0" units="1/dev"/>
+        </inkml:channelProperties>
+      </inkml:inkSource>
+      <inkml:timestamp xml:id="ts0" timeString="2024-08-15T22:39:34.503"/>
+    </inkml:context>
+    <inkml:brush xml:id="br0">
+      <inkml:brushProperty name="width" value="0.035" units="cm"/>
+      <inkml:brushProperty name="height" value="0.035" units="cm"/>
+      <inkml:brushProperty name="color" value="#E71224"/>
+    </inkml:brush>
+  </inkml:definitions>
+  <inkml:trace contextRef="#ctx0" brushRef="#br0">0 0 24575,'1601'0'0,"-1187"30"0,-254-3 0,55 6 0,366-27 0,-114-6 0,85 47 0,-494-41 0,268 42 32,-178-22-730,240 10-1,-347-36-6127</inkml:trace>
+</inkml:ink>
+</file>
+
 <file path=ppt/ink/ink9.xml><?xml version="1.0" encoding="utf-8"?>
 <inkml:ink xmlns:inkml="http://www.w3.org/2003/InkML">
   <inkml:definitions>
@@ -1846,6 +2929,283 @@
     </inkml:brush>
   </inkml:definitions>
   <inkml:trace contextRef="#ctx0" brushRef="#br0">0 0 24575,'2'104'0,"4"-1"0,4 0 0,27 114 0,-5-20 0,-14-72 0,-11-94 35,1 0 0,19 46 0,-16-51-402,-2 0-1,-1 0 1,9 51-1,-15-47-6458</inkml:trace>
+</inkml:ink>
+</file>
+
+<file path=ppt/ink/ink90.xml><?xml version="1.0" encoding="utf-8"?>
+<inkml:ink xmlns:inkml="http://www.w3.org/2003/InkML">
+  <inkml:definitions>
+    <inkml:context xml:id="ctx0">
+      <inkml:inkSource xml:id="inkSrc0">
+        <inkml:traceFormat>
+          <inkml:channel name="X" type="integer" min="-2.14748E9" max="2.14748E9" units="cm"/>
+          <inkml:channel name="Y" type="integer" min="-2.14748E9" max="2.14748E9" units="cm"/>
+          <inkml:channel name="F" type="integer" max="32767" units="dev"/>
+        </inkml:traceFormat>
+        <inkml:channelProperties>
+          <inkml:channelProperty channel="X" name="resolution" value="1000" units="1/cm"/>
+          <inkml:channelProperty channel="Y" name="resolution" value="1000" units="1/cm"/>
+          <inkml:channelProperty channel="F" name="resolution" value="0" units="1/dev"/>
+        </inkml:channelProperties>
+      </inkml:inkSource>
+      <inkml:timestamp xml:id="ts0" timeString="2024-08-15T22:46:45.083"/>
+    </inkml:context>
+    <inkml:brush xml:id="br0">
+      <inkml:brushProperty name="width" value="0.035" units="cm"/>
+      <inkml:brushProperty name="height" value="0.035" units="cm"/>
+      <inkml:brushProperty name="color" value="#E71224"/>
+    </inkml:brush>
+  </inkml:definitions>
+  <inkml:trace contextRef="#ctx0" brushRef="#br0">0 160 24575,'1'-1'0,"-1"0"0,1-1 0,0 1 0,-1 0 0,1 0 0,0-1 0,0 1 0,0 0 0,0 0 0,0 0 0,0 0 0,0 0 0,0 1 0,0-1 0,0 0 0,0 0 0,1 1 0,-1-1 0,0 0 0,1 1 0,-1 0 0,0-1 0,1 1 0,-1 0 0,0-1 0,1 1 0,1 0 0,48-6 0,-44 6 0,532-6 0,-300 9 0,2905-3 0,-3087-3 0,-1-3 0,80-17 0,-73 10 0,103-6 0,550 16 0,-347 6 0,-155-19 0,-4-1 0,254-1 0,-64 5-1365,-360 13-5461</inkml:trace>
+</inkml:ink>
+</file>
+
+<file path=ppt/ink/ink91.xml><?xml version="1.0" encoding="utf-8"?>
+<inkml:ink xmlns:inkml="http://www.w3.org/2003/InkML">
+  <inkml:definitions>
+    <inkml:context xml:id="ctx0">
+      <inkml:inkSource xml:id="inkSrc0">
+        <inkml:traceFormat>
+          <inkml:channel name="X" type="integer" min="-2.14748E9" max="2.14748E9" units="cm"/>
+          <inkml:channel name="Y" type="integer" min="-2.14748E9" max="2.14748E9" units="cm"/>
+          <inkml:channel name="F" type="integer" max="32767" units="dev"/>
+        </inkml:traceFormat>
+        <inkml:channelProperties>
+          <inkml:channelProperty channel="X" name="resolution" value="1000" units="1/cm"/>
+          <inkml:channelProperty channel="Y" name="resolution" value="1000" units="1/cm"/>
+          <inkml:channelProperty channel="F" name="resolution" value="0" units="1/dev"/>
+        </inkml:channelProperties>
+      </inkml:inkSource>
+      <inkml:timestamp xml:id="ts0" timeString="2024-08-15T22:47:16.415"/>
+    </inkml:context>
+    <inkml:brush xml:id="br0">
+      <inkml:brushProperty name="width" value="0.035" units="cm"/>
+      <inkml:brushProperty name="height" value="0.035" units="cm"/>
+      <inkml:brushProperty name="color" value="#E71224"/>
+    </inkml:brush>
+  </inkml:definitions>
+  <inkml:trace contextRef="#ctx0" brushRef="#br0">0 118 24575,'21'48'0,"-3"1"0,-2 1 0,-2 0 0,-2 1 0,7 70 0,-15-100 0,1 16 0,2 0 0,2 0 0,25 68 0,-33-103 0,0 1 0,0 0 0,0-1 0,0 1 0,1-1 0,-1 1 0,1-1 0,0 0 0,-1 1 0,1-1 0,0 0 0,0 0 0,1-1 0,-1 1 0,0 0 0,1-1 0,-1 1 0,1-1 0,-1 0 0,1 0 0,0 0 0,-1 0 0,1 0 0,0 0 0,0-1 0,-1 1 0,1-1 0,0 0 0,0 0 0,0 0 0,0 0 0,0-1 0,-1 1 0,1-1 0,0 1 0,0-1 0,-1 0 0,1 0 0,0-1 0,-1 1 0,1 0 0,2-3 0,12-7 0,0-1 0,-2-1 0,1 0 0,23-28 0,-31 33 0,232-276 0,6-5 0,-230 275-150,-1 0-1,2 1 1,18-12 0,-24 18-614,9-6-6062</inkml:trace>
+</inkml:ink>
+</file>
+
+<file path=ppt/ink/ink92.xml><?xml version="1.0" encoding="utf-8"?>
+<inkml:ink xmlns:inkml="http://www.w3.org/2003/InkML">
+  <inkml:definitions>
+    <inkml:context xml:id="ctx0">
+      <inkml:inkSource xml:id="inkSrc0">
+        <inkml:traceFormat>
+          <inkml:channel name="X" type="integer" min="-2.14748E9" max="2.14748E9" units="cm"/>
+          <inkml:channel name="Y" type="integer" min="-2.14748E9" max="2.14748E9" units="cm"/>
+          <inkml:channel name="F" type="integer" max="32767" units="dev"/>
+        </inkml:traceFormat>
+        <inkml:channelProperties>
+          <inkml:channelProperty channel="X" name="resolution" value="1000" units="1/cm"/>
+          <inkml:channelProperty channel="Y" name="resolution" value="1000" units="1/cm"/>
+          <inkml:channelProperty channel="F" name="resolution" value="0" units="1/dev"/>
+        </inkml:channelProperties>
+      </inkml:inkSource>
+      <inkml:timestamp xml:id="ts0" timeString="2024-08-15T22:52:02.836"/>
+    </inkml:context>
+    <inkml:brush xml:id="br0">
+      <inkml:brushProperty name="width" value="0.035" units="cm"/>
+      <inkml:brushProperty name="height" value="0.035" units="cm"/>
+      <inkml:brushProperty name="color" value="#E71224"/>
+    </inkml:brush>
+  </inkml:definitions>
+  <inkml:trace contextRef="#ctx0" brushRef="#br0">2 722 24575,'0'-418'0,"-2"585"0,5 192 0,-2-342 0,0-1 0,1 1 0,1 0 0,0-1 0,2 0 0,-1 0 0,12 24 0,-14-36 0,0-1 0,0 1 0,0-1 0,1 1 0,-1-1 0,1 0 0,0 0 0,0 0 0,0-1 0,0 1 0,0-1 0,1 1 0,-1-1 0,1 0 0,-1 0 0,1-1 0,0 1 0,0-1 0,0 0 0,0 0 0,0 0 0,0 0 0,0-1 0,0 1 0,0-1 0,0 0 0,0-1 0,0 1 0,1-1 0,-1 1 0,0-1 0,0-1 0,-1 1 0,1 0 0,0-1 0,5-2 0,10-6 0,0 0 0,0-1 0,0 0 0,-2-2 0,1 0 0,18-19 0,91-105 0,-48 49 0,-27 36 0,1 1 0,102-71 0,-123 100 0,1 2 0,0 1 0,1 2 0,1 1 0,1 2 0,73-19 0,-12 14 0,-32 7 0,-1-2 0,65-23 0,294-112 0,-344 114 0,-58 24 0,1 1 0,0 1 0,29-7 0,10-1-1365,-34 10-5461</inkml:trace>
+</inkml:ink>
+</file>
+
+<file path=ppt/ink/ink93.xml><?xml version="1.0" encoding="utf-8"?>
+<inkml:ink xmlns:inkml="http://www.w3.org/2003/InkML">
+  <inkml:definitions>
+    <inkml:context xml:id="ctx0">
+      <inkml:inkSource xml:id="inkSrc0">
+        <inkml:traceFormat>
+          <inkml:channel name="X" type="integer" min="-2.14748E9" max="2.14748E9" units="cm"/>
+          <inkml:channel name="Y" type="integer" min="-2.14748E9" max="2.14748E9" units="cm"/>
+          <inkml:channel name="F" type="integer" max="32767" units="dev"/>
+        </inkml:traceFormat>
+        <inkml:channelProperties>
+          <inkml:channelProperty channel="X" name="resolution" value="1000" units="1/cm"/>
+          <inkml:channelProperty channel="Y" name="resolution" value="1000" units="1/cm"/>
+          <inkml:channelProperty channel="F" name="resolution" value="0" units="1/dev"/>
+        </inkml:channelProperties>
+      </inkml:inkSource>
+      <inkml:timestamp xml:id="ts0" timeString="2024-08-15T22:52:14.449"/>
+    </inkml:context>
+    <inkml:brush xml:id="br0">
+      <inkml:brushProperty name="width" value="0.035" units="cm"/>
+      <inkml:brushProperty name="height" value="0.035" units="cm"/>
+      <inkml:brushProperty name="color" value="#E71224"/>
+    </inkml:brush>
+  </inkml:definitions>
+  <inkml:trace contextRef="#ctx0" brushRef="#br0">1 0 24575,'39'3'0,"0"2"0,0 1 0,0 2 0,62 22 0,34 6 0,-37-18 0,185 8 0,103-25 0,-225-3 0,-33 1 0,1129 18 0,-412-6 0,-197-8 0,-392 12 0,52 1 0,91-17-1365,-361 1-5461</inkml:trace>
+</inkml:ink>
+</file>
+
+<file path=ppt/ink/ink94.xml><?xml version="1.0" encoding="utf-8"?>
+<inkml:ink xmlns:inkml="http://www.w3.org/2003/InkML">
+  <inkml:definitions>
+    <inkml:context xml:id="ctx0">
+      <inkml:inkSource xml:id="inkSrc0">
+        <inkml:traceFormat>
+          <inkml:channel name="X" type="integer" min="-2.14748E9" max="2.14748E9" units="cm"/>
+          <inkml:channel name="Y" type="integer" min="-2.14748E9" max="2.14748E9" units="cm"/>
+          <inkml:channel name="F" type="integer" max="32767" units="dev"/>
+        </inkml:traceFormat>
+        <inkml:channelProperties>
+          <inkml:channelProperty channel="X" name="resolution" value="1000" units="1/cm"/>
+          <inkml:channelProperty channel="Y" name="resolution" value="1000" units="1/cm"/>
+          <inkml:channelProperty channel="F" name="resolution" value="0" units="1/dev"/>
+        </inkml:channelProperties>
+      </inkml:inkSource>
+      <inkml:timestamp xml:id="ts0" timeString="2024-08-15T22:56:16.386"/>
+    </inkml:context>
+    <inkml:brush xml:id="br0">
+      <inkml:brushProperty name="width" value="0.035" units="cm"/>
+      <inkml:brushProperty name="height" value="0.035" units="cm"/>
+      <inkml:brushProperty name="color" value="#E71224"/>
+    </inkml:brush>
+  </inkml:definitions>
+  <inkml:trace contextRef="#ctx0" brushRef="#br0">0 2 24575,'135'-2'0,"152"5"0,-138 12 0,36 1 0,634-15 0,-390-3 0,-384 5 0,-1 1 0,0 3 0,44 12 0,-41-9 0,-1-1 0,80 5 0,-49-10 0,80 14 0,-109-13 0,89-3 0,-97-4 0,0 2 0,0 2 0,60 11 0,-25-2 0,2-2 0,-1-4 0,121-8 0,-52 0 0,196 3-1365,-307 0-5461</inkml:trace>
+</inkml:ink>
+</file>
+
+<file path=ppt/ink/ink95.xml><?xml version="1.0" encoding="utf-8"?>
+<inkml:ink xmlns:inkml="http://www.w3.org/2003/InkML">
+  <inkml:definitions>
+    <inkml:context xml:id="ctx0">
+      <inkml:inkSource xml:id="inkSrc0">
+        <inkml:traceFormat>
+          <inkml:channel name="X" type="integer" min="-2.14748E9" max="2.14748E9" units="cm"/>
+          <inkml:channel name="Y" type="integer" min="-2.14748E9" max="2.14748E9" units="cm"/>
+          <inkml:channel name="F" type="integer" max="32767" units="dev"/>
+        </inkml:traceFormat>
+        <inkml:channelProperties>
+          <inkml:channelProperty channel="X" name="resolution" value="1000" units="1/cm"/>
+          <inkml:channelProperty channel="Y" name="resolution" value="1000" units="1/cm"/>
+          <inkml:channelProperty channel="F" name="resolution" value="0" units="1/dev"/>
+        </inkml:channelProperties>
+      </inkml:inkSource>
+      <inkml:timestamp xml:id="ts0" timeString="2024-08-15T22:57:12.764"/>
+    </inkml:context>
+    <inkml:brush xml:id="br0">
+      <inkml:brushProperty name="width" value="0.035" units="cm"/>
+      <inkml:brushProperty name="height" value="0.035" units="cm"/>
+      <inkml:brushProperty name="color" value="#E71224"/>
+    </inkml:brush>
+  </inkml:definitions>
+  <inkml:trace contextRef="#ctx0" brushRef="#br0">25 100 24575,'-1'0'0,"0"0"0,0 1 0,0-1 0,0 0 0,0 1 0,0-1 0,0 1 0,0-1 0,1 1 0,-1-1 0,0 1 0,0 0 0,0 0 0,1-1 0,-1 1 0,0 0 0,1 0 0,-1 0 0,1 0 0,-1 0 0,1 0 0,-1-1 0,1 1 0,-1 0 0,1 0 0,0 1 0,0-1 0,-1 1 0,-3 32 0,4-33 0,1 35 0,1-1 0,2 1 0,1-1 0,2 0 0,1 0 0,2-1 0,19 44 0,-16-47 0,-2 0 0,0 1 0,7 45 0,10 64 0,-27-139 0,-1 1 0,0-1 0,1 0 0,0 0 0,-1 1 0,1-1 0,0 0 0,0 0 0,0 0 0,0 0 0,1 0 0,-1 0 0,0 0 0,1-1 0,2 3 0,-3-3 0,0-1 0,0 1 0,0-1 0,0 0 0,0 0 0,0 1 0,0-1 0,0 0 0,0 0 0,0 0 0,0 0 0,0 0 0,0 0 0,0 0 0,0-1 0,0 1 0,0 0 0,0-1 0,0 1 0,0 0 0,0-1 0,0 1 0,-1-1 0,2 0 0,7-6 0,-1 0 0,0-1 0,0 1 0,-1-2 0,8-10 0,-3 3 0,43-45 0,2 3 0,92-74 0,145-87 0,-170 130 0,-70 52 66,67-32-1,4-3-1561,-100 56-5330</inkml:trace>
+</inkml:ink>
+</file>
+
+<file path=ppt/ink/ink96.xml><?xml version="1.0" encoding="utf-8"?>
+<inkml:ink xmlns:inkml="http://www.w3.org/2003/InkML">
+  <inkml:definitions>
+    <inkml:context xml:id="ctx0">
+      <inkml:inkSource xml:id="inkSrc0">
+        <inkml:traceFormat>
+          <inkml:channel name="X" type="integer" min="-2.14748E9" max="2.14748E9" units="cm"/>
+          <inkml:channel name="Y" type="integer" min="-2.14748E9" max="2.14748E9" units="cm"/>
+          <inkml:channel name="F" type="integer" max="32767" units="dev"/>
+        </inkml:traceFormat>
+        <inkml:channelProperties>
+          <inkml:channelProperty channel="X" name="resolution" value="1000" units="1/cm"/>
+          <inkml:channelProperty channel="Y" name="resolution" value="1000" units="1/cm"/>
+          <inkml:channelProperty channel="F" name="resolution" value="0" units="1/dev"/>
+        </inkml:channelProperties>
+      </inkml:inkSource>
+      <inkml:timestamp xml:id="ts0" timeString="2024-08-15T22:57:26.218"/>
+    </inkml:context>
+    <inkml:brush xml:id="br0">
+      <inkml:brushProperty name="width" value="0.035" units="cm"/>
+      <inkml:brushProperty name="height" value="0.035" units="cm"/>
+      <inkml:brushProperty name="color" value="#E71224"/>
+    </inkml:brush>
+  </inkml:definitions>
+  <inkml:trace contextRef="#ctx0" brushRef="#br0">1 100 24575,'31'3'0,"0"1"0,0 2 0,-1 1 0,0 1 0,0 2 0,38 18 0,29 8 0,7-6 0,2-4 0,1-5 0,175 11 0,330-21 0,-210-10 0,-124 14 0,84 1 0,-235-16 0,1-6 0,187-33 0,849-136 0,-511 102 0,-487 55 0,0 7 0,183 12 0,-125 2 0,-7 0 0,226-7 0,-427 3 0,0 0 0,-1-1 0,0-1 0,28-8 0,-37 5 0,-14 3 0,-20-1 0,-528 1 0,281 6 0,-1398-3 0,1195 33 0,1-1 0,-919-34 0,1283 7 0,-131 23 0,133-12 0,-135 1 0,-682-19-1365,891 2-5461</inkml:trace>
+</inkml:ink>
+</file>
+
+<file path=ppt/ink/ink97.xml><?xml version="1.0" encoding="utf-8"?>
+<inkml:ink xmlns:inkml="http://www.w3.org/2003/InkML">
+  <inkml:definitions>
+    <inkml:context xml:id="ctx0">
+      <inkml:inkSource xml:id="inkSrc0">
+        <inkml:traceFormat>
+          <inkml:channel name="X" type="integer" min="-2.14748E9" max="2.14748E9" units="cm"/>
+          <inkml:channel name="Y" type="integer" min="-2.14748E9" max="2.14748E9" units="cm"/>
+          <inkml:channel name="F" type="integer" max="32767" units="dev"/>
+        </inkml:traceFormat>
+        <inkml:channelProperties>
+          <inkml:channelProperty channel="X" name="resolution" value="1000" units="1/cm"/>
+          <inkml:channelProperty channel="Y" name="resolution" value="1000" units="1/cm"/>
+          <inkml:channelProperty channel="F" name="resolution" value="0" units="1/dev"/>
+        </inkml:channelProperties>
+      </inkml:inkSource>
+      <inkml:timestamp xml:id="ts0" timeString="2024-08-15T23:06:16.330"/>
+    </inkml:context>
+    <inkml:brush xml:id="br0">
+      <inkml:brushProperty name="width" value="0.035" units="cm"/>
+      <inkml:brushProperty name="height" value="0.035" units="cm"/>
+    </inkml:brush>
+  </inkml:definitions>
+  <inkml:trace contextRef="#ctx0" brushRef="#br0">1 0 24575,'0'6'0,"0"6"0,0 8 0,0 5 0,0 9 0,0 5 0,0 6 0,0 1 0,5-8 0,2-9-8191</inkml:trace>
+</inkml:ink>
+</file>
+
+<file path=ppt/ink/ink98.xml><?xml version="1.0" encoding="utf-8"?>
+<inkml:ink xmlns:inkml="http://www.w3.org/2003/InkML">
+  <inkml:definitions>
+    <inkml:context xml:id="ctx0">
+      <inkml:inkSource xml:id="inkSrc0">
+        <inkml:traceFormat>
+          <inkml:channel name="X" type="integer" min="-2.14748E9" max="2.14748E9" units="cm"/>
+          <inkml:channel name="Y" type="integer" min="-2.14748E9" max="2.14748E9" units="cm"/>
+          <inkml:channel name="F" type="integer" max="32767" units="dev"/>
+        </inkml:traceFormat>
+        <inkml:channelProperties>
+          <inkml:channelProperty channel="X" name="resolution" value="1000" units="1/cm"/>
+          <inkml:channelProperty channel="Y" name="resolution" value="1000" units="1/cm"/>
+          <inkml:channelProperty channel="F" name="resolution" value="0" units="1/dev"/>
+        </inkml:channelProperties>
+      </inkml:inkSource>
+      <inkml:timestamp xml:id="ts0" timeString="2024-08-15T23:06:18.155"/>
+    </inkml:context>
+    <inkml:brush xml:id="br0">
+      <inkml:brushProperty name="width" value="0.035" units="cm"/>
+      <inkml:brushProperty name="height" value="0.035" units="cm"/>
+    </inkml:brush>
+  </inkml:definitions>
+  <inkml:trace contextRef="#ctx0" brushRef="#br0">33 0 24575,'-6'0'0,"-1"11"0,1 9 0,0 6 0,2 4 0,2 3 0,1 1 0,0 0 0,1-6-8191</inkml:trace>
+</inkml:ink>
+</file>
+
+<file path=ppt/ink/ink99.xml><?xml version="1.0" encoding="utf-8"?>
+<inkml:ink xmlns:inkml="http://www.w3.org/2003/InkML">
+  <inkml:definitions>
+    <inkml:context xml:id="ctx0">
+      <inkml:inkSource xml:id="inkSrc0">
+        <inkml:traceFormat>
+          <inkml:channel name="X" type="integer" min="-2.14748E9" max="2.14748E9" units="cm"/>
+          <inkml:channel name="Y" type="integer" min="-2.14748E9" max="2.14748E9" units="cm"/>
+          <inkml:channel name="F" type="integer" max="32767" units="dev"/>
+        </inkml:traceFormat>
+        <inkml:channelProperties>
+          <inkml:channelProperty channel="X" name="resolution" value="1000" units="1/cm"/>
+          <inkml:channelProperty channel="Y" name="resolution" value="1000" units="1/cm"/>
+          <inkml:channelProperty channel="F" name="resolution" value="0" units="1/dev"/>
+        </inkml:channelProperties>
+      </inkml:inkSource>
+      <inkml:timestamp xml:id="ts0" timeString="2024-08-15T23:06:19.717"/>
+    </inkml:context>
+    <inkml:brush xml:id="br0">
+      <inkml:brushProperty name="width" value="0.035" units="cm"/>
+      <inkml:brushProperty name="height" value="0.035" units="cm"/>
+    </inkml:brush>
+  </inkml:definitions>
+  <inkml:trace contextRef="#ctx0" brushRef="#br0">0 1 24575,'6'0'0,"7"0"0,6 0 0,6 0 0,4 0 0,2 0 0,2 0 0,0 0 0,0 0 0,0 0 0,-1 0 0,1 0 0,-1 0 0,0 0 0,-6 0-8191</inkml:trace>
 </inkml:ink>
 </file>
 
@@ -1996,7 +3356,7 @@
           <a:p>
             <a:fld id="{EE32A263-FFA7-45D9-906B-1C2B5AFDF3E4}" type="datetimeFigureOut">
               <a:rPr lang="pt-BR" smtClean="0"/>
-              <a:t>13/08/2024</a:t>
+              <a:t>15/08/2024</a:t>
             </a:fld>
             <a:endParaRPr lang="pt-BR"/>
           </a:p>
@@ -2194,7 +3554,7 @@
           <a:p>
             <a:fld id="{EE32A263-FFA7-45D9-906B-1C2B5AFDF3E4}" type="datetimeFigureOut">
               <a:rPr lang="pt-BR" smtClean="0"/>
-              <a:t>13/08/2024</a:t>
+              <a:t>15/08/2024</a:t>
             </a:fld>
             <a:endParaRPr lang="pt-BR"/>
           </a:p>
@@ -2402,7 +3762,7 @@
           <a:p>
             <a:fld id="{EE32A263-FFA7-45D9-906B-1C2B5AFDF3E4}" type="datetimeFigureOut">
               <a:rPr lang="pt-BR" smtClean="0"/>
-              <a:t>13/08/2024</a:t>
+              <a:t>15/08/2024</a:t>
             </a:fld>
             <a:endParaRPr lang="pt-BR"/>
           </a:p>
@@ -2600,7 +3960,7 @@
           <a:p>
             <a:fld id="{EE32A263-FFA7-45D9-906B-1C2B5AFDF3E4}" type="datetimeFigureOut">
               <a:rPr lang="pt-BR" smtClean="0"/>
-              <a:t>13/08/2024</a:t>
+              <a:t>15/08/2024</a:t>
             </a:fld>
             <a:endParaRPr lang="pt-BR"/>
           </a:p>
@@ -2875,7 +4235,7 @@
           <a:p>
             <a:fld id="{EE32A263-FFA7-45D9-906B-1C2B5AFDF3E4}" type="datetimeFigureOut">
               <a:rPr lang="pt-BR" smtClean="0"/>
-              <a:t>13/08/2024</a:t>
+              <a:t>15/08/2024</a:t>
             </a:fld>
             <a:endParaRPr lang="pt-BR"/>
           </a:p>
@@ -3140,7 +4500,7 @@
           <a:p>
             <a:fld id="{EE32A263-FFA7-45D9-906B-1C2B5AFDF3E4}" type="datetimeFigureOut">
               <a:rPr lang="pt-BR" smtClean="0"/>
-              <a:t>13/08/2024</a:t>
+              <a:t>15/08/2024</a:t>
             </a:fld>
             <a:endParaRPr lang="pt-BR"/>
           </a:p>
@@ -3552,7 +4912,7 @@
           <a:p>
             <a:fld id="{EE32A263-FFA7-45D9-906B-1C2B5AFDF3E4}" type="datetimeFigureOut">
               <a:rPr lang="pt-BR" smtClean="0"/>
-              <a:t>13/08/2024</a:t>
+              <a:t>15/08/2024</a:t>
             </a:fld>
             <a:endParaRPr lang="pt-BR"/>
           </a:p>
@@ -3693,7 +5053,7 @@
           <a:p>
             <a:fld id="{EE32A263-FFA7-45D9-906B-1C2B5AFDF3E4}" type="datetimeFigureOut">
               <a:rPr lang="pt-BR" smtClean="0"/>
-              <a:t>13/08/2024</a:t>
+              <a:t>15/08/2024</a:t>
             </a:fld>
             <a:endParaRPr lang="pt-BR"/>
           </a:p>
@@ -3806,7 +5166,7 @@
           <a:p>
             <a:fld id="{EE32A263-FFA7-45D9-906B-1C2B5AFDF3E4}" type="datetimeFigureOut">
               <a:rPr lang="pt-BR" smtClean="0"/>
-              <a:t>13/08/2024</a:t>
+              <a:t>15/08/2024</a:t>
             </a:fld>
             <a:endParaRPr lang="pt-BR"/>
           </a:p>
@@ -4117,7 +5477,7 @@
           <a:p>
             <a:fld id="{EE32A263-FFA7-45D9-906B-1C2B5AFDF3E4}" type="datetimeFigureOut">
               <a:rPr lang="pt-BR" smtClean="0"/>
-              <a:t>13/08/2024</a:t>
+              <a:t>15/08/2024</a:t>
             </a:fld>
             <a:endParaRPr lang="pt-BR"/>
           </a:p>
@@ -4405,7 +5765,7 @@
           <a:p>
             <a:fld id="{EE32A263-FFA7-45D9-906B-1C2B5AFDF3E4}" type="datetimeFigureOut">
               <a:rPr lang="pt-BR" smtClean="0"/>
-              <a:t>13/08/2024</a:t>
+              <a:t>15/08/2024</a:t>
             </a:fld>
             <a:endParaRPr lang="pt-BR"/>
           </a:p>
@@ -4646,7 +6006,7 @@
           <a:p>
             <a:fld id="{EE32A263-FFA7-45D9-906B-1C2B5AFDF3E4}" type="datetimeFigureOut">
               <a:rPr lang="pt-BR" smtClean="0"/>
-              <a:t>13/08/2024</a:t>
+              <a:t>15/08/2024</a:t>
             </a:fld>
             <a:endParaRPr lang="pt-BR"/>
           </a:p>
@@ -5198,10 +6558,5233 @@
           </a:p>
         </p:txBody>
       </p:sp>
+      <p:sp>
+        <p:nvSpPr>
+          <p:cNvPr id="2" name="Espaço Reservado para Conteúdo 2">
+            <a:extLst>
+              <a:ext uri="{FF2B5EF4-FFF2-40B4-BE49-F238E27FC236}">
+                <a16:creationId xmlns:a16="http://schemas.microsoft.com/office/drawing/2014/main" id="{37CD6619-A465-0099-BD2F-32117F8EC183}"/>
+              </a:ext>
+            </a:extLst>
+          </p:cNvPr>
+          <p:cNvSpPr txBox="1">
+            <a:spLocks/>
+          </p:cNvSpPr>
+          <p:nvPr/>
+        </p:nvSpPr>
+        <p:spPr>
+          <a:xfrm>
+            <a:off x="392430" y="91440"/>
+            <a:ext cx="2830830" cy="6675120"/>
+          </a:xfrm>
+          <a:prstGeom prst="rect">
+            <a:avLst/>
+          </a:prstGeom>
+        </p:spPr>
+        <p:txBody>
+          <a:bodyPr/>
+          <a:lstStyle>
+            <a:lvl1pPr marL="228600" indent="-228600" algn="l" defTabSz="914400" rtl="0" eaLnBrk="1" latinLnBrk="0" hangingPunct="1">
+              <a:lnSpc>
+                <a:spcPct val="90000"/>
+              </a:lnSpc>
+              <a:spcBef>
+                <a:spcPts val="1000"/>
+              </a:spcBef>
+              <a:buFont typeface="Arial" panose="020B0604020202020204" pitchFamily="34" charset="0"/>
+              <a:buChar char="•"/>
+              <a:defRPr sz="2800" kern="1200">
+                <a:solidFill>
+                  <a:schemeClr val="tx1"/>
+                </a:solidFill>
+                <a:latin typeface="+mn-lt"/>
+                <a:ea typeface="+mn-ea"/>
+                <a:cs typeface="+mn-cs"/>
+              </a:defRPr>
+            </a:lvl1pPr>
+            <a:lvl2pPr marL="685800" indent="-228600" algn="l" defTabSz="914400" rtl="0" eaLnBrk="1" latinLnBrk="0" hangingPunct="1">
+              <a:lnSpc>
+                <a:spcPct val="90000"/>
+              </a:lnSpc>
+              <a:spcBef>
+                <a:spcPts val="500"/>
+              </a:spcBef>
+              <a:buFont typeface="Arial" panose="020B0604020202020204" pitchFamily="34" charset="0"/>
+              <a:buChar char="•"/>
+              <a:defRPr sz="2400" kern="1200">
+                <a:solidFill>
+                  <a:schemeClr val="tx1"/>
+                </a:solidFill>
+                <a:latin typeface="+mn-lt"/>
+                <a:ea typeface="+mn-ea"/>
+                <a:cs typeface="+mn-cs"/>
+              </a:defRPr>
+            </a:lvl2pPr>
+            <a:lvl3pPr marL="1143000" indent="-228600" algn="l" defTabSz="914400" rtl="0" eaLnBrk="1" latinLnBrk="0" hangingPunct="1">
+              <a:lnSpc>
+                <a:spcPct val="90000"/>
+              </a:lnSpc>
+              <a:spcBef>
+                <a:spcPts val="500"/>
+              </a:spcBef>
+              <a:buFont typeface="Arial" panose="020B0604020202020204" pitchFamily="34" charset="0"/>
+              <a:buChar char="•"/>
+              <a:defRPr sz="2000" kern="1200">
+                <a:solidFill>
+                  <a:schemeClr val="tx1"/>
+                </a:solidFill>
+                <a:latin typeface="+mn-lt"/>
+                <a:ea typeface="+mn-ea"/>
+                <a:cs typeface="+mn-cs"/>
+              </a:defRPr>
+            </a:lvl3pPr>
+            <a:lvl4pPr marL="1600200" indent="-228600" algn="l" defTabSz="914400" rtl="0" eaLnBrk="1" latinLnBrk="0" hangingPunct="1">
+              <a:lnSpc>
+                <a:spcPct val="90000"/>
+              </a:lnSpc>
+              <a:spcBef>
+                <a:spcPts val="500"/>
+              </a:spcBef>
+              <a:buFont typeface="Arial" panose="020B0604020202020204" pitchFamily="34" charset="0"/>
+              <a:buChar char="•"/>
+              <a:defRPr sz="1800" kern="1200">
+                <a:solidFill>
+                  <a:schemeClr val="tx1"/>
+                </a:solidFill>
+                <a:latin typeface="+mn-lt"/>
+                <a:ea typeface="+mn-ea"/>
+                <a:cs typeface="+mn-cs"/>
+              </a:defRPr>
+            </a:lvl4pPr>
+            <a:lvl5pPr marL="2057400" indent="-228600" algn="l" defTabSz="914400" rtl="0" eaLnBrk="1" latinLnBrk="0" hangingPunct="1">
+              <a:lnSpc>
+                <a:spcPct val="90000"/>
+              </a:lnSpc>
+              <a:spcBef>
+                <a:spcPts val="500"/>
+              </a:spcBef>
+              <a:buFont typeface="Arial" panose="020B0604020202020204" pitchFamily="34" charset="0"/>
+              <a:buChar char="•"/>
+              <a:defRPr sz="1800" kern="1200">
+                <a:solidFill>
+                  <a:schemeClr val="tx1"/>
+                </a:solidFill>
+                <a:latin typeface="+mn-lt"/>
+                <a:ea typeface="+mn-ea"/>
+                <a:cs typeface="+mn-cs"/>
+              </a:defRPr>
+            </a:lvl5pPr>
+            <a:lvl6pPr marL="2514600" indent="-228600" algn="l" defTabSz="914400" rtl="0" eaLnBrk="1" latinLnBrk="0" hangingPunct="1">
+              <a:lnSpc>
+                <a:spcPct val="90000"/>
+              </a:lnSpc>
+              <a:spcBef>
+                <a:spcPts val="500"/>
+              </a:spcBef>
+              <a:buFont typeface="Arial" panose="020B0604020202020204" pitchFamily="34" charset="0"/>
+              <a:buChar char="•"/>
+              <a:defRPr sz="1800" kern="1200">
+                <a:solidFill>
+                  <a:schemeClr val="tx1"/>
+                </a:solidFill>
+                <a:latin typeface="+mn-lt"/>
+                <a:ea typeface="+mn-ea"/>
+                <a:cs typeface="+mn-cs"/>
+              </a:defRPr>
+            </a:lvl6pPr>
+            <a:lvl7pPr marL="2971800" indent="-228600" algn="l" defTabSz="914400" rtl="0" eaLnBrk="1" latinLnBrk="0" hangingPunct="1">
+              <a:lnSpc>
+                <a:spcPct val="90000"/>
+              </a:lnSpc>
+              <a:spcBef>
+                <a:spcPts val="500"/>
+              </a:spcBef>
+              <a:buFont typeface="Arial" panose="020B0604020202020204" pitchFamily="34" charset="0"/>
+              <a:buChar char="•"/>
+              <a:defRPr sz="1800" kern="1200">
+                <a:solidFill>
+                  <a:schemeClr val="tx1"/>
+                </a:solidFill>
+                <a:latin typeface="+mn-lt"/>
+                <a:ea typeface="+mn-ea"/>
+                <a:cs typeface="+mn-cs"/>
+              </a:defRPr>
+            </a:lvl7pPr>
+            <a:lvl8pPr marL="3429000" indent="-228600" algn="l" defTabSz="914400" rtl="0" eaLnBrk="1" latinLnBrk="0" hangingPunct="1">
+              <a:lnSpc>
+                <a:spcPct val="90000"/>
+              </a:lnSpc>
+              <a:spcBef>
+                <a:spcPts val="500"/>
+              </a:spcBef>
+              <a:buFont typeface="Arial" panose="020B0604020202020204" pitchFamily="34" charset="0"/>
+              <a:buChar char="•"/>
+              <a:defRPr sz="1800" kern="1200">
+                <a:solidFill>
+                  <a:schemeClr val="tx1"/>
+                </a:solidFill>
+                <a:latin typeface="+mn-lt"/>
+                <a:ea typeface="+mn-ea"/>
+                <a:cs typeface="+mn-cs"/>
+              </a:defRPr>
+            </a:lvl8pPr>
+            <a:lvl9pPr marL="3886200" indent="-228600" algn="l" defTabSz="914400" rtl="0" eaLnBrk="1" latinLnBrk="0" hangingPunct="1">
+              <a:lnSpc>
+                <a:spcPct val="90000"/>
+              </a:lnSpc>
+              <a:spcBef>
+                <a:spcPts val="500"/>
+              </a:spcBef>
+              <a:buFont typeface="Arial" panose="020B0604020202020204" pitchFamily="34" charset="0"/>
+              <a:buChar char="•"/>
+              <a:defRPr sz="1800" kern="1200">
+                <a:solidFill>
+                  <a:schemeClr val="tx1"/>
+                </a:solidFill>
+                <a:latin typeface="+mn-lt"/>
+                <a:ea typeface="+mn-ea"/>
+                <a:cs typeface="+mn-cs"/>
+              </a:defRPr>
+            </a:lvl9pPr>
+          </a:lstStyle>
+          <a:p>
+            <a:r>
+              <a:rPr lang="pt-BR" dirty="0"/>
+              <a:t>Usuário</a:t>
+            </a:r>
+          </a:p>
+          <a:p>
+            <a:r>
+              <a:rPr lang="pt-BR" dirty="0"/>
+              <a:t>Produção</a:t>
+            </a:r>
+          </a:p>
+          <a:p>
+            <a:r>
+              <a:rPr lang="pt-BR" dirty="0"/>
+              <a:t>Venda</a:t>
+            </a:r>
+          </a:p>
+          <a:p>
+            <a:r>
+              <a:rPr lang="pt-BR" dirty="0"/>
+              <a:t>Produto</a:t>
+            </a:r>
+          </a:p>
+          <a:p>
+            <a:r>
+              <a:rPr lang="pt-BR" dirty="0"/>
+              <a:t>Funcionário</a:t>
+            </a:r>
+          </a:p>
+          <a:p>
+            <a:r>
+              <a:rPr lang="pt-BR" dirty="0"/>
+              <a:t>Fornecedor</a:t>
+            </a:r>
+          </a:p>
+          <a:p>
+            <a:r>
+              <a:rPr lang="pt-BR" dirty="0"/>
+              <a:t>Categoria</a:t>
+            </a:r>
+          </a:p>
+          <a:p>
+            <a:r>
+              <a:rPr lang="pt-BR" dirty="0"/>
+              <a:t>Histórico</a:t>
+            </a:r>
+          </a:p>
+          <a:p>
+            <a:r>
+              <a:rPr lang="pt-BR" dirty="0"/>
+              <a:t>Relatório</a:t>
+            </a:r>
+          </a:p>
+          <a:p>
+            <a:r>
+              <a:rPr lang="pt-BR" dirty="0"/>
+              <a:t>Cliente</a:t>
+            </a:r>
+          </a:p>
+          <a:p>
+            <a:r>
+              <a:rPr lang="pt-BR" dirty="0"/>
+              <a:t>Estoque</a:t>
+            </a:r>
+          </a:p>
+          <a:p>
+            <a:r>
+              <a:rPr lang="pt-BR" dirty="0"/>
+              <a:t>Marca</a:t>
+            </a:r>
+          </a:p>
+          <a:p>
+            <a:r>
+              <a:rPr lang="pt-BR" dirty="0"/>
+              <a:t>Movimentação</a:t>
+            </a:r>
+          </a:p>
+        </p:txBody>
+      </p:sp>
+      <p:sp>
+        <p:nvSpPr>
+          <p:cNvPr id="3" name="Espaço Reservado para Conteúdo 2">
+            <a:extLst>
+              <a:ext uri="{FF2B5EF4-FFF2-40B4-BE49-F238E27FC236}">
+                <a16:creationId xmlns:a16="http://schemas.microsoft.com/office/drawing/2014/main" id="{D7361FAA-2E66-482F-4AA4-B5331AE93ADF}"/>
+              </a:ext>
+            </a:extLst>
+          </p:cNvPr>
+          <p:cNvSpPr txBox="1">
+            <a:spLocks/>
+          </p:cNvSpPr>
+          <p:nvPr/>
+        </p:nvSpPr>
+        <p:spPr>
+          <a:xfrm>
+            <a:off x="3265170" y="91440"/>
+            <a:ext cx="3089910" cy="6675120"/>
+          </a:xfrm>
+          <a:prstGeom prst="rect">
+            <a:avLst/>
+          </a:prstGeom>
+        </p:spPr>
+        <p:txBody>
+          <a:bodyPr/>
+          <a:lstStyle>
+            <a:lvl1pPr marL="228600" indent="-228600" algn="l" defTabSz="914400" rtl="0" eaLnBrk="1" latinLnBrk="0" hangingPunct="1">
+              <a:lnSpc>
+                <a:spcPct val="90000"/>
+              </a:lnSpc>
+              <a:spcBef>
+                <a:spcPts val="1000"/>
+              </a:spcBef>
+              <a:buFont typeface="Arial" panose="020B0604020202020204" pitchFamily="34" charset="0"/>
+              <a:buChar char="•"/>
+              <a:defRPr sz="2800" kern="1200">
+                <a:solidFill>
+                  <a:schemeClr val="tx1"/>
+                </a:solidFill>
+                <a:latin typeface="+mn-lt"/>
+                <a:ea typeface="+mn-ea"/>
+                <a:cs typeface="+mn-cs"/>
+              </a:defRPr>
+            </a:lvl1pPr>
+            <a:lvl2pPr marL="685800" indent="-228600" algn="l" defTabSz="914400" rtl="0" eaLnBrk="1" latinLnBrk="0" hangingPunct="1">
+              <a:lnSpc>
+                <a:spcPct val="90000"/>
+              </a:lnSpc>
+              <a:spcBef>
+                <a:spcPts val="500"/>
+              </a:spcBef>
+              <a:buFont typeface="Arial" panose="020B0604020202020204" pitchFamily="34" charset="0"/>
+              <a:buChar char="•"/>
+              <a:defRPr sz="2400" kern="1200">
+                <a:solidFill>
+                  <a:schemeClr val="tx1"/>
+                </a:solidFill>
+                <a:latin typeface="+mn-lt"/>
+                <a:ea typeface="+mn-ea"/>
+                <a:cs typeface="+mn-cs"/>
+              </a:defRPr>
+            </a:lvl2pPr>
+            <a:lvl3pPr marL="1143000" indent="-228600" algn="l" defTabSz="914400" rtl="0" eaLnBrk="1" latinLnBrk="0" hangingPunct="1">
+              <a:lnSpc>
+                <a:spcPct val="90000"/>
+              </a:lnSpc>
+              <a:spcBef>
+                <a:spcPts val="500"/>
+              </a:spcBef>
+              <a:buFont typeface="Arial" panose="020B0604020202020204" pitchFamily="34" charset="0"/>
+              <a:buChar char="•"/>
+              <a:defRPr sz="2000" kern="1200">
+                <a:solidFill>
+                  <a:schemeClr val="tx1"/>
+                </a:solidFill>
+                <a:latin typeface="+mn-lt"/>
+                <a:ea typeface="+mn-ea"/>
+                <a:cs typeface="+mn-cs"/>
+              </a:defRPr>
+            </a:lvl3pPr>
+            <a:lvl4pPr marL="1600200" indent="-228600" algn="l" defTabSz="914400" rtl="0" eaLnBrk="1" latinLnBrk="0" hangingPunct="1">
+              <a:lnSpc>
+                <a:spcPct val="90000"/>
+              </a:lnSpc>
+              <a:spcBef>
+                <a:spcPts val="500"/>
+              </a:spcBef>
+              <a:buFont typeface="Arial" panose="020B0604020202020204" pitchFamily="34" charset="0"/>
+              <a:buChar char="•"/>
+              <a:defRPr sz="1800" kern="1200">
+                <a:solidFill>
+                  <a:schemeClr val="tx1"/>
+                </a:solidFill>
+                <a:latin typeface="+mn-lt"/>
+                <a:ea typeface="+mn-ea"/>
+                <a:cs typeface="+mn-cs"/>
+              </a:defRPr>
+            </a:lvl4pPr>
+            <a:lvl5pPr marL="2057400" indent="-228600" algn="l" defTabSz="914400" rtl="0" eaLnBrk="1" latinLnBrk="0" hangingPunct="1">
+              <a:lnSpc>
+                <a:spcPct val="90000"/>
+              </a:lnSpc>
+              <a:spcBef>
+                <a:spcPts val="500"/>
+              </a:spcBef>
+              <a:buFont typeface="Arial" panose="020B0604020202020204" pitchFamily="34" charset="0"/>
+              <a:buChar char="•"/>
+              <a:defRPr sz="1800" kern="1200">
+                <a:solidFill>
+                  <a:schemeClr val="tx1"/>
+                </a:solidFill>
+                <a:latin typeface="+mn-lt"/>
+                <a:ea typeface="+mn-ea"/>
+                <a:cs typeface="+mn-cs"/>
+              </a:defRPr>
+            </a:lvl5pPr>
+            <a:lvl6pPr marL="2514600" indent="-228600" algn="l" defTabSz="914400" rtl="0" eaLnBrk="1" latinLnBrk="0" hangingPunct="1">
+              <a:lnSpc>
+                <a:spcPct val="90000"/>
+              </a:lnSpc>
+              <a:spcBef>
+                <a:spcPts val="500"/>
+              </a:spcBef>
+              <a:buFont typeface="Arial" panose="020B0604020202020204" pitchFamily="34" charset="0"/>
+              <a:buChar char="•"/>
+              <a:defRPr sz="1800" kern="1200">
+                <a:solidFill>
+                  <a:schemeClr val="tx1"/>
+                </a:solidFill>
+                <a:latin typeface="+mn-lt"/>
+                <a:ea typeface="+mn-ea"/>
+                <a:cs typeface="+mn-cs"/>
+              </a:defRPr>
+            </a:lvl6pPr>
+            <a:lvl7pPr marL="2971800" indent="-228600" algn="l" defTabSz="914400" rtl="0" eaLnBrk="1" latinLnBrk="0" hangingPunct="1">
+              <a:lnSpc>
+                <a:spcPct val="90000"/>
+              </a:lnSpc>
+              <a:spcBef>
+                <a:spcPts val="500"/>
+              </a:spcBef>
+              <a:buFont typeface="Arial" panose="020B0604020202020204" pitchFamily="34" charset="0"/>
+              <a:buChar char="•"/>
+              <a:defRPr sz="1800" kern="1200">
+                <a:solidFill>
+                  <a:schemeClr val="tx1"/>
+                </a:solidFill>
+                <a:latin typeface="+mn-lt"/>
+                <a:ea typeface="+mn-ea"/>
+                <a:cs typeface="+mn-cs"/>
+              </a:defRPr>
+            </a:lvl7pPr>
+            <a:lvl8pPr marL="3429000" indent="-228600" algn="l" defTabSz="914400" rtl="0" eaLnBrk="1" latinLnBrk="0" hangingPunct="1">
+              <a:lnSpc>
+                <a:spcPct val="90000"/>
+              </a:lnSpc>
+              <a:spcBef>
+                <a:spcPts val="500"/>
+              </a:spcBef>
+              <a:buFont typeface="Arial" panose="020B0604020202020204" pitchFamily="34" charset="0"/>
+              <a:buChar char="•"/>
+              <a:defRPr sz="1800" kern="1200">
+                <a:solidFill>
+                  <a:schemeClr val="tx1"/>
+                </a:solidFill>
+                <a:latin typeface="+mn-lt"/>
+                <a:ea typeface="+mn-ea"/>
+                <a:cs typeface="+mn-cs"/>
+              </a:defRPr>
+            </a:lvl8pPr>
+            <a:lvl9pPr marL="3886200" indent="-228600" algn="l" defTabSz="914400" rtl="0" eaLnBrk="1" latinLnBrk="0" hangingPunct="1">
+              <a:lnSpc>
+                <a:spcPct val="90000"/>
+              </a:lnSpc>
+              <a:spcBef>
+                <a:spcPts val="500"/>
+              </a:spcBef>
+              <a:buFont typeface="Arial" panose="020B0604020202020204" pitchFamily="34" charset="0"/>
+              <a:buChar char="•"/>
+              <a:defRPr sz="1800" kern="1200">
+                <a:solidFill>
+                  <a:schemeClr val="tx1"/>
+                </a:solidFill>
+                <a:latin typeface="+mn-lt"/>
+                <a:ea typeface="+mn-ea"/>
+                <a:cs typeface="+mn-cs"/>
+              </a:defRPr>
+            </a:lvl9pPr>
+          </a:lstStyle>
+          <a:p>
+            <a:r>
+              <a:rPr lang="pt-BR" dirty="0" err="1"/>
+              <a:t>ContasPagar</a:t>
+            </a:r>
+            <a:endParaRPr lang="pt-BR" dirty="0"/>
+          </a:p>
+          <a:p>
+            <a:r>
+              <a:rPr lang="pt-BR" dirty="0" err="1"/>
+              <a:t>PeçaReposição</a:t>
+            </a:r>
+            <a:endParaRPr lang="pt-BR" dirty="0"/>
+          </a:p>
+          <a:p>
+            <a:r>
+              <a:rPr lang="pt-BR" dirty="0" err="1"/>
+              <a:t>SegurançaDados</a:t>
+            </a:r>
+            <a:endParaRPr lang="pt-BR" dirty="0"/>
+          </a:p>
+          <a:p>
+            <a:r>
+              <a:rPr lang="pt-BR" dirty="0"/>
+              <a:t>Insumos</a:t>
+            </a:r>
+          </a:p>
+          <a:p>
+            <a:r>
+              <a:rPr lang="pt-BR" dirty="0"/>
+              <a:t>Equipamentos</a:t>
+            </a:r>
+          </a:p>
+        </p:txBody>
+      </p:sp>
+      <p:pic>
+        <p:nvPicPr>
+          <p:cNvPr id="5" name="Imagem 4">
+            <a:extLst>
+              <a:ext uri="{FF2B5EF4-FFF2-40B4-BE49-F238E27FC236}">
+                <a16:creationId xmlns:a16="http://schemas.microsoft.com/office/drawing/2014/main" id="{A325B816-32A5-5C1C-8ACC-8C2BC85CF4DA}"/>
+              </a:ext>
+            </a:extLst>
+          </p:cNvPr>
+          <p:cNvPicPr>
+            <a:picLocks noChangeAspect="1"/>
+          </p:cNvPicPr>
+          <p:nvPr/>
+        </p:nvPicPr>
+        <p:blipFill>
+          <a:blip r:embed="rId2"/>
+          <a:stretch>
+            <a:fillRect/>
+          </a:stretch>
+        </p:blipFill>
+        <p:spPr>
+          <a:xfrm>
+            <a:off x="7795260" y="5455817"/>
+            <a:ext cx="4292735" cy="1230733"/>
+          </a:xfrm>
+          <a:prstGeom prst="rect">
+            <a:avLst/>
+          </a:prstGeom>
+          <a:ln w="38100" cap="sq">
+            <a:solidFill>
+              <a:srgbClr val="000000"/>
+            </a:solidFill>
+            <a:prstDash val="solid"/>
+            <a:miter lim="800000"/>
+          </a:ln>
+          <a:effectLst>
+            <a:outerShdw blurRad="50800" dist="38100" dir="2700000" algn="tl" rotWithShape="0">
+              <a:srgbClr val="000000">
+                <a:alpha val="43000"/>
+              </a:srgbClr>
+            </a:outerShdw>
+          </a:effectLst>
+        </p:spPr>
+      </p:pic>
+      <mc:AlternateContent xmlns:mc="http://schemas.openxmlformats.org/markup-compatibility/2006" xmlns:p14="http://schemas.microsoft.com/office/powerpoint/2010/main">
+        <mc:Choice Requires="p14">
+          <p:contentPart p14:bwMode="auto" r:id="rId3">
+            <p14:nvContentPartPr>
+              <p14:cNvPr id="6" name="Tinta 5">
+                <a:extLst>
+                  <a:ext uri="{FF2B5EF4-FFF2-40B4-BE49-F238E27FC236}">
+                    <a16:creationId xmlns:a16="http://schemas.microsoft.com/office/drawing/2014/main" id="{4389FA9E-553B-621B-784A-FF1725712D97}"/>
+                  </a:ext>
+                </a:extLst>
+              </p14:cNvPr>
+              <p14:cNvContentPartPr/>
+              <p14:nvPr/>
+            </p14:nvContentPartPr>
+            <p14:xfrm>
+              <a:off x="2080080" y="197910"/>
+              <a:ext cx="505440" cy="262440"/>
+            </p14:xfrm>
+          </p:contentPart>
+        </mc:Choice>
+        <mc:Fallback xmlns="">
+          <p:pic>
+            <p:nvPicPr>
+              <p:cNvPr id="6" name="Tinta 5">
+                <a:extLst>
+                  <a:ext uri="{FF2B5EF4-FFF2-40B4-BE49-F238E27FC236}">
+                    <a16:creationId xmlns:a16="http://schemas.microsoft.com/office/drawing/2014/main" id="{4389FA9E-553B-621B-784A-FF1725712D97}"/>
+                  </a:ext>
+                </a:extLst>
+              </p:cNvPr>
+              <p:cNvPicPr/>
+              <p:nvPr/>
+            </p:nvPicPr>
+            <p:blipFill>
+              <a:blip r:embed="rId4"/>
+              <a:stretch>
+                <a:fillRect/>
+              </a:stretch>
+            </p:blipFill>
+            <p:spPr>
+              <a:xfrm>
+                <a:off x="2073960" y="191790"/>
+                <a:ext cx="517680" cy="274680"/>
+              </a:xfrm>
+              <a:prstGeom prst="rect">
+                <a:avLst/>
+              </a:prstGeom>
+            </p:spPr>
+          </p:pic>
+        </mc:Fallback>
+      </mc:AlternateContent>
+      <mc:AlternateContent xmlns:mc="http://schemas.openxmlformats.org/markup-compatibility/2006" xmlns:p14="http://schemas.microsoft.com/office/powerpoint/2010/main">
+        <mc:Choice Requires="p14">
+          <p:contentPart p14:bwMode="auto" r:id="rId5">
+            <p14:nvContentPartPr>
+              <p14:cNvPr id="7" name="Tinta 6">
+                <a:extLst>
+                  <a:ext uri="{FF2B5EF4-FFF2-40B4-BE49-F238E27FC236}">
+                    <a16:creationId xmlns:a16="http://schemas.microsoft.com/office/drawing/2014/main" id="{07DBD087-42C9-B203-E8CF-FBB6C1A62E47}"/>
+                  </a:ext>
+                </a:extLst>
+              </p14:cNvPr>
+              <p14:cNvContentPartPr/>
+              <p14:nvPr/>
+            </p14:nvContentPartPr>
+            <p14:xfrm>
+              <a:off x="582840" y="845550"/>
+              <a:ext cx="1755000" cy="59400"/>
+            </p14:xfrm>
+          </p:contentPart>
+        </mc:Choice>
+        <mc:Fallback xmlns="">
+          <p:pic>
+            <p:nvPicPr>
+              <p:cNvPr id="7" name="Tinta 6">
+                <a:extLst>
+                  <a:ext uri="{FF2B5EF4-FFF2-40B4-BE49-F238E27FC236}">
+                    <a16:creationId xmlns:a16="http://schemas.microsoft.com/office/drawing/2014/main" id="{07DBD087-42C9-B203-E8CF-FBB6C1A62E47}"/>
+                  </a:ext>
+                </a:extLst>
+              </p:cNvPr>
+              <p:cNvPicPr/>
+              <p:nvPr/>
+            </p:nvPicPr>
+            <p:blipFill>
+              <a:blip r:embed="rId6"/>
+              <a:stretch>
+                <a:fillRect/>
+              </a:stretch>
+            </p:blipFill>
+            <p:spPr>
+              <a:xfrm>
+                <a:off x="576720" y="839430"/>
+                <a:ext cx="1767240" cy="71640"/>
+              </a:xfrm>
+              <a:prstGeom prst="rect">
+                <a:avLst/>
+              </a:prstGeom>
+            </p:spPr>
+          </p:pic>
+        </mc:Fallback>
+      </mc:AlternateContent>
+      <mc:AlternateContent xmlns:mc="http://schemas.openxmlformats.org/markup-compatibility/2006" xmlns:p14="http://schemas.microsoft.com/office/powerpoint/2010/main">
+        <mc:Choice Requires="p14">
+          <p:contentPart p14:bwMode="auto" r:id="rId7">
+            <p14:nvContentPartPr>
+              <p14:cNvPr id="8" name="Tinta 7">
+                <a:extLst>
+                  <a:ext uri="{FF2B5EF4-FFF2-40B4-BE49-F238E27FC236}">
+                    <a16:creationId xmlns:a16="http://schemas.microsoft.com/office/drawing/2014/main" id="{58E08B32-A7EF-433F-0F85-E936E163022C}"/>
+                  </a:ext>
+                </a:extLst>
+              </p14:cNvPr>
+              <p14:cNvContentPartPr/>
+              <p14:nvPr/>
+            </p14:nvContentPartPr>
+            <p14:xfrm>
+              <a:off x="491040" y="1314270"/>
+              <a:ext cx="1223280" cy="35280"/>
+            </p14:xfrm>
+          </p:contentPart>
+        </mc:Choice>
+        <mc:Fallback xmlns="">
+          <p:pic>
+            <p:nvPicPr>
+              <p:cNvPr id="8" name="Tinta 7">
+                <a:extLst>
+                  <a:ext uri="{FF2B5EF4-FFF2-40B4-BE49-F238E27FC236}">
+                    <a16:creationId xmlns:a16="http://schemas.microsoft.com/office/drawing/2014/main" id="{58E08B32-A7EF-433F-0F85-E936E163022C}"/>
+                  </a:ext>
+                </a:extLst>
+              </p:cNvPr>
+              <p:cNvPicPr/>
+              <p:nvPr/>
+            </p:nvPicPr>
+            <p:blipFill>
+              <a:blip r:embed="rId8"/>
+              <a:stretch>
+                <a:fillRect/>
+              </a:stretch>
+            </p:blipFill>
+            <p:spPr>
+              <a:xfrm>
+                <a:off x="484920" y="1308150"/>
+                <a:ext cx="1235520" cy="47520"/>
+              </a:xfrm>
+              <a:prstGeom prst="rect">
+                <a:avLst/>
+              </a:prstGeom>
+            </p:spPr>
+          </p:pic>
+        </mc:Fallback>
+      </mc:AlternateContent>
+      <mc:AlternateContent xmlns:mc="http://schemas.openxmlformats.org/markup-compatibility/2006" xmlns:p14="http://schemas.microsoft.com/office/powerpoint/2010/main">
+        <mc:Choice Requires="p14">
+          <p:contentPart p14:bwMode="auto" r:id="rId9">
+            <p14:nvContentPartPr>
+              <p14:cNvPr id="9" name="Tinta 8">
+                <a:extLst>
+                  <a:ext uri="{FF2B5EF4-FFF2-40B4-BE49-F238E27FC236}">
+                    <a16:creationId xmlns:a16="http://schemas.microsoft.com/office/drawing/2014/main" id="{F4EADDD5-BCC4-1207-18D1-8ACBD0ED35EE}"/>
+                  </a:ext>
+                </a:extLst>
+              </p14:cNvPr>
+              <p14:cNvContentPartPr/>
+              <p14:nvPr/>
+            </p14:nvContentPartPr>
+            <p14:xfrm>
+              <a:off x="2063160" y="1748070"/>
+              <a:ext cx="622080" cy="205200"/>
+            </p14:xfrm>
+          </p:contentPart>
+        </mc:Choice>
+        <mc:Fallback xmlns="">
+          <p:pic>
+            <p:nvPicPr>
+              <p:cNvPr id="9" name="Tinta 8">
+                <a:extLst>
+                  <a:ext uri="{FF2B5EF4-FFF2-40B4-BE49-F238E27FC236}">
+                    <a16:creationId xmlns:a16="http://schemas.microsoft.com/office/drawing/2014/main" id="{F4EADDD5-BCC4-1207-18D1-8ACBD0ED35EE}"/>
+                  </a:ext>
+                </a:extLst>
+              </p:cNvPr>
+              <p:cNvPicPr/>
+              <p:nvPr/>
+            </p:nvPicPr>
+            <p:blipFill>
+              <a:blip r:embed="rId10"/>
+              <a:stretch>
+                <a:fillRect/>
+              </a:stretch>
+            </p:blipFill>
+            <p:spPr>
+              <a:xfrm>
+                <a:off x="2057040" y="1741950"/>
+                <a:ext cx="634320" cy="217440"/>
+              </a:xfrm>
+              <a:prstGeom prst="rect">
+                <a:avLst/>
+              </a:prstGeom>
+            </p:spPr>
+          </p:pic>
+        </mc:Fallback>
+      </mc:AlternateContent>
+      <mc:AlternateContent xmlns:mc="http://schemas.openxmlformats.org/markup-compatibility/2006" xmlns:p14="http://schemas.microsoft.com/office/powerpoint/2010/main">
+        <mc:Choice Requires="p14">
+          <p:contentPart p14:bwMode="auto" r:id="rId11">
+            <p14:nvContentPartPr>
+              <p14:cNvPr id="10" name="Tinta 9">
+                <a:extLst>
+                  <a:ext uri="{FF2B5EF4-FFF2-40B4-BE49-F238E27FC236}">
+                    <a16:creationId xmlns:a16="http://schemas.microsoft.com/office/drawing/2014/main" id="{A0C98568-CAA5-5EB2-CB24-A411D26136E4}"/>
+                  </a:ext>
+                </a:extLst>
+              </p14:cNvPr>
+              <p14:cNvContentPartPr/>
+              <p14:nvPr/>
+            </p14:nvContentPartPr>
+            <p14:xfrm>
+              <a:off x="2696040" y="2228310"/>
+              <a:ext cx="435240" cy="266040"/>
+            </p14:xfrm>
+          </p:contentPart>
+        </mc:Choice>
+        <mc:Fallback xmlns="">
+          <p:pic>
+            <p:nvPicPr>
+              <p:cNvPr id="10" name="Tinta 9">
+                <a:extLst>
+                  <a:ext uri="{FF2B5EF4-FFF2-40B4-BE49-F238E27FC236}">
+                    <a16:creationId xmlns:a16="http://schemas.microsoft.com/office/drawing/2014/main" id="{A0C98568-CAA5-5EB2-CB24-A411D26136E4}"/>
+                  </a:ext>
+                </a:extLst>
+              </p:cNvPr>
+              <p:cNvPicPr/>
+              <p:nvPr/>
+            </p:nvPicPr>
+            <p:blipFill>
+              <a:blip r:embed="rId12"/>
+              <a:stretch>
+                <a:fillRect/>
+              </a:stretch>
+            </p:blipFill>
+            <p:spPr>
+              <a:xfrm>
+                <a:off x="2689920" y="2222190"/>
+                <a:ext cx="447480" cy="278280"/>
+              </a:xfrm>
+              <a:prstGeom prst="rect">
+                <a:avLst/>
+              </a:prstGeom>
+            </p:spPr>
+          </p:pic>
+        </mc:Fallback>
+      </mc:AlternateContent>
+      <mc:AlternateContent xmlns:mc="http://schemas.openxmlformats.org/markup-compatibility/2006" xmlns:p14="http://schemas.microsoft.com/office/powerpoint/2010/main">
+        <mc:Choice Requires="p14">
+          <p:contentPart p14:bwMode="auto" r:id="rId13">
+            <p14:nvContentPartPr>
+              <p14:cNvPr id="14" name="Tinta 13">
+                <a:extLst>
+                  <a:ext uri="{FF2B5EF4-FFF2-40B4-BE49-F238E27FC236}">
+                    <a16:creationId xmlns:a16="http://schemas.microsoft.com/office/drawing/2014/main" id="{38E91B26-3385-89CE-F1B5-7DF005CDEBE6}"/>
+                  </a:ext>
+                </a:extLst>
+              </p14:cNvPr>
+              <p14:cNvContentPartPr/>
+              <p14:nvPr/>
+            </p14:nvContentPartPr>
+            <p14:xfrm>
+              <a:off x="2422800" y="3171150"/>
+              <a:ext cx="592920" cy="319680"/>
+            </p14:xfrm>
+          </p:contentPart>
+        </mc:Choice>
+        <mc:Fallback xmlns="">
+          <p:pic>
+            <p:nvPicPr>
+              <p:cNvPr id="14" name="Tinta 13">
+                <a:extLst>
+                  <a:ext uri="{FF2B5EF4-FFF2-40B4-BE49-F238E27FC236}">
+                    <a16:creationId xmlns:a16="http://schemas.microsoft.com/office/drawing/2014/main" id="{38E91B26-3385-89CE-F1B5-7DF005CDEBE6}"/>
+                  </a:ext>
+                </a:extLst>
+              </p:cNvPr>
+              <p:cNvPicPr/>
+              <p:nvPr/>
+            </p:nvPicPr>
+            <p:blipFill>
+              <a:blip r:embed="rId14"/>
+              <a:stretch>
+                <a:fillRect/>
+              </a:stretch>
+            </p:blipFill>
+            <p:spPr>
+              <a:xfrm>
+                <a:off x="2416680" y="3165030"/>
+                <a:ext cx="605160" cy="331920"/>
+              </a:xfrm>
+              <a:prstGeom prst="rect">
+                <a:avLst/>
+              </a:prstGeom>
+            </p:spPr>
+          </p:pic>
+        </mc:Fallback>
+      </mc:AlternateContent>
+      <mc:AlternateContent xmlns:mc="http://schemas.openxmlformats.org/markup-compatibility/2006" xmlns:p14="http://schemas.microsoft.com/office/powerpoint/2010/main">
+        <mc:Choice Requires="p14">
+          <p:contentPart p14:bwMode="auto" r:id="rId15">
+            <p14:nvContentPartPr>
+              <p14:cNvPr id="15" name="Tinta 14">
+                <a:extLst>
+                  <a:ext uri="{FF2B5EF4-FFF2-40B4-BE49-F238E27FC236}">
+                    <a16:creationId xmlns:a16="http://schemas.microsoft.com/office/drawing/2014/main" id="{AFCD0801-D746-95DA-CFB3-D9A4379E0087}"/>
+                  </a:ext>
+                </a:extLst>
+              </p14:cNvPr>
+              <p14:cNvContentPartPr/>
+              <p14:nvPr/>
+            </p14:nvContentPartPr>
+            <p14:xfrm>
+              <a:off x="192600" y="3803310"/>
+              <a:ext cx="397800" cy="2780640"/>
+            </p14:xfrm>
+          </p:contentPart>
+        </mc:Choice>
+        <mc:Fallback xmlns="">
+          <p:pic>
+            <p:nvPicPr>
+              <p:cNvPr id="15" name="Tinta 14">
+                <a:extLst>
+                  <a:ext uri="{FF2B5EF4-FFF2-40B4-BE49-F238E27FC236}">
+                    <a16:creationId xmlns:a16="http://schemas.microsoft.com/office/drawing/2014/main" id="{AFCD0801-D746-95DA-CFB3-D9A4379E0087}"/>
+                  </a:ext>
+                </a:extLst>
+              </p:cNvPr>
+              <p:cNvPicPr/>
+              <p:nvPr/>
+            </p:nvPicPr>
+            <p:blipFill>
+              <a:blip r:embed="rId16"/>
+              <a:stretch>
+                <a:fillRect/>
+              </a:stretch>
+            </p:blipFill>
+            <p:spPr>
+              <a:xfrm>
+                <a:off x="186480" y="3797190"/>
+                <a:ext cx="410040" cy="2792880"/>
+              </a:xfrm>
+              <a:prstGeom prst="rect">
+                <a:avLst/>
+              </a:prstGeom>
+            </p:spPr>
+          </p:pic>
+        </mc:Fallback>
+      </mc:AlternateContent>
+      <mc:AlternateContent xmlns:mc="http://schemas.openxmlformats.org/markup-compatibility/2006" xmlns:p14="http://schemas.microsoft.com/office/powerpoint/2010/main">
+        <mc:Choice Requires="p14">
+          <p:contentPart p14:bwMode="auto" r:id="rId17">
+            <p14:nvContentPartPr>
+              <p14:cNvPr id="16" name="Tinta 15">
+                <a:extLst>
+                  <a:ext uri="{FF2B5EF4-FFF2-40B4-BE49-F238E27FC236}">
+                    <a16:creationId xmlns:a16="http://schemas.microsoft.com/office/drawing/2014/main" id="{F420AE3C-D69F-8B06-EAB9-EC434CC0BA39}"/>
+                  </a:ext>
+                </a:extLst>
+              </p14:cNvPr>
+              <p14:cNvContentPartPr/>
+              <p14:nvPr/>
+            </p14:nvContentPartPr>
+            <p14:xfrm>
+              <a:off x="570960" y="3771630"/>
+              <a:ext cx="1625040" cy="149760"/>
+            </p14:xfrm>
+          </p:contentPart>
+        </mc:Choice>
+        <mc:Fallback xmlns="">
+          <p:pic>
+            <p:nvPicPr>
+              <p:cNvPr id="16" name="Tinta 15">
+                <a:extLst>
+                  <a:ext uri="{FF2B5EF4-FFF2-40B4-BE49-F238E27FC236}">
+                    <a16:creationId xmlns:a16="http://schemas.microsoft.com/office/drawing/2014/main" id="{F420AE3C-D69F-8B06-EAB9-EC434CC0BA39}"/>
+                  </a:ext>
+                </a:extLst>
+              </p:cNvPr>
+              <p:cNvPicPr/>
+              <p:nvPr/>
+            </p:nvPicPr>
+            <p:blipFill>
+              <a:blip r:embed="rId18"/>
+              <a:stretch>
+                <a:fillRect/>
+              </a:stretch>
+            </p:blipFill>
+            <p:spPr>
+              <a:xfrm>
+                <a:off x="564840" y="3765510"/>
+                <a:ext cx="1637280" cy="162000"/>
+              </a:xfrm>
+              <a:prstGeom prst="rect">
+                <a:avLst/>
+              </a:prstGeom>
+            </p:spPr>
+          </p:pic>
+        </mc:Fallback>
+      </mc:AlternateContent>
+      <mc:AlternateContent xmlns:mc="http://schemas.openxmlformats.org/markup-compatibility/2006" xmlns:p14="http://schemas.microsoft.com/office/powerpoint/2010/main">
+        <mc:Choice Requires="p14">
+          <p:contentPart p14:bwMode="auto" r:id="rId19">
+            <p14:nvContentPartPr>
+              <p14:cNvPr id="17" name="Tinta 16">
+                <a:extLst>
+                  <a:ext uri="{FF2B5EF4-FFF2-40B4-BE49-F238E27FC236}">
+                    <a16:creationId xmlns:a16="http://schemas.microsoft.com/office/drawing/2014/main" id="{DE2D34B6-7F44-FF64-672B-3428EFC59460}"/>
+                  </a:ext>
+                </a:extLst>
+              </p14:cNvPr>
+              <p14:cNvContentPartPr/>
+              <p14:nvPr/>
+            </p14:nvContentPartPr>
+            <p14:xfrm>
+              <a:off x="617040" y="4422870"/>
+              <a:ext cx="1469520" cy="360"/>
+            </p14:xfrm>
+          </p:contentPart>
+        </mc:Choice>
+        <mc:Fallback xmlns="">
+          <p:pic>
+            <p:nvPicPr>
+              <p:cNvPr id="17" name="Tinta 16">
+                <a:extLst>
+                  <a:ext uri="{FF2B5EF4-FFF2-40B4-BE49-F238E27FC236}">
+                    <a16:creationId xmlns:a16="http://schemas.microsoft.com/office/drawing/2014/main" id="{DE2D34B6-7F44-FF64-672B-3428EFC59460}"/>
+                  </a:ext>
+                </a:extLst>
+              </p:cNvPr>
+              <p:cNvPicPr/>
+              <p:nvPr/>
+            </p:nvPicPr>
+            <p:blipFill>
+              <a:blip r:embed="rId20"/>
+              <a:stretch>
+                <a:fillRect/>
+              </a:stretch>
+            </p:blipFill>
+            <p:spPr>
+              <a:xfrm>
+                <a:off x="610920" y="4416750"/>
+                <a:ext cx="1481760" cy="12600"/>
+              </a:xfrm>
+              <a:prstGeom prst="rect">
+                <a:avLst/>
+              </a:prstGeom>
+            </p:spPr>
+          </p:pic>
+        </mc:Fallback>
+      </mc:AlternateContent>
+      <mc:AlternateContent xmlns:mc="http://schemas.openxmlformats.org/markup-compatibility/2006" xmlns:p14="http://schemas.microsoft.com/office/powerpoint/2010/main">
+        <mc:Choice Requires="p14">
+          <p:contentPart p14:bwMode="auto" r:id="rId21">
+            <p14:nvContentPartPr>
+              <p14:cNvPr id="18" name="Tinta 17">
+                <a:extLst>
+                  <a:ext uri="{FF2B5EF4-FFF2-40B4-BE49-F238E27FC236}">
+                    <a16:creationId xmlns:a16="http://schemas.microsoft.com/office/drawing/2014/main" id="{5DC46041-CF33-B774-5855-CBE0B760BAB2}"/>
+                  </a:ext>
+                </a:extLst>
+              </p14:cNvPr>
+              <p14:cNvContentPartPr/>
+              <p14:nvPr/>
+            </p14:nvContentPartPr>
+            <p14:xfrm>
+              <a:off x="570960" y="4887270"/>
+              <a:ext cx="1467720" cy="84600"/>
+            </p14:xfrm>
+          </p:contentPart>
+        </mc:Choice>
+        <mc:Fallback xmlns="">
+          <p:pic>
+            <p:nvPicPr>
+              <p:cNvPr id="18" name="Tinta 17">
+                <a:extLst>
+                  <a:ext uri="{FF2B5EF4-FFF2-40B4-BE49-F238E27FC236}">
+                    <a16:creationId xmlns:a16="http://schemas.microsoft.com/office/drawing/2014/main" id="{5DC46041-CF33-B774-5855-CBE0B760BAB2}"/>
+                  </a:ext>
+                </a:extLst>
+              </p:cNvPr>
+              <p:cNvPicPr/>
+              <p:nvPr/>
+            </p:nvPicPr>
+            <p:blipFill>
+              <a:blip r:embed="rId22"/>
+              <a:stretch>
+                <a:fillRect/>
+              </a:stretch>
+            </p:blipFill>
+            <p:spPr>
+              <a:xfrm>
+                <a:off x="564840" y="4881150"/>
+                <a:ext cx="1479960" cy="96840"/>
+              </a:xfrm>
+              <a:prstGeom prst="rect">
+                <a:avLst/>
+              </a:prstGeom>
+            </p:spPr>
+          </p:pic>
+        </mc:Fallback>
+      </mc:AlternateContent>
+      <mc:AlternateContent xmlns:mc="http://schemas.openxmlformats.org/markup-compatibility/2006" xmlns:p14="http://schemas.microsoft.com/office/powerpoint/2010/main">
+        <mc:Choice Requires="p14">
+          <p:contentPart p14:bwMode="auto" r:id="rId23">
+            <p14:nvContentPartPr>
+              <p14:cNvPr id="19" name="Tinta 18">
+                <a:extLst>
+                  <a:ext uri="{FF2B5EF4-FFF2-40B4-BE49-F238E27FC236}">
+                    <a16:creationId xmlns:a16="http://schemas.microsoft.com/office/drawing/2014/main" id="{B02FA789-C909-75DF-3170-E0592B65F6F2}"/>
+                  </a:ext>
+                </a:extLst>
+              </p14:cNvPr>
+              <p14:cNvContentPartPr/>
+              <p14:nvPr/>
+            </p14:nvContentPartPr>
+            <p14:xfrm>
+              <a:off x="2171160" y="5079510"/>
+              <a:ext cx="725400" cy="399240"/>
+            </p14:xfrm>
+          </p:contentPart>
+        </mc:Choice>
+        <mc:Fallback xmlns="">
+          <p:pic>
+            <p:nvPicPr>
+              <p:cNvPr id="19" name="Tinta 18">
+                <a:extLst>
+                  <a:ext uri="{FF2B5EF4-FFF2-40B4-BE49-F238E27FC236}">
+                    <a16:creationId xmlns:a16="http://schemas.microsoft.com/office/drawing/2014/main" id="{B02FA789-C909-75DF-3170-E0592B65F6F2}"/>
+                  </a:ext>
+                </a:extLst>
+              </p:cNvPr>
+              <p:cNvPicPr/>
+              <p:nvPr/>
+            </p:nvPicPr>
+            <p:blipFill>
+              <a:blip r:embed="rId24"/>
+              <a:stretch>
+                <a:fillRect/>
+              </a:stretch>
+            </p:blipFill>
+            <p:spPr>
+              <a:xfrm>
+                <a:off x="2165040" y="5073390"/>
+                <a:ext cx="737640" cy="411480"/>
+              </a:xfrm>
+              <a:prstGeom prst="rect">
+                <a:avLst/>
+              </a:prstGeom>
+            </p:spPr>
+          </p:pic>
+        </mc:Fallback>
+      </mc:AlternateContent>
+      <mc:AlternateContent xmlns:mc="http://schemas.openxmlformats.org/markup-compatibility/2006" xmlns:p14="http://schemas.microsoft.com/office/powerpoint/2010/main">
+        <mc:Choice Requires="p14">
+          <p:contentPart p14:bwMode="auto" r:id="rId25">
+            <p14:nvContentPartPr>
+              <p14:cNvPr id="20" name="Tinta 19">
+                <a:extLst>
+                  <a:ext uri="{FF2B5EF4-FFF2-40B4-BE49-F238E27FC236}">
+                    <a16:creationId xmlns:a16="http://schemas.microsoft.com/office/drawing/2014/main" id="{0C735A95-DE9A-D9A9-24F8-32A6D14C2B93}"/>
+                  </a:ext>
+                </a:extLst>
+              </p14:cNvPr>
+              <p14:cNvContentPartPr/>
+              <p14:nvPr/>
+            </p14:nvContentPartPr>
+            <p14:xfrm>
+              <a:off x="673920" y="5859990"/>
+              <a:ext cx="1108080" cy="107280"/>
+            </p14:xfrm>
+          </p:contentPart>
+        </mc:Choice>
+        <mc:Fallback xmlns="">
+          <p:pic>
+            <p:nvPicPr>
+              <p:cNvPr id="20" name="Tinta 19">
+                <a:extLst>
+                  <a:ext uri="{FF2B5EF4-FFF2-40B4-BE49-F238E27FC236}">
+                    <a16:creationId xmlns:a16="http://schemas.microsoft.com/office/drawing/2014/main" id="{0C735A95-DE9A-D9A9-24F8-32A6D14C2B93}"/>
+                  </a:ext>
+                </a:extLst>
+              </p:cNvPr>
+              <p:cNvPicPr/>
+              <p:nvPr/>
+            </p:nvPicPr>
+            <p:blipFill>
+              <a:blip r:embed="rId26"/>
+              <a:stretch>
+                <a:fillRect/>
+              </a:stretch>
+            </p:blipFill>
+            <p:spPr>
+              <a:xfrm>
+                <a:off x="667800" y="5853870"/>
+                <a:ext cx="1120320" cy="119520"/>
+              </a:xfrm>
+              <a:prstGeom prst="rect">
+                <a:avLst/>
+              </a:prstGeom>
+            </p:spPr>
+          </p:pic>
+        </mc:Fallback>
+      </mc:AlternateContent>
+      <mc:AlternateContent xmlns:mc="http://schemas.openxmlformats.org/markup-compatibility/2006" xmlns:p14="http://schemas.microsoft.com/office/powerpoint/2010/main">
+        <mc:Choice Requires="p14">
+          <p:contentPart p14:bwMode="auto" r:id="rId27">
+            <p14:nvContentPartPr>
+              <p14:cNvPr id="21" name="Tinta 20">
+                <a:extLst>
+                  <a:ext uri="{FF2B5EF4-FFF2-40B4-BE49-F238E27FC236}">
+                    <a16:creationId xmlns:a16="http://schemas.microsoft.com/office/drawing/2014/main" id="{EB68E248-FC48-B289-54D7-092F44F9B58A}"/>
+                  </a:ext>
+                </a:extLst>
+              </p14:cNvPr>
+              <p14:cNvContentPartPr/>
+              <p14:nvPr/>
+            </p14:nvContentPartPr>
+            <p14:xfrm>
+              <a:off x="3554640" y="284670"/>
+              <a:ext cx="2056680" cy="12600"/>
+            </p14:xfrm>
+          </p:contentPart>
+        </mc:Choice>
+        <mc:Fallback xmlns="">
+          <p:pic>
+            <p:nvPicPr>
+              <p:cNvPr id="21" name="Tinta 20">
+                <a:extLst>
+                  <a:ext uri="{FF2B5EF4-FFF2-40B4-BE49-F238E27FC236}">
+                    <a16:creationId xmlns:a16="http://schemas.microsoft.com/office/drawing/2014/main" id="{EB68E248-FC48-B289-54D7-092F44F9B58A}"/>
+                  </a:ext>
+                </a:extLst>
+              </p:cNvPr>
+              <p:cNvPicPr/>
+              <p:nvPr/>
+            </p:nvPicPr>
+            <p:blipFill>
+              <a:blip r:embed="rId28"/>
+              <a:stretch>
+                <a:fillRect/>
+              </a:stretch>
+            </p:blipFill>
+            <p:spPr>
+              <a:xfrm>
+                <a:off x="3548520" y="278550"/>
+                <a:ext cx="2068920" cy="24840"/>
+              </a:xfrm>
+              <a:prstGeom prst="rect">
+                <a:avLst/>
+              </a:prstGeom>
+            </p:spPr>
+          </p:pic>
+        </mc:Fallback>
+      </mc:AlternateContent>
+      <mc:AlternateContent xmlns:mc="http://schemas.openxmlformats.org/markup-compatibility/2006" xmlns:p14="http://schemas.microsoft.com/office/powerpoint/2010/main">
+        <mc:Choice Requires="p14">
+          <p:contentPart p14:bwMode="auto" r:id="rId29">
+            <p14:nvContentPartPr>
+              <p14:cNvPr id="22" name="Tinta 21">
+                <a:extLst>
+                  <a:ext uri="{FF2B5EF4-FFF2-40B4-BE49-F238E27FC236}">
+                    <a16:creationId xmlns:a16="http://schemas.microsoft.com/office/drawing/2014/main" id="{2B836D75-9642-0A4D-B09D-028FDCF5A5E3}"/>
+                  </a:ext>
+                </a:extLst>
+              </p14:cNvPr>
+              <p14:cNvContentPartPr/>
+              <p14:nvPr/>
+            </p14:nvContentPartPr>
+            <p14:xfrm>
+              <a:off x="3291480" y="810630"/>
+              <a:ext cx="3075120" cy="35280"/>
+            </p14:xfrm>
+          </p:contentPart>
+        </mc:Choice>
+        <mc:Fallback xmlns="">
+          <p:pic>
+            <p:nvPicPr>
+              <p:cNvPr id="22" name="Tinta 21">
+                <a:extLst>
+                  <a:ext uri="{FF2B5EF4-FFF2-40B4-BE49-F238E27FC236}">
+                    <a16:creationId xmlns:a16="http://schemas.microsoft.com/office/drawing/2014/main" id="{2B836D75-9642-0A4D-B09D-028FDCF5A5E3}"/>
+                  </a:ext>
+                </a:extLst>
+              </p:cNvPr>
+              <p:cNvPicPr/>
+              <p:nvPr/>
+            </p:nvPicPr>
+            <p:blipFill>
+              <a:blip r:embed="rId30"/>
+              <a:stretch>
+                <a:fillRect/>
+              </a:stretch>
+            </p:blipFill>
+            <p:spPr>
+              <a:xfrm>
+                <a:off x="3285360" y="804510"/>
+                <a:ext cx="3087360" cy="47520"/>
+              </a:xfrm>
+              <a:prstGeom prst="rect">
+                <a:avLst/>
+              </a:prstGeom>
+            </p:spPr>
+          </p:pic>
+        </mc:Fallback>
+      </mc:AlternateContent>
+      <mc:AlternateContent xmlns:mc="http://schemas.openxmlformats.org/markup-compatibility/2006" xmlns:p14="http://schemas.microsoft.com/office/powerpoint/2010/main">
+        <mc:Choice Requires="p14">
+          <p:contentPart p14:bwMode="auto" r:id="rId31">
+            <p14:nvContentPartPr>
+              <p14:cNvPr id="23" name="Tinta 22">
+                <a:extLst>
+                  <a:ext uri="{FF2B5EF4-FFF2-40B4-BE49-F238E27FC236}">
+                    <a16:creationId xmlns:a16="http://schemas.microsoft.com/office/drawing/2014/main" id="{6FC85FD0-5819-1553-22DF-2FF2F4D5D05B}"/>
+                  </a:ext>
+                </a:extLst>
+              </p14:cNvPr>
+              <p14:cNvContentPartPr/>
+              <p14:nvPr/>
+            </p14:nvContentPartPr>
+            <p14:xfrm>
+              <a:off x="3245760" y="1358910"/>
+              <a:ext cx="2949120" cy="71280"/>
+            </p14:xfrm>
+          </p:contentPart>
+        </mc:Choice>
+        <mc:Fallback xmlns="">
+          <p:pic>
+            <p:nvPicPr>
+              <p:cNvPr id="23" name="Tinta 22">
+                <a:extLst>
+                  <a:ext uri="{FF2B5EF4-FFF2-40B4-BE49-F238E27FC236}">
+                    <a16:creationId xmlns:a16="http://schemas.microsoft.com/office/drawing/2014/main" id="{6FC85FD0-5819-1553-22DF-2FF2F4D5D05B}"/>
+                  </a:ext>
+                </a:extLst>
+              </p:cNvPr>
+              <p:cNvPicPr/>
+              <p:nvPr/>
+            </p:nvPicPr>
+            <p:blipFill>
+              <a:blip r:embed="rId32"/>
+              <a:stretch>
+                <a:fillRect/>
+              </a:stretch>
+            </p:blipFill>
+            <p:spPr>
+              <a:xfrm>
+                <a:off x="3239640" y="1352790"/>
+                <a:ext cx="2961360" cy="83520"/>
+              </a:xfrm>
+              <a:prstGeom prst="rect">
+                <a:avLst/>
+              </a:prstGeom>
+            </p:spPr>
+          </p:pic>
+        </mc:Fallback>
+      </mc:AlternateContent>
+      <mc:AlternateContent xmlns:mc="http://schemas.openxmlformats.org/markup-compatibility/2006" xmlns:p14="http://schemas.microsoft.com/office/powerpoint/2010/main">
+        <mc:Choice Requires="p14">
+          <p:contentPart p14:bwMode="auto" r:id="rId33">
+            <p14:nvContentPartPr>
+              <p14:cNvPr id="24" name="Tinta 23">
+                <a:extLst>
+                  <a:ext uri="{FF2B5EF4-FFF2-40B4-BE49-F238E27FC236}">
+                    <a16:creationId xmlns:a16="http://schemas.microsoft.com/office/drawing/2014/main" id="{5D51CF26-0930-44D3-AA66-ABCD871FBD20}"/>
+                  </a:ext>
+                </a:extLst>
+              </p14:cNvPr>
+              <p14:cNvContentPartPr/>
+              <p14:nvPr/>
+            </p14:nvContentPartPr>
+            <p14:xfrm>
+              <a:off x="3554640" y="1769670"/>
+              <a:ext cx="1647720" cy="59040"/>
+            </p14:xfrm>
+          </p:contentPart>
+        </mc:Choice>
+        <mc:Fallback xmlns="">
+          <p:pic>
+            <p:nvPicPr>
+              <p:cNvPr id="24" name="Tinta 23">
+                <a:extLst>
+                  <a:ext uri="{FF2B5EF4-FFF2-40B4-BE49-F238E27FC236}">
+                    <a16:creationId xmlns:a16="http://schemas.microsoft.com/office/drawing/2014/main" id="{5D51CF26-0930-44D3-AA66-ABCD871FBD20}"/>
+                  </a:ext>
+                </a:extLst>
+              </p:cNvPr>
+              <p:cNvPicPr/>
+              <p:nvPr/>
+            </p:nvPicPr>
+            <p:blipFill>
+              <a:blip r:embed="rId34"/>
+              <a:stretch>
+                <a:fillRect/>
+              </a:stretch>
+            </p:blipFill>
+            <p:spPr>
+              <a:xfrm>
+                <a:off x="3548520" y="1763550"/>
+                <a:ext cx="1659960" cy="71280"/>
+              </a:xfrm>
+              <a:prstGeom prst="rect">
+                <a:avLst/>
+              </a:prstGeom>
+            </p:spPr>
+          </p:pic>
+        </mc:Fallback>
+      </mc:AlternateContent>
+      <mc:AlternateContent xmlns:mc="http://schemas.openxmlformats.org/markup-compatibility/2006" xmlns:p14="http://schemas.microsoft.com/office/powerpoint/2010/main">
+        <mc:Choice Requires="p14">
+          <p:contentPart p14:bwMode="auto" r:id="rId35">
+            <p14:nvContentPartPr>
+              <p14:cNvPr id="25" name="Tinta 24">
+                <a:extLst>
+                  <a:ext uri="{FF2B5EF4-FFF2-40B4-BE49-F238E27FC236}">
+                    <a16:creationId xmlns:a16="http://schemas.microsoft.com/office/drawing/2014/main" id="{227ED0EB-30E3-9F1E-1BDA-775BD5FDB4AD}"/>
+                  </a:ext>
+                </a:extLst>
+              </p14:cNvPr>
+              <p14:cNvContentPartPr/>
+              <p14:nvPr/>
+            </p14:nvContentPartPr>
+            <p14:xfrm>
+              <a:off x="3466800" y="2377710"/>
+              <a:ext cx="2454120" cy="47520"/>
+            </p14:xfrm>
+          </p:contentPart>
+        </mc:Choice>
+        <mc:Fallback xmlns="">
+          <p:pic>
+            <p:nvPicPr>
+              <p:cNvPr id="25" name="Tinta 24">
+                <a:extLst>
+                  <a:ext uri="{FF2B5EF4-FFF2-40B4-BE49-F238E27FC236}">
+                    <a16:creationId xmlns:a16="http://schemas.microsoft.com/office/drawing/2014/main" id="{227ED0EB-30E3-9F1E-1BDA-775BD5FDB4AD}"/>
+                  </a:ext>
+                </a:extLst>
+              </p:cNvPr>
+              <p:cNvPicPr/>
+              <p:nvPr/>
+            </p:nvPicPr>
+            <p:blipFill>
+              <a:blip r:embed="rId36"/>
+              <a:stretch>
+                <a:fillRect/>
+              </a:stretch>
+            </p:blipFill>
+            <p:spPr>
+              <a:xfrm>
+                <a:off x="3460680" y="2371590"/>
+                <a:ext cx="2466360" cy="59760"/>
+              </a:xfrm>
+              <a:prstGeom prst="rect">
+                <a:avLst/>
+              </a:prstGeom>
+            </p:spPr>
+          </p:pic>
+        </mc:Fallback>
+      </mc:AlternateContent>
+      <p:grpSp>
+        <p:nvGrpSpPr>
+          <p:cNvPr id="31" name="Agrupar 30">
+            <a:extLst>
+              <a:ext uri="{FF2B5EF4-FFF2-40B4-BE49-F238E27FC236}">
+                <a16:creationId xmlns:a16="http://schemas.microsoft.com/office/drawing/2014/main" id="{95EBF32E-1B5B-A7F0-2FF3-3B1CD28F8797}"/>
+              </a:ext>
+            </a:extLst>
+          </p:cNvPr>
+          <p:cNvGrpSpPr/>
+          <p:nvPr/>
+        </p:nvGrpSpPr>
+        <p:grpSpPr>
+          <a:xfrm>
+            <a:off x="628200" y="2647350"/>
+            <a:ext cx="2386080" cy="327240"/>
+            <a:chOff x="628200" y="2647350"/>
+            <a:chExt cx="2386080" cy="327240"/>
+          </a:xfrm>
+        </p:grpSpPr>
+        <mc:AlternateContent xmlns:mc="http://schemas.openxmlformats.org/markup-compatibility/2006" xmlns:p14="http://schemas.microsoft.com/office/powerpoint/2010/main">
+          <mc:Choice Requires="p14">
+            <p:contentPart p14:bwMode="auto" r:id="rId37">
+              <p14:nvContentPartPr>
+                <p14:cNvPr id="11" name="Tinta 10">
+                  <a:extLst>
+                    <a:ext uri="{FF2B5EF4-FFF2-40B4-BE49-F238E27FC236}">
+                      <a16:creationId xmlns:a16="http://schemas.microsoft.com/office/drawing/2014/main" id="{F214BBBC-84F8-FCF8-1032-6A67A7DFB560}"/>
+                    </a:ext>
+                  </a:extLst>
+                </p14:cNvPr>
+                <p14:cNvContentPartPr/>
+                <p14:nvPr/>
+              </p14:nvContentPartPr>
+              <p14:xfrm>
+                <a:off x="2639880" y="2647350"/>
+                <a:ext cx="374400" cy="327240"/>
+              </p14:xfrm>
+            </p:contentPart>
+          </mc:Choice>
+          <mc:Fallback xmlns="">
+            <p:pic>
+              <p:nvPicPr>
+                <p:cNvPr id="11" name="Tinta 10">
+                  <a:extLst>
+                    <a:ext uri="{FF2B5EF4-FFF2-40B4-BE49-F238E27FC236}">
+                      <a16:creationId xmlns:a16="http://schemas.microsoft.com/office/drawing/2014/main" id="{F214BBBC-84F8-FCF8-1032-6A67A7DFB560}"/>
+                    </a:ext>
+                  </a:extLst>
+                </p:cNvPr>
+                <p:cNvPicPr/>
+                <p:nvPr/>
+              </p:nvPicPr>
+              <p:blipFill>
+                <a:blip r:embed="rId38"/>
+                <a:stretch>
+                  <a:fillRect/>
+                </a:stretch>
+              </p:blipFill>
+              <p:spPr>
+                <a:xfrm>
+                  <a:off x="2633760" y="2641230"/>
+                  <a:ext cx="386640" cy="339480"/>
+                </a:xfrm>
+                <a:prstGeom prst="rect">
+                  <a:avLst/>
+                </a:prstGeom>
+              </p:spPr>
+            </p:pic>
+          </mc:Fallback>
+        </mc:AlternateContent>
+        <mc:AlternateContent xmlns:mc="http://schemas.openxmlformats.org/markup-compatibility/2006" xmlns:p14="http://schemas.microsoft.com/office/powerpoint/2010/main">
+          <mc:Choice Requires="p14">
+            <p:contentPart p14:bwMode="auto" r:id="rId39">
+              <p14:nvContentPartPr>
+                <p14:cNvPr id="12" name="Tinta 11">
+                  <a:extLst>
+                    <a:ext uri="{FF2B5EF4-FFF2-40B4-BE49-F238E27FC236}">
+                      <a16:creationId xmlns:a16="http://schemas.microsoft.com/office/drawing/2014/main" id="{B6A5EC39-B62C-9B4C-A3E7-E58167B4F958}"/>
+                    </a:ext>
+                  </a:extLst>
+                </p14:cNvPr>
+                <p14:cNvContentPartPr/>
+                <p14:nvPr/>
+              </p14:nvContentPartPr>
+              <p14:xfrm>
+                <a:off x="2765880" y="2697030"/>
+                <a:ext cx="159120" cy="177840"/>
+              </p14:xfrm>
+            </p:contentPart>
+          </mc:Choice>
+          <mc:Fallback xmlns="">
+            <p:pic>
+              <p:nvPicPr>
+                <p:cNvPr id="12" name="Tinta 11">
+                  <a:extLst>
+                    <a:ext uri="{FF2B5EF4-FFF2-40B4-BE49-F238E27FC236}">
+                      <a16:creationId xmlns:a16="http://schemas.microsoft.com/office/drawing/2014/main" id="{B6A5EC39-B62C-9B4C-A3E7-E58167B4F958}"/>
+                    </a:ext>
+                  </a:extLst>
+                </p:cNvPr>
+                <p:cNvPicPr/>
+                <p:nvPr/>
+              </p:nvPicPr>
+              <p:blipFill>
+                <a:blip r:embed="rId40"/>
+                <a:stretch>
+                  <a:fillRect/>
+                </a:stretch>
+              </p:blipFill>
+              <p:spPr>
+                <a:xfrm>
+                  <a:off x="2759760" y="2690910"/>
+                  <a:ext cx="171360" cy="190080"/>
+                </a:xfrm>
+                <a:prstGeom prst="rect">
+                  <a:avLst/>
+                </a:prstGeom>
+              </p:spPr>
+            </p:pic>
+          </mc:Fallback>
+        </mc:AlternateContent>
+        <mc:AlternateContent xmlns:mc="http://schemas.openxmlformats.org/markup-compatibility/2006" xmlns:p14="http://schemas.microsoft.com/office/powerpoint/2010/main">
+          <mc:Choice Requires="p14">
+            <p:contentPart p14:bwMode="auto" r:id="rId41">
+              <p14:nvContentPartPr>
+                <p14:cNvPr id="30" name="Tinta 29">
+                  <a:extLst>
+                    <a:ext uri="{FF2B5EF4-FFF2-40B4-BE49-F238E27FC236}">
+                      <a16:creationId xmlns:a16="http://schemas.microsoft.com/office/drawing/2014/main" id="{306C3309-489C-CFB1-F699-34D23D7C1679}"/>
+                    </a:ext>
+                  </a:extLst>
+                </p14:cNvPr>
+                <p14:cNvContentPartPr/>
+                <p14:nvPr/>
+              </p14:nvContentPartPr>
+              <p14:xfrm>
+                <a:off x="628200" y="2811510"/>
+                <a:ext cx="1919160" cy="114840"/>
+              </p14:xfrm>
+            </p:contentPart>
+          </mc:Choice>
+          <mc:Fallback xmlns="">
+            <p:pic>
+              <p:nvPicPr>
+                <p:cNvPr id="30" name="Tinta 29">
+                  <a:extLst>
+                    <a:ext uri="{FF2B5EF4-FFF2-40B4-BE49-F238E27FC236}">
+                      <a16:creationId xmlns:a16="http://schemas.microsoft.com/office/drawing/2014/main" id="{306C3309-489C-CFB1-F699-34D23D7C1679}"/>
+                    </a:ext>
+                  </a:extLst>
+                </p:cNvPr>
+                <p:cNvPicPr/>
+                <p:nvPr/>
+              </p:nvPicPr>
+              <p:blipFill>
+                <a:blip r:embed="rId42"/>
+                <a:stretch>
+                  <a:fillRect/>
+                </a:stretch>
+              </p:blipFill>
+              <p:spPr>
+                <a:xfrm>
+                  <a:off x="622080" y="2805390"/>
+                  <a:ext cx="1931400" cy="127080"/>
+                </a:xfrm>
+                <a:prstGeom prst="rect">
+                  <a:avLst/>
+                </a:prstGeom>
+              </p:spPr>
+            </p:pic>
+          </mc:Fallback>
+        </mc:AlternateContent>
+      </p:grpSp>
     </p:spTree>
     <p:extLst>
       <p:ext uri="{BB962C8B-B14F-4D97-AF65-F5344CB8AC3E}">
         <p14:creationId xmlns:p14="http://schemas.microsoft.com/office/powerpoint/2010/main" val="789449298"/>
+      </p:ext>
+    </p:extLst>
+  </p:cSld>
+  <p:clrMapOvr>
+    <a:masterClrMapping/>
+  </p:clrMapOvr>
+</p:sld>
+</file>
+
+<file path=ppt/slides/slide11.xml><?xml version="1.0" encoding="utf-8"?>
+<p:sld xmlns:a="http://schemas.openxmlformats.org/drawingml/2006/main" xmlns:r="http://schemas.openxmlformats.org/officeDocument/2006/relationships" xmlns:p="http://schemas.openxmlformats.org/presentationml/2006/main">
+  <p:cSld>
+    <p:spTree>
+      <p:nvGrpSpPr>
+        <p:cNvPr id="1" name=""/>
+        <p:cNvGrpSpPr/>
+        <p:nvPr/>
+      </p:nvGrpSpPr>
+      <p:grpSpPr>
+        <a:xfrm>
+          <a:off x="0" y="0"/>
+          <a:ext cx="0" cy="0"/>
+          <a:chOff x="0" y="0"/>
+          <a:chExt cx="0" cy="0"/>
+        </a:xfrm>
+      </p:grpSpPr>
+      <p:sp>
+        <p:nvSpPr>
+          <p:cNvPr id="26" name="Retângulo 25">
+            <a:extLst>
+              <a:ext uri="{FF2B5EF4-FFF2-40B4-BE49-F238E27FC236}">
+                <a16:creationId xmlns:a16="http://schemas.microsoft.com/office/drawing/2014/main" id="{C9E12478-D1A1-3497-171C-7345755EC0BD}"/>
+              </a:ext>
+            </a:extLst>
+          </p:cNvPr>
+          <p:cNvSpPr/>
+          <p:nvPr/>
+        </p:nvSpPr>
+        <p:spPr>
+          <a:xfrm>
+            <a:off x="6165300" y="630720"/>
+            <a:ext cx="1792140" cy="767880"/>
+          </a:xfrm>
+          <a:prstGeom prst="rect">
+            <a:avLst/>
+          </a:prstGeom>
+        </p:spPr>
+        <p:style>
+          <a:lnRef idx="2">
+            <a:schemeClr val="accent1">
+              <a:shade val="15000"/>
+            </a:schemeClr>
+          </a:lnRef>
+          <a:fillRef idx="1">
+            <a:schemeClr val="accent1"/>
+          </a:fillRef>
+          <a:effectRef idx="0">
+            <a:schemeClr val="accent1"/>
+          </a:effectRef>
+          <a:fontRef idx="minor">
+            <a:schemeClr val="lt1"/>
+          </a:fontRef>
+        </p:style>
+        <p:txBody>
+          <a:bodyPr rtlCol="0" anchor="ctr"/>
+          <a:lstStyle/>
+          <a:p>
+            <a:pPr algn="ctr"/>
+            <a:r>
+              <a:rPr lang="pt-BR" dirty="0"/>
+              <a:t>Usuário</a:t>
+            </a:r>
+          </a:p>
+        </p:txBody>
+      </p:sp>
+      <p:sp>
+        <p:nvSpPr>
+          <p:cNvPr id="27" name="Retângulo 26">
+            <a:extLst>
+              <a:ext uri="{FF2B5EF4-FFF2-40B4-BE49-F238E27FC236}">
+                <a16:creationId xmlns:a16="http://schemas.microsoft.com/office/drawing/2014/main" id="{1A82263B-2209-4017-C4EB-E09DBA196C2A}"/>
+              </a:ext>
+            </a:extLst>
+          </p:cNvPr>
+          <p:cNvSpPr/>
+          <p:nvPr/>
+        </p:nvSpPr>
+        <p:spPr>
+          <a:xfrm>
+            <a:off x="2052870" y="2775420"/>
+            <a:ext cx="1792140" cy="767880"/>
+          </a:xfrm>
+          <a:prstGeom prst="rect">
+            <a:avLst/>
+          </a:prstGeom>
+        </p:spPr>
+        <p:style>
+          <a:lnRef idx="2">
+            <a:schemeClr val="accent1">
+              <a:shade val="15000"/>
+            </a:schemeClr>
+          </a:lnRef>
+          <a:fillRef idx="1">
+            <a:schemeClr val="accent1"/>
+          </a:fillRef>
+          <a:effectRef idx="0">
+            <a:schemeClr val="accent1"/>
+          </a:effectRef>
+          <a:fontRef idx="minor">
+            <a:schemeClr val="lt1"/>
+          </a:fontRef>
+        </p:style>
+        <p:txBody>
+          <a:bodyPr rtlCol="0" anchor="ctr"/>
+          <a:lstStyle/>
+          <a:p>
+            <a:pPr algn="ctr"/>
+            <a:r>
+              <a:rPr lang="pt-BR" dirty="0"/>
+              <a:t>Produto</a:t>
+            </a:r>
+          </a:p>
+        </p:txBody>
+      </p:sp>
+      <p:sp>
+        <p:nvSpPr>
+          <p:cNvPr id="28" name="Retângulo 27">
+            <a:extLst>
+              <a:ext uri="{FF2B5EF4-FFF2-40B4-BE49-F238E27FC236}">
+                <a16:creationId xmlns:a16="http://schemas.microsoft.com/office/drawing/2014/main" id="{60B91E7A-31D1-55DD-7E81-9AAFE691B0D9}"/>
+              </a:ext>
+            </a:extLst>
+          </p:cNvPr>
+          <p:cNvSpPr/>
+          <p:nvPr/>
+        </p:nvSpPr>
+        <p:spPr>
+          <a:xfrm>
+            <a:off x="6181260" y="5116680"/>
+            <a:ext cx="1792140" cy="767880"/>
+          </a:xfrm>
+          <a:prstGeom prst="rect">
+            <a:avLst/>
+          </a:prstGeom>
+        </p:spPr>
+        <p:style>
+          <a:lnRef idx="2">
+            <a:schemeClr val="accent1">
+              <a:shade val="15000"/>
+            </a:schemeClr>
+          </a:lnRef>
+          <a:fillRef idx="1">
+            <a:schemeClr val="accent1"/>
+          </a:fillRef>
+          <a:effectRef idx="0">
+            <a:schemeClr val="accent1"/>
+          </a:effectRef>
+          <a:fontRef idx="minor">
+            <a:schemeClr val="lt1"/>
+          </a:fontRef>
+        </p:style>
+        <p:txBody>
+          <a:bodyPr rtlCol="0" anchor="ctr"/>
+          <a:lstStyle/>
+          <a:p>
+            <a:pPr algn="ctr"/>
+            <a:r>
+              <a:rPr lang="pt-BR" dirty="0"/>
+              <a:t>Funcionário</a:t>
+            </a:r>
+          </a:p>
+        </p:txBody>
+      </p:sp>
+      <p:sp>
+        <p:nvSpPr>
+          <p:cNvPr id="32" name="Retângulo 31">
+            <a:extLst>
+              <a:ext uri="{FF2B5EF4-FFF2-40B4-BE49-F238E27FC236}">
+                <a16:creationId xmlns:a16="http://schemas.microsoft.com/office/drawing/2014/main" id="{CF56B567-F277-AA8F-5666-CD5DB6139751}"/>
+              </a:ext>
+            </a:extLst>
+          </p:cNvPr>
+          <p:cNvSpPr/>
+          <p:nvPr/>
+        </p:nvSpPr>
+        <p:spPr>
+          <a:xfrm>
+            <a:off x="2052870" y="5110938"/>
+            <a:ext cx="1792140" cy="767880"/>
+          </a:xfrm>
+          <a:prstGeom prst="rect">
+            <a:avLst/>
+          </a:prstGeom>
+        </p:spPr>
+        <p:style>
+          <a:lnRef idx="2">
+            <a:schemeClr val="accent1">
+              <a:shade val="15000"/>
+            </a:schemeClr>
+          </a:lnRef>
+          <a:fillRef idx="1">
+            <a:schemeClr val="accent1"/>
+          </a:fillRef>
+          <a:effectRef idx="0">
+            <a:schemeClr val="accent1"/>
+          </a:effectRef>
+          <a:fontRef idx="minor">
+            <a:schemeClr val="lt1"/>
+          </a:fontRef>
+        </p:style>
+        <p:txBody>
+          <a:bodyPr rtlCol="0" anchor="ctr"/>
+          <a:lstStyle/>
+          <a:p>
+            <a:pPr algn="ctr"/>
+            <a:r>
+              <a:rPr lang="pt-BR" dirty="0"/>
+              <a:t>Categoria</a:t>
+            </a:r>
+          </a:p>
+        </p:txBody>
+      </p:sp>
+      <p:sp>
+        <p:nvSpPr>
+          <p:cNvPr id="33" name="Retângulo 32">
+            <a:extLst>
+              <a:ext uri="{FF2B5EF4-FFF2-40B4-BE49-F238E27FC236}">
+                <a16:creationId xmlns:a16="http://schemas.microsoft.com/office/drawing/2014/main" id="{70772324-69E1-1CD1-3E24-2B11FEB9E5C3}"/>
+              </a:ext>
+            </a:extLst>
+          </p:cNvPr>
+          <p:cNvSpPr/>
+          <p:nvPr/>
+        </p:nvSpPr>
+        <p:spPr>
+          <a:xfrm>
+            <a:off x="2052870" y="630720"/>
+            <a:ext cx="1792140" cy="767880"/>
+          </a:xfrm>
+          <a:prstGeom prst="rect">
+            <a:avLst/>
+          </a:prstGeom>
+        </p:spPr>
+        <p:style>
+          <a:lnRef idx="2">
+            <a:schemeClr val="accent1">
+              <a:shade val="15000"/>
+            </a:schemeClr>
+          </a:lnRef>
+          <a:fillRef idx="1">
+            <a:schemeClr val="accent1"/>
+          </a:fillRef>
+          <a:effectRef idx="0">
+            <a:schemeClr val="accent1"/>
+          </a:effectRef>
+          <a:fontRef idx="minor">
+            <a:schemeClr val="lt1"/>
+          </a:fontRef>
+        </p:style>
+        <p:txBody>
+          <a:bodyPr rtlCol="0" anchor="ctr"/>
+          <a:lstStyle/>
+          <a:p>
+            <a:pPr algn="ctr"/>
+            <a:r>
+              <a:rPr lang="pt-BR" dirty="0"/>
+              <a:t>Estoque</a:t>
+            </a:r>
+          </a:p>
+        </p:txBody>
+      </p:sp>
+      <p:sp>
+        <p:nvSpPr>
+          <p:cNvPr id="34" name="Retângulo 33">
+            <a:extLst>
+              <a:ext uri="{FF2B5EF4-FFF2-40B4-BE49-F238E27FC236}">
+                <a16:creationId xmlns:a16="http://schemas.microsoft.com/office/drawing/2014/main" id="{B17BEB51-3795-0A37-9951-C44F26262A7E}"/>
+              </a:ext>
+            </a:extLst>
+          </p:cNvPr>
+          <p:cNvSpPr/>
+          <p:nvPr/>
+        </p:nvSpPr>
+        <p:spPr>
+          <a:xfrm>
+            <a:off x="6181260" y="2775420"/>
+            <a:ext cx="1792140" cy="767880"/>
+          </a:xfrm>
+          <a:prstGeom prst="rect">
+            <a:avLst/>
+          </a:prstGeom>
+        </p:spPr>
+        <p:style>
+          <a:lnRef idx="2">
+            <a:schemeClr val="accent1">
+              <a:shade val="15000"/>
+            </a:schemeClr>
+          </a:lnRef>
+          <a:fillRef idx="1">
+            <a:schemeClr val="accent1"/>
+          </a:fillRef>
+          <a:effectRef idx="0">
+            <a:schemeClr val="accent1"/>
+          </a:effectRef>
+          <a:fontRef idx="minor">
+            <a:schemeClr val="lt1"/>
+          </a:fontRef>
+        </p:style>
+        <p:txBody>
+          <a:bodyPr rtlCol="0" anchor="ctr"/>
+          <a:lstStyle/>
+          <a:p>
+            <a:pPr algn="ctr"/>
+            <a:r>
+              <a:rPr lang="pt-BR" dirty="0"/>
+              <a:t>Movimentação</a:t>
+            </a:r>
+          </a:p>
+        </p:txBody>
+      </p:sp>
+      <p:cxnSp>
+        <p:nvCxnSpPr>
+          <p:cNvPr id="14" name="Conector reto 13">
+            <a:extLst>
+              <a:ext uri="{FF2B5EF4-FFF2-40B4-BE49-F238E27FC236}">
+                <a16:creationId xmlns:a16="http://schemas.microsoft.com/office/drawing/2014/main" id="{B9162CC0-96FB-D659-2AFE-2480643BA65E}"/>
+              </a:ext>
+            </a:extLst>
+          </p:cNvPr>
+          <p:cNvCxnSpPr>
+            <a:stCxn id="33" idx="2"/>
+            <a:endCxn id="27" idx="0"/>
+          </p:cNvCxnSpPr>
+          <p:nvPr/>
+        </p:nvCxnSpPr>
+        <p:spPr>
+          <a:xfrm>
+            <a:off x="2948940" y="1398600"/>
+            <a:ext cx="0" cy="1376820"/>
+          </a:xfrm>
+          <a:prstGeom prst="line">
+            <a:avLst/>
+          </a:prstGeom>
+        </p:spPr>
+        <p:style>
+          <a:lnRef idx="2">
+            <a:schemeClr val="dk1"/>
+          </a:lnRef>
+          <a:fillRef idx="0">
+            <a:schemeClr val="dk1"/>
+          </a:fillRef>
+          <a:effectRef idx="1">
+            <a:schemeClr val="dk1"/>
+          </a:effectRef>
+          <a:fontRef idx="minor">
+            <a:schemeClr val="tx1"/>
+          </a:fontRef>
+        </p:style>
+      </p:cxnSp>
+      <p:cxnSp>
+        <p:nvCxnSpPr>
+          <p:cNvPr id="16" name="Conector reto 15">
+            <a:extLst>
+              <a:ext uri="{FF2B5EF4-FFF2-40B4-BE49-F238E27FC236}">
+                <a16:creationId xmlns:a16="http://schemas.microsoft.com/office/drawing/2014/main" id="{4A7575EC-7E98-7C4A-0312-5C8441C4AB04}"/>
+              </a:ext>
+            </a:extLst>
+          </p:cNvPr>
+          <p:cNvCxnSpPr>
+            <a:stCxn id="27" idx="2"/>
+            <a:endCxn id="32" idx="0"/>
+          </p:cNvCxnSpPr>
+          <p:nvPr/>
+        </p:nvCxnSpPr>
+        <p:spPr>
+          <a:xfrm>
+            <a:off x="2948940" y="3543300"/>
+            <a:ext cx="0" cy="1567638"/>
+          </a:xfrm>
+          <a:prstGeom prst="line">
+            <a:avLst/>
+          </a:prstGeom>
+        </p:spPr>
+        <p:style>
+          <a:lnRef idx="2">
+            <a:schemeClr val="dk1"/>
+          </a:lnRef>
+          <a:fillRef idx="0">
+            <a:schemeClr val="dk1"/>
+          </a:fillRef>
+          <a:effectRef idx="1">
+            <a:schemeClr val="dk1"/>
+          </a:effectRef>
+          <a:fontRef idx="minor">
+            <a:schemeClr val="tx1"/>
+          </a:fontRef>
+        </p:style>
+      </p:cxnSp>
+      <p:cxnSp>
+        <p:nvCxnSpPr>
+          <p:cNvPr id="18" name="Conector reto 17">
+            <a:extLst>
+              <a:ext uri="{FF2B5EF4-FFF2-40B4-BE49-F238E27FC236}">
+                <a16:creationId xmlns:a16="http://schemas.microsoft.com/office/drawing/2014/main" id="{C43380C9-401B-B9A5-755E-0F82F6A0EFA1}"/>
+              </a:ext>
+            </a:extLst>
+          </p:cNvPr>
+          <p:cNvCxnSpPr>
+            <a:stCxn id="27" idx="3"/>
+            <a:endCxn id="34" idx="1"/>
+          </p:cNvCxnSpPr>
+          <p:nvPr/>
+        </p:nvCxnSpPr>
+        <p:spPr>
+          <a:xfrm>
+            <a:off x="3845010" y="3159360"/>
+            <a:ext cx="2336250" cy="0"/>
+          </a:xfrm>
+          <a:prstGeom prst="line">
+            <a:avLst/>
+          </a:prstGeom>
+        </p:spPr>
+        <p:style>
+          <a:lnRef idx="2">
+            <a:schemeClr val="dk1"/>
+          </a:lnRef>
+          <a:fillRef idx="0">
+            <a:schemeClr val="dk1"/>
+          </a:fillRef>
+          <a:effectRef idx="1">
+            <a:schemeClr val="dk1"/>
+          </a:effectRef>
+          <a:fontRef idx="minor">
+            <a:schemeClr val="tx1"/>
+          </a:fontRef>
+        </p:style>
+      </p:cxnSp>
+      <p:cxnSp>
+        <p:nvCxnSpPr>
+          <p:cNvPr id="20" name="Conector reto 19">
+            <a:extLst>
+              <a:ext uri="{FF2B5EF4-FFF2-40B4-BE49-F238E27FC236}">
+                <a16:creationId xmlns:a16="http://schemas.microsoft.com/office/drawing/2014/main" id="{B7A100EF-7242-0E59-BEDA-892F87C59792}"/>
+              </a:ext>
+            </a:extLst>
+          </p:cNvPr>
+          <p:cNvCxnSpPr>
+            <a:stCxn id="26" idx="2"/>
+            <a:endCxn id="34" idx="0"/>
+          </p:cNvCxnSpPr>
+          <p:nvPr/>
+        </p:nvCxnSpPr>
+        <p:spPr>
+          <a:xfrm>
+            <a:off x="7061370" y="1398600"/>
+            <a:ext cx="15960" cy="1376820"/>
+          </a:xfrm>
+          <a:prstGeom prst="line">
+            <a:avLst/>
+          </a:prstGeom>
+        </p:spPr>
+        <p:style>
+          <a:lnRef idx="2">
+            <a:schemeClr val="dk1"/>
+          </a:lnRef>
+          <a:fillRef idx="0">
+            <a:schemeClr val="dk1"/>
+          </a:fillRef>
+          <a:effectRef idx="1">
+            <a:schemeClr val="dk1"/>
+          </a:effectRef>
+          <a:fontRef idx="minor">
+            <a:schemeClr val="tx1"/>
+          </a:fontRef>
+        </p:style>
+      </p:cxnSp>
+      <p:cxnSp>
+        <p:nvCxnSpPr>
+          <p:cNvPr id="22" name="Conector reto 21">
+            <a:extLst>
+              <a:ext uri="{FF2B5EF4-FFF2-40B4-BE49-F238E27FC236}">
+                <a16:creationId xmlns:a16="http://schemas.microsoft.com/office/drawing/2014/main" id="{02225FCC-31D5-AA16-8C80-6FC277F091F7}"/>
+              </a:ext>
+            </a:extLst>
+          </p:cNvPr>
+          <p:cNvCxnSpPr>
+            <a:stCxn id="34" idx="2"/>
+            <a:endCxn id="28" idx="0"/>
+          </p:cNvCxnSpPr>
+          <p:nvPr/>
+        </p:nvCxnSpPr>
+        <p:spPr>
+          <a:xfrm>
+            <a:off x="7077330" y="3543300"/>
+            <a:ext cx="0" cy="1573380"/>
+          </a:xfrm>
+          <a:prstGeom prst="line">
+            <a:avLst/>
+          </a:prstGeom>
+        </p:spPr>
+        <p:style>
+          <a:lnRef idx="2">
+            <a:schemeClr val="dk1"/>
+          </a:lnRef>
+          <a:fillRef idx="0">
+            <a:schemeClr val="dk1"/>
+          </a:fillRef>
+          <a:effectRef idx="1">
+            <a:schemeClr val="dk1"/>
+          </a:effectRef>
+          <a:fontRef idx="minor">
+            <a:schemeClr val="tx1"/>
+          </a:fontRef>
+        </p:style>
+      </p:cxnSp>
+      <p:sp>
+        <p:nvSpPr>
+          <p:cNvPr id="3" name="Losango 2">
+            <a:extLst>
+              <a:ext uri="{FF2B5EF4-FFF2-40B4-BE49-F238E27FC236}">
+                <a16:creationId xmlns:a16="http://schemas.microsoft.com/office/drawing/2014/main" id="{451AD705-C283-B4BC-F09E-A6870429BB24}"/>
+              </a:ext>
+            </a:extLst>
+          </p:cNvPr>
+          <p:cNvSpPr/>
+          <p:nvPr/>
+        </p:nvSpPr>
+        <p:spPr>
+          <a:xfrm>
+            <a:off x="5982210" y="3962303"/>
+            <a:ext cx="2158320" cy="767880"/>
+          </a:xfrm>
+          <a:prstGeom prst="diamond">
+            <a:avLst/>
+          </a:prstGeom>
+        </p:spPr>
+        <p:style>
+          <a:lnRef idx="2">
+            <a:schemeClr val="accent1">
+              <a:shade val="15000"/>
+            </a:schemeClr>
+          </a:lnRef>
+          <a:fillRef idx="1">
+            <a:schemeClr val="accent1"/>
+          </a:fillRef>
+          <a:effectRef idx="0">
+            <a:schemeClr val="accent1"/>
+          </a:effectRef>
+          <a:fontRef idx="minor">
+            <a:schemeClr val="lt1"/>
+          </a:fontRef>
+        </p:style>
+        <p:txBody>
+          <a:bodyPr rtlCol="0" anchor="ctr"/>
+          <a:lstStyle/>
+          <a:p>
+            <a:pPr algn="ctr"/>
+            <a:r>
+              <a:rPr lang="pt-BR" dirty="0"/>
+              <a:t>solicita</a:t>
+            </a:r>
+          </a:p>
+        </p:txBody>
+      </p:sp>
+      <p:sp>
+        <p:nvSpPr>
+          <p:cNvPr id="6" name="Losango 5">
+            <a:extLst>
+              <a:ext uri="{FF2B5EF4-FFF2-40B4-BE49-F238E27FC236}">
+                <a16:creationId xmlns:a16="http://schemas.microsoft.com/office/drawing/2014/main" id="{FA733C62-A89B-9D05-D158-106FCBFBDD72}"/>
+              </a:ext>
+            </a:extLst>
+          </p:cNvPr>
+          <p:cNvSpPr/>
+          <p:nvPr/>
+        </p:nvSpPr>
+        <p:spPr>
+          <a:xfrm>
+            <a:off x="2052870" y="3962303"/>
+            <a:ext cx="1792140" cy="767880"/>
+          </a:xfrm>
+          <a:prstGeom prst="diamond">
+            <a:avLst/>
+          </a:prstGeom>
+        </p:spPr>
+        <p:style>
+          <a:lnRef idx="2">
+            <a:schemeClr val="accent1">
+              <a:shade val="15000"/>
+            </a:schemeClr>
+          </a:lnRef>
+          <a:fillRef idx="1">
+            <a:schemeClr val="accent1"/>
+          </a:fillRef>
+          <a:effectRef idx="0">
+            <a:schemeClr val="accent1"/>
+          </a:effectRef>
+          <a:fontRef idx="minor">
+            <a:schemeClr val="lt1"/>
+          </a:fontRef>
+        </p:style>
+        <p:txBody>
+          <a:bodyPr rtlCol="0" anchor="ctr"/>
+          <a:lstStyle/>
+          <a:p>
+            <a:pPr algn="ctr"/>
+            <a:r>
+              <a:rPr lang="pt-BR" dirty="0"/>
+              <a:t>tem</a:t>
+            </a:r>
+          </a:p>
+        </p:txBody>
+      </p:sp>
+      <p:sp>
+        <p:nvSpPr>
+          <p:cNvPr id="9" name="Losango 8">
+            <a:extLst>
+              <a:ext uri="{FF2B5EF4-FFF2-40B4-BE49-F238E27FC236}">
+                <a16:creationId xmlns:a16="http://schemas.microsoft.com/office/drawing/2014/main" id="{410E5227-3C0A-79BF-B542-6AC925502752}"/>
+              </a:ext>
+            </a:extLst>
+          </p:cNvPr>
+          <p:cNvSpPr/>
+          <p:nvPr/>
+        </p:nvSpPr>
+        <p:spPr>
+          <a:xfrm>
+            <a:off x="2052870" y="1703070"/>
+            <a:ext cx="1792140" cy="767880"/>
+          </a:xfrm>
+          <a:prstGeom prst="diamond">
+            <a:avLst/>
+          </a:prstGeom>
+        </p:spPr>
+        <p:style>
+          <a:lnRef idx="2">
+            <a:schemeClr val="accent1">
+              <a:shade val="15000"/>
+            </a:schemeClr>
+          </a:lnRef>
+          <a:fillRef idx="1">
+            <a:schemeClr val="accent1"/>
+          </a:fillRef>
+          <a:effectRef idx="0">
+            <a:schemeClr val="accent1"/>
+          </a:effectRef>
+          <a:fontRef idx="minor">
+            <a:schemeClr val="lt1"/>
+          </a:fontRef>
+        </p:style>
+        <p:txBody>
+          <a:bodyPr rtlCol="0" anchor="ctr"/>
+          <a:lstStyle/>
+          <a:p>
+            <a:pPr algn="ctr"/>
+            <a:r>
+              <a:rPr lang="pt-BR" dirty="0"/>
+              <a:t>tem</a:t>
+            </a:r>
+          </a:p>
+        </p:txBody>
+      </p:sp>
+      <p:sp>
+        <p:nvSpPr>
+          <p:cNvPr id="12" name="Losango 11">
+            <a:extLst>
+              <a:ext uri="{FF2B5EF4-FFF2-40B4-BE49-F238E27FC236}">
+                <a16:creationId xmlns:a16="http://schemas.microsoft.com/office/drawing/2014/main" id="{800E70DF-FE3F-B451-77B7-BB6CA447274F}"/>
+              </a:ext>
+            </a:extLst>
+          </p:cNvPr>
+          <p:cNvSpPr/>
+          <p:nvPr/>
+        </p:nvSpPr>
+        <p:spPr>
+          <a:xfrm>
+            <a:off x="6165300" y="1759823"/>
+            <a:ext cx="1792140" cy="767880"/>
+          </a:xfrm>
+          <a:prstGeom prst="diamond">
+            <a:avLst/>
+          </a:prstGeom>
+        </p:spPr>
+        <p:style>
+          <a:lnRef idx="2">
+            <a:schemeClr val="accent1">
+              <a:shade val="15000"/>
+            </a:schemeClr>
+          </a:lnRef>
+          <a:fillRef idx="1">
+            <a:schemeClr val="accent1"/>
+          </a:fillRef>
+          <a:effectRef idx="0">
+            <a:schemeClr val="accent1"/>
+          </a:effectRef>
+          <a:fontRef idx="minor">
+            <a:schemeClr val="lt1"/>
+          </a:fontRef>
+        </p:style>
+        <p:txBody>
+          <a:bodyPr rtlCol="0" anchor="ctr"/>
+          <a:lstStyle/>
+          <a:p>
+            <a:pPr algn="ctr"/>
+            <a:r>
+              <a:rPr lang="pt-BR" dirty="0"/>
+              <a:t>faz</a:t>
+            </a:r>
+          </a:p>
+        </p:txBody>
+      </p:sp>
+      <p:sp>
+        <p:nvSpPr>
+          <p:cNvPr id="2" name="Losango 1">
+            <a:extLst>
+              <a:ext uri="{FF2B5EF4-FFF2-40B4-BE49-F238E27FC236}">
+                <a16:creationId xmlns:a16="http://schemas.microsoft.com/office/drawing/2014/main" id="{53AFDD31-065E-1412-FF9F-723A7341D477}"/>
+              </a:ext>
+            </a:extLst>
+          </p:cNvPr>
+          <p:cNvSpPr/>
+          <p:nvPr/>
+        </p:nvSpPr>
+        <p:spPr>
+          <a:xfrm>
+            <a:off x="4109085" y="2775420"/>
+            <a:ext cx="1792140" cy="767880"/>
+          </a:xfrm>
+          <a:prstGeom prst="diamond">
+            <a:avLst/>
+          </a:prstGeom>
+        </p:spPr>
+        <p:style>
+          <a:lnRef idx="2">
+            <a:schemeClr val="accent1">
+              <a:shade val="15000"/>
+            </a:schemeClr>
+          </a:lnRef>
+          <a:fillRef idx="1">
+            <a:schemeClr val="accent1"/>
+          </a:fillRef>
+          <a:effectRef idx="0">
+            <a:schemeClr val="accent1"/>
+          </a:effectRef>
+          <a:fontRef idx="minor">
+            <a:schemeClr val="lt1"/>
+          </a:fontRef>
+        </p:style>
+        <p:txBody>
+          <a:bodyPr rtlCol="0" anchor="ctr"/>
+          <a:lstStyle/>
+          <a:p>
+            <a:pPr algn="ctr"/>
+            <a:r>
+              <a:rPr lang="pt-BR" dirty="0"/>
+              <a:t>Gera</a:t>
+            </a:r>
+          </a:p>
+        </p:txBody>
+      </p:sp>
+    </p:spTree>
+    <p:extLst>
+      <p:ext uri="{BB962C8B-B14F-4D97-AF65-F5344CB8AC3E}">
+        <p14:creationId xmlns:p14="http://schemas.microsoft.com/office/powerpoint/2010/main" val="2243837765"/>
+      </p:ext>
+    </p:extLst>
+  </p:cSld>
+  <p:clrMapOvr>
+    <a:masterClrMapping/>
+  </p:clrMapOvr>
+</p:sld>
+</file>
+
+<file path=ppt/slides/slide12.xml><?xml version="1.0" encoding="utf-8"?>
+<p:sld xmlns:a="http://schemas.openxmlformats.org/drawingml/2006/main" xmlns:r="http://schemas.openxmlformats.org/officeDocument/2006/relationships" xmlns:p="http://schemas.openxmlformats.org/presentationml/2006/main">
+  <p:cSld>
+    <p:spTree>
+      <p:nvGrpSpPr>
+        <p:cNvPr id="1" name=""/>
+        <p:cNvGrpSpPr/>
+        <p:nvPr/>
+      </p:nvGrpSpPr>
+      <p:grpSpPr>
+        <a:xfrm>
+          <a:off x="0" y="0"/>
+          <a:ext cx="0" cy="0"/>
+          <a:chOff x="0" y="0"/>
+          <a:chExt cx="0" cy="0"/>
+        </a:xfrm>
+      </p:grpSpPr>
+      <p:sp>
+        <p:nvSpPr>
+          <p:cNvPr id="4" name="Retângulo 3">
+            <a:extLst>
+              <a:ext uri="{FF2B5EF4-FFF2-40B4-BE49-F238E27FC236}">
+                <a16:creationId xmlns:a16="http://schemas.microsoft.com/office/drawing/2014/main" id="{E651C1E0-ECBB-33D5-9AE0-58557CE4E539}"/>
+              </a:ext>
+            </a:extLst>
+          </p:cNvPr>
+          <p:cNvSpPr/>
+          <p:nvPr/>
+        </p:nvSpPr>
+        <p:spPr>
+          <a:xfrm>
+            <a:off x="7943850" y="91440"/>
+            <a:ext cx="4069080" cy="902970"/>
+          </a:xfrm>
+          <a:prstGeom prst="rect">
+            <a:avLst/>
+          </a:prstGeom>
+        </p:spPr>
+        <p:style>
+          <a:lnRef idx="2">
+            <a:schemeClr val="accent1">
+              <a:shade val="15000"/>
+            </a:schemeClr>
+          </a:lnRef>
+          <a:fillRef idx="1">
+            <a:schemeClr val="accent1"/>
+          </a:fillRef>
+          <a:effectRef idx="0">
+            <a:schemeClr val="accent1"/>
+          </a:effectRef>
+          <a:fontRef idx="minor">
+            <a:schemeClr val="lt1"/>
+          </a:fontRef>
+        </p:style>
+        <p:txBody>
+          <a:bodyPr rtlCol="0" anchor="ctr"/>
+          <a:lstStyle/>
+          <a:p>
+            <a:pPr algn="ctr"/>
+            <a:r>
+              <a:rPr lang="pt-BR" sz="2800" b="1" dirty="0"/>
+              <a:t>Sistema de Vendas para Pet Shop</a:t>
+            </a:r>
+          </a:p>
+        </p:txBody>
+      </p:sp>
+      <p:sp>
+        <p:nvSpPr>
+          <p:cNvPr id="2" name="Espaço Reservado para Conteúdo 2">
+            <a:extLst>
+              <a:ext uri="{FF2B5EF4-FFF2-40B4-BE49-F238E27FC236}">
+                <a16:creationId xmlns:a16="http://schemas.microsoft.com/office/drawing/2014/main" id="{37CD6619-A465-0099-BD2F-32117F8EC183}"/>
+              </a:ext>
+            </a:extLst>
+          </p:cNvPr>
+          <p:cNvSpPr txBox="1">
+            <a:spLocks/>
+          </p:cNvSpPr>
+          <p:nvPr/>
+        </p:nvSpPr>
+        <p:spPr>
+          <a:xfrm>
+            <a:off x="392430" y="91440"/>
+            <a:ext cx="2830830" cy="6675120"/>
+          </a:xfrm>
+          <a:prstGeom prst="rect">
+            <a:avLst/>
+          </a:prstGeom>
+        </p:spPr>
+        <p:txBody>
+          <a:bodyPr/>
+          <a:lstStyle>
+            <a:lvl1pPr marL="228600" indent="-228600" algn="l" defTabSz="914400" rtl="0" eaLnBrk="1" latinLnBrk="0" hangingPunct="1">
+              <a:lnSpc>
+                <a:spcPct val="90000"/>
+              </a:lnSpc>
+              <a:spcBef>
+                <a:spcPts val="1000"/>
+              </a:spcBef>
+              <a:buFont typeface="Arial" panose="020B0604020202020204" pitchFamily="34" charset="0"/>
+              <a:buChar char="•"/>
+              <a:defRPr sz="2800" kern="1200">
+                <a:solidFill>
+                  <a:schemeClr val="tx1"/>
+                </a:solidFill>
+                <a:latin typeface="+mn-lt"/>
+                <a:ea typeface="+mn-ea"/>
+                <a:cs typeface="+mn-cs"/>
+              </a:defRPr>
+            </a:lvl1pPr>
+            <a:lvl2pPr marL="685800" indent="-228600" algn="l" defTabSz="914400" rtl="0" eaLnBrk="1" latinLnBrk="0" hangingPunct="1">
+              <a:lnSpc>
+                <a:spcPct val="90000"/>
+              </a:lnSpc>
+              <a:spcBef>
+                <a:spcPts val="500"/>
+              </a:spcBef>
+              <a:buFont typeface="Arial" panose="020B0604020202020204" pitchFamily="34" charset="0"/>
+              <a:buChar char="•"/>
+              <a:defRPr sz="2400" kern="1200">
+                <a:solidFill>
+                  <a:schemeClr val="tx1"/>
+                </a:solidFill>
+                <a:latin typeface="+mn-lt"/>
+                <a:ea typeface="+mn-ea"/>
+                <a:cs typeface="+mn-cs"/>
+              </a:defRPr>
+            </a:lvl2pPr>
+            <a:lvl3pPr marL="1143000" indent="-228600" algn="l" defTabSz="914400" rtl="0" eaLnBrk="1" latinLnBrk="0" hangingPunct="1">
+              <a:lnSpc>
+                <a:spcPct val="90000"/>
+              </a:lnSpc>
+              <a:spcBef>
+                <a:spcPts val="500"/>
+              </a:spcBef>
+              <a:buFont typeface="Arial" panose="020B0604020202020204" pitchFamily="34" charset="0"/>
+              <a:buChar char="•"/>
+              <a:defRPr sz="2000" kern="1200">
+                <a:solidFill>
+                  <a:schemeClr val="tx1"/>
+                </a:solidFill>
+                <a:latin typeface="+mn-lt"/>
+                <a:ea typeface="+mn-ea"/>
+                <a:cs typeface="+mn-cs"/>
+              </a:defRPr>
+            </a:lvl3pPr>
+            <a:lvl4pPr marL="1600200" indent="-228600" algn="l" defTabSz="914400" rtl="0" eaLnBrk="1" latinLnBrk="0" hangingPunct="1">
+              <a:lnSpc>
+                <a:spcPct val="90000"/>
+              </a:lnSpc>
+              <a:spcBef>
+                <a:spcPts val="500"/>
+              </a:spcBef>
+              <a:buFont typeface="Arial" panose="020B0604020202020204" pitchFamily="34" charset="0"/>
+              <a:buChar char="•"/>
+              <a:defRPr sz="1800" kern="1200">
+                <a:solidFill>
+                  <a:schemeClr val="tx1"/>
+                </a:solidFill>
+                <a:latin typeface="+mn-lt"/>
+                <a:ea typeface="+mn-ea"/>
+                <a:cs typeface="+mn-cs"/>
+              </a:defRPr>
+            </a:lvl4pPr>
+            <a:lvl5pPr marL="2057400" indent="-228600" algn="l" defTabSz="914400" rtl="0" eaLnBrk="1" latinLnBrk="0" hangingPunct="1">
+              <a:lnSpc>
+                <a:spcPct val="90000"/>
+              </a:lnSpc>
+              <a:spcBef>
+                <a:spcPts val="500"/>
+              </a:spcBef>
+              <a:buFont typeface="Arial" panose="020B0604020202020204" pitchFamily="34" charset="0"/>
+              <a:buChar char="•"/>
+              <a:defRPr sz="1800" kern="1200">
+                <a:solidFill>
+                  <a:schemeClr val="tx1"/>
+                </a:solidFill>
+                <a:latin typeface="+mn-lt"/>
+                <a:ea typeface="+mn-ea"/>
+                <a:cs typeface="+mn-cs"/>
+              </a:defRPr>
+            </a:lvl5pPr>
+            <a:lvl6pPr marL="2514600" indent="-228600" algn="l" defTabSz="914400" rtl="0" eaLnBrk="1" latinLnBrk="0" hangingPunct="1">
+              <a:lnSpc>
+                <a:spcPct val="90000"/>
+              </a:lnSpc>
+              <a:spcBef>
+                <a:spcPts val="500"/>
+              </a:spcBef>
+              <a:buFont typeface="Arial" panose="020B0604020202020204" pitchFamily="34" charset="0"/>
+              <a:buChar char="•"/>
+              <a:defRPr sz="1800" kern="1200">
+                <a:solidFill>
+                  <a:schemeClr val="tx1"/>
+                </a:solidFill>
+                <a:latin typeface="+mn-lt"/>
+                <a:ea typeface="+mn-ea"/>
+                <a:cs typeface="+mn-cs"/>
+              </a:defRPr>
+            </a:lvl6pPr>
+            <a:lvl7pPr marL="2971800" indent="-228600" algn="l" defTabSz="914400" rtl="0" eaLnBrk="1" latinLnBrk="0" hangingPunct="1">
+              <a:lnSpc>
+                <a:spcPct val="90000"/>
+              </a:lnSpc>
+              <a:spcBef>
+                <a:spcPts val="500"/>
+              </a:spcBef>
+              <a:buFont typeface="Arial" panose="020B0604020202020204" pitchFamily="34" charset="0"/>
+              <a:buChar char="•"/>
+              <a:defRPr sz="1800" kern="1200">
+                <a:solidFill>
+                  <a:schemeClr val="tx1"/>
+                </a:solidFill>
+                <a:latin typeface="+mn-lt"/>
+                <a:ea typeface="+mn-ea"/>
+                <a:cs typeface="+mn-cs"/>
+              </a:defRPr>
+            </a:lvl7pPr>
+            <a:lvl8pPr marL="3429000" indent="-228600" algn="l" defTabSz="914400" rtl="0" eaLnBrk="1" latinLnBrk="0" hangingPunct="1">
+              <a:lnSpc>
+                <a:spcPct val="90000"/>
+              </a:lnSpc>
+              <a:spcBef>
+                <a:spcPts val="500"/>
+              </a:spcBef>
+              <a:buFont typeface="Arial" panose="020B0604020202020204" pitchFamily="34" charset="0"/>
+              <a:buChar char="•"/>
+              <a:defRPr sz="1800" kern="1200">
+                <a:solidFill>
+                  <a:schemeClr val="tx1"/>
+                </a:solidFill>
+                <a:latin typeface="+mn-lt"/>
+                <a:ea typeface="+mn-ea"/>
+                <a:cs typeface="+mn-cs"/>
+              </a:defRPr>
+            </a:lvl8pPr>
+            <a:lvl9pPr marL="3886200" indent="-228600" algn="l" defTabSz="914400" rtl="0" eaLnBrk="1" latinLnBrk="0" hangingPunct="1">
+              <a:lnSpc>
+                <a:spcPct val="90000"/>
+              </a:lnSpc>
+              <a:spcBef>
+                <a:spcPts val="500"/>
+              </a:spcBef>
+              <a:buFont typeface="Arial" panose="020B0604020202020204" pitchFamily="34" charset="0"/>
+              <a:buChar char="•"/>
+              <a:defRPr sz="1800" kern="1200">
+                <a:solidFill>
+                  <a:schemeClr val="tx1"/>
+                </a:solidFill>
+                <a:latin typeface="+mn-lt"/>
+                <a:ea typeface="+mn-ea"/>
+                <a:cs typeface="+mn-cs"/>
+              </a:defRPr>
+            </a:lvl9pPr>
+          </a:lstStyle>
+          <a:p>
+            <a:r>
+              <a:rPr lang="pt-BR" dirty="0"/>
+              <a:t>Usuário</a:t>
+            </a:r>
+          </a:p>
+          <a:p>
+            <a:r>
+              <a:rPr lang="pt-BR" dirty="0"/>
+              <a:t>Fornecedor</a:t>
+            </a:r>
+          </a:p>
+          <a:p>
+            <a:r>
+              <a:rPr lang="pt-BR" dirty="0"/>
+              <a:t>Produto</a:t>
+            </a:r>
+          </a:p>
+          <a:p>
+            <a:r>
+              <a:rPr lang="pt-BR" dirty="0"/>
+              <a:t>Vendedor</a:t>
+            </a:r>
+          </a:p>
+          <a:p>
+            <a:r>
+              <a:rPr lang="pt-BR" dirty="0"/>
+              <a:t>Movimentação</a:t>
+            </a:r>
+          </a:p>
+          <a:p>
+            <a:r>
+              <a:rPr lang="pt-BR" dirty="0"/>
+              <a:t>Funcionário</a:t>
+            </a:r>
+          </a:p>
+          <a:p>
+            <a:r>
+              <a:rPr lang="pt-BR" dirty="0"/>
+              <a:t>Categoria</a:t>
+            </a:r>
+          </a:p>
+          <a:p>
+            <a:r>
+              <a:rPr lang="pt-BR" dirty="0"/>
+              <a:t>Estoque</a:t>
+            </a:r>
+          </a:p>
+          <a:p>
+            <a:r>
+              <a:rPr lang="pt-BR" dirty="0"/>
+              <a:t>Finanças</a:t>
+            </a:r>
+          </a:p>
+          <a:p>
+            <a:r>
+              <a:rPr lang="pt-BR" dirty="0"/>
+              <a:t>Delivery</a:t>
+            </a:r>
+          </a:p>
+          <a:p>
+            <a:r>
+              <a:rPr lang="pt-BR" dirty="0"/>
+              <a:t>Cliente</a:t>
+            </a:r>
+          </a:p>
+          <a:p>
+            <a:r>
+              <a:rPr lang="pt-BR" dirty="0"/>
+              <a:t>Faturamento</a:t>
+            </a:r>
+          </a:p>
+        </p:txBody>
+      </p:sp>
+      <p:pic>
+        <p:nvPicPr>
+          <p:cNvPr id="5" name="Imagem 4">
+            <a:extLst>
+              <a:ext uri="{FF2B5EF4-FFF2-40B4-BE49-F238E27FC236}">
+                <a16:creationId xmlns:a16="http://schemas.microsoft.com/office/drawing/2014/main" id="{A325B816-32A5-5C1C-8ACC-8C2BC85CF4DA}"/>
+              </a:ext>
+            </a:extLst>
+          </p:cNvPr>
+          <p:cNvPicPr>
+            <a:picLocks noChangeAspect="1"/>
+          </p:cNvPicPr>
+          <p:nvPr/>
+        </p:nvPicPr>
+        <p:blipFill>
+          <a:blip r:embed="rId2"/>
+          <a:stretch>
+            <a:fillRect/>
+          </a:stretch>
+        </p:blipFill>
+        <p:spPr>
+          <a:xfrm>
+            <a:off x="7795260" y="5455817"/>
+            <a:ext cx="4292735" cy="1230733"/>
+          </a:xfrm>
+          <a:prstGeom prst="rect">
+            <a:avLst/>
+          </a:prstGeom>
+          <a:ln w="38100" cap="sq">
+            <a:solidFill>
+              <a:srgbClr val="000000"/>
+            </a:solidFill>
+            <a:prstDash val="solid"/>
+            <a:miter lim="800000"/>
+          </a:ln>
+          <a:effectLst>
+            <a:outerShdw blurRad="50800" dist="38100" dir="2700000" algn="tl" rotWithShape="0">
+              <a:srgbClr val="000000">
+                <a:alpha val="43000"/>
+              </a:srgbClr>
+            </a:outerShdw>
+          </a:effectLst>
+        </p:spPr>
+      </p:pic>
+      <mc:AlternateContent xmlns:mc="http://schemas.openxmlformats.org/markup-compatibility/2006">
+        <mc:Choice xmlns:p14="http://schemas.microsoft.com/office/powerpoint/2010/main" Requires="p14">
+          <p:contentPart p14:bwMode="auto" r:id="rId3">
+            <p14:nvContentPartPr>
+              <p14:cNvPr id="3" name="Tinta 2">
+                <a:extLst>
+                  <a:ext uri="{FF2B5EF4-FFF2-40B4-BE49-F238E27FC236}">
+                    <a16:creationId xmlns:a16="http://schemas.microsoft.com/office/drawing/2014/main" id="{9FD13DAE-8D10-A22C-03F5-ADB56389A2BA}"/>
+                  </a:ext>
+                </a:extLst>
+              </p14:cNvPr>
+              <p14:cNvContentPartPr/>
+              <p14:nvPr/>
+            </p14:nvContentPartPr>
+            <p14:xfrm>
+              <a:off x="397080" y="2742750"/>
+              <a:ext cx="262440" cy="266760"/>
+            </p14:xfrm>
+          </p:contentPart>
+        </mc:Choice>
+        <mc:Fallback>
+          <p:pic>
+            <p:nvPicPr>
+              <p:cNvPr id="3" name="Tinta 2">
+                <a:extLst>
+                  <a:ext uri="{FF2B5EF4-FFF2-40B4-BE49-F238E27FC236}">
+                    <a16:creationId xmlns:a16="http://schemas.microsoft.com/office/drawing/2014/main" id="{9FD13DAE-8D10-A22C-03F5-ADB56389A2BA}"/>
+                  </a:ext>
+                </a:extLst>
+              </p:cNvPr>
+              <p:cNvPicPr/>
+              <p:nvPr/>
+            </p:nvPicPr>
+            <p:blipFill>
+              <a:blip r:embed="rId4"/>
+              <a:stretch>
+                <a:fillRect/>
+              </a:stretch>
+            </p:blipFill>
+            <p:spPr>
+              <a:xfrm>
+                <a:off x="390960" y="2736630"/>
+                <a:ext cx="274680" cy="279000"/>
+              </a:xfrm>
+              <a:prstGeom prst="rect">
+                <a:avLst/>
+              </a:prstGeom>
+            </p:spPr>
+          </p:pic>
+        </mc:Fallback>
+      </mc:AlternateContent>
+      <mc:AlternateContent xmlns:mc="http://schemas.openxmlformats.org/markup-compatibility/2006">
+        <mc:Choice xmlns:p14="http://schemas.microsoft.com/office/powerpoint/2010/main" Requires="p14">
+          <p:contentPart p14:bwMode="auto" r:id="rId5">
+            <p14:nvContentPartPr>
+              <p14:cNvPr id="6" name="Tinta 5">
+                <a:extLst>
+                  <a:ext uri="{FF2B5EF4-FFF2-40B4-BE49-F238E27FC236}">
+                    <a16:creationId xmlns:a16="http://schemas.microsoft.com/office/drawing/2014/main" id="{230DF549-0E6F-005A-198C-5291632EC1D0}"/>
+                  </a:ext>
+                </a:extLst>
+              </p14:cNvPr>
+              <p14:cNvContentPartPr/>
+              <p14:nvPr/>
+            </p14:nvContentPartPr>
+            <p14:xfrm>
+              <a:off x="407880" y="147150"/>
+              <a:ext cx="243000" cy="244080"/>
+            </p14:xfrm>
+          </p:contentPart>
+        </mc:Choice>
+        <mc:Fallback>
+          <p:pic>
+            <p:nvPicPr>
+              <p:cNvPr id="6" name="Tinta 5">
+                <a:extLst>
+                  <a:ext uri="{FF2B5EF4-FFF2-40B4-BE49-F238E27FC236}">
+                    <a16:creationId xmlns:a16="http://schemas.microsoft.com/office/drawing/2014/main" id="{230DF549-0E6F-005A-198C-5291632EC1D0}"/>
+                  </a:ext>
+                </a:extLst>
+              </p:cNvPr>
+              <p:cNvPicPr/>
+              <p:nvPr/>
+            </p:nvPicPr>
+            <p:blipFill>
+              <a:blip r:embed="rId6"/>
+              <a:stretch>
+                <a:fillRect/>
+              </a:stretch>
+            </p:blipFill>
+            <p:spPr>
+              <a:xfrm>
+                <a:off x="401760" y="141030"/>
+                <a:ext cx="255240" cy="256320"/>
+              </a:xfrm>
+              <a:prstGeom prst="rect">
+                <a:avLst/>
+              </a:prstGeom>
+            </p:spPr>
+          </p:pic>
+        </mc:Fallback>
+      </mc:AlternateContent>
+      <mc:AlternateContent xmlns:mc="http://schemas.openxmlformats.org/markup-compatibility/2006">
+        <mc:Choice xmlns:p14="http://schemas.microsoft.com/office/powerpoint/2010/main" Requires="p14">
+          <p:contentPart p14:bwMode="auto" r:id="rId7">
+            <p14:nvContentPartPr>
+              <p14:cNvPr id="7" name="Tinta 6">
+                <a:extLst>
+                  <a:ext uri="{FF2B5EF4-FFF2-40B4-BE49-F238E27FC236}">
+                    <a16:creationId xmlns:a16="http://schemas.microsoft.com/office/drawing/2014/main" id="{556AC655-5A6C-893A-46D0-32481E63A160}"/>
+                  </a:ext>
+                </a:extLst>
+              </p14:cNvPr>
+              <p14:cNvContentPartPr/>
+              <p14:nvPr/>
+            </p14:nvContentPartPr>
+            <p14:xfrm>
+              <a:off x="422640" y="2857230"/>
+              <a:ext cx="2216520" cy="68760"/>
+            </p14:xfrm>
+          </p:contentPart>
+        </mc:Choice>
+        <mc:Fallback>
+          <p:pic>
+            <p:nvPicPr>
+              <p:cNvPr id="7" name="Tinta 6">
+                <a:extLst>
+                  <a:ext uri="{FF2B5EF4-FFF2-40B4-BE49-F238E27FC236}">
+                    <a16:creationId xmlns:a16="http://schemas.microsoft.com/office/drawing/2014/main" id="{556AC655-5A6C-893A-46D0-32481E63A160}"/>
+                  </a:ext>
+                </a:extLst>
+              </p:cNvPr>
+              <p:cNvPicPr/>
+              <p:nvPr/>
+            </p:nvPicPr>
+            <p:blipFill>
+              <a:blip r:embed="rId8"/>
+              <a:stretch>
+                <a:fillRect/>
+              </a:stretch>
+            </p:blipFill>
+            <p:spPr>
+              <a:xfrm>
+                <a:off x="416520" y="2851110"/>
+                <a:ext cx="2228760" cy="81000"/>
+              </a:xfrm>
+              <a:prstGeom prst="rect">
+                <a:avLst/>
+              </a:prstGeom>
+            </p:spPr>
+          </p:pic>
+        </mc:Fallback>
+      </mc:AlternateContent>
+      <mc:AlternateContent xmlns:mc="http://schemas.openxmlformats.org/markup-compatibility/2006">
+        <mc:Choice xmlns:p14="http://schemas.microsoft.com/office/powerpoint/2010/main" Requires="p14">
+          <p:contentPart p14:bwMode="auto" r:id="rId9">
+            <p14:nvContentPartPr>
+              <p14:cNvPr id="8" name="Tinta 7">
+                <a:extLst>
+                  <a:ext uri="{FF2B5EF4-FFF2-40B4-BE49-F238E27FC236}">
+                    <a16:creationId xmlns:a16="http://schemas.microsoft.com/office/drawing/2014/main" id="{48A92C02-BD82-05A6-86FF-A0163645170D}"/>
+                  </a:ext>
+                </a:extLst>
+              </p14:cNvPr>
+              <p14:cNvContentPartPr/>
+              <p14:nvPr/>
+            </p14:nvContentPartPr>
+            <p14:xfrm>
+              <a:off x="2170440" y="172710"/>
+              <a:ext cx="358200" cy="200520"/>
+            </p14:xfrm>
+          </p:contentPart>
+        </mc:Choice>
+        <mc:Fallback>
+          <p:pic>
+            <p:nvPicPr>
+              <p:cNvPr id="8" name="Tinta 7">
+                <a:extLst>
+                  <a:ext uri="{FF2B5EF4-FFF2-40B4-BE49-F238E27FC236}">
+                    <a16:creationId xmlns:a16="http://schemas.microsoft.com/office/drawing/2014/main" id="{48A92C02-BD82-05A6-86FF-A0163645170D}"/>
+                  </a:ext>
+                </a:extLst>
+              </p:cNvPr>
+              <p:cNvPicPr/>
+              <p:nvPr/>
+            </p:nvPicPr>
+            <p:blipFill>
+              <a:blip r:embed="rId10"/>
+              <a:stretch>
+                <a:fillRect/>
+              </a:stretch>
+            </p:blipFill>
+            <p:spPr>
+              <a:xfrm>
+                <a:off x="2164320" y="166590"/>
+                <a:ext cx="370440" cy="212760"/>
+              </a:xfrm>
+              <a:prstGeom prst="rect">
+                <a:avLst/>
+              </a:prstGeom>
+            </p:spPr>
+          </p:pic>
+        </mc:Fallback>
+      </mc:AlternateContent>
+      <mc:AlternateContent xmlns:mc="http://schemas.openxmlformats.org/markup-compatibility/2006">
+        <mc:Choice xmlns:p14="http://schemas.microsoft.com/office/powerpoint/2010/main" Requires="p14">
+          <p:contentPart p14:bwMode="auto" r:id="rId11">
+            <p14:nvContentPartPr>
+              <p14:cNvPr id="9" name="Tinta 8">
+                <a:extLst>
+                  <a:ext uri="{FF2B5EF4-FFF2-40B4-BE49-F238E27FC236}">
+                    <a16:creationId xmlns:a16="http://schemas.microsoft.com/office/drawing/2014/main" id="{F3322DC4-699A-FBC9-A381-1B77224C179B}"/>
+                  </a:ext>
+                </a:extLst>
+              </p14:cNvPr>
+              <p14:cNvContentPartPr/>
+              <p14:nvPr/>
+            </p14:nvContentPartPr>
+            <p14:xfrm>
+              <a:off x="2628720" y="719910"/>
+              <a:ext cx="336600" cy="201960"/>
+            </p14:xfrm>
+          </p:contentPart>
+        </mc:Choice>
+        <mc:Fallback>
+          <p:pic>
+            <p:nvPicPr>
+              <p:cNvPr id="9" name="Tinta 8">
+                <a:extLst>
+                  <a:ext uri="{FF2B5EF4-FFF2-40B4-BE49-F238E27FC236}">
+                    <a16:creationId xmlns:a16="http://schemas.microsoft.com/office/drawing/2014/main" id="{F3322DC4-699A-FBC9-A381-1B77224C179B}"/>
+                  </a:ext>
+                </a:extLst>
+              </p:cNvPr>
+              <p:cNvPicPr/>
+              <p:nvPr/>
+            </p:nvPicPr>
+            <p:blipFill>
+              <a:blip r:embed="rId12"/>
+              <a:stretch>
+                <a:fillRect/>
+              </a:stretch>
+            </p:blipFill>
+            <p:spPr>
+              <a:xfrm>
+                <a:off x="2622600" y="713790"/>
+                <a:ext cx="348840" cy="214200"/>
+              </a:xfrm>
+              <a:prstGeom prst="rect">
+                <a:avLst/>
+              </a:prstGeom>
+            </p:spPr>
+          </p:pic>
+        </mc:Fallback>
+      </mc:AlternateContent>
+      <mc:AlternateContent xmlns:mc="http://schemas.openxmlformats.org/markup-compatibility/2006">
+        <mc:Choice xmlns:p14="http://schemas.microsoft.com/office/powerpoint/2010/main" Requires="p14">
+          <p:contentPart p14:bwMode="auto" r:id="rId13">
+            <p14:nvContentPartPr>
+              <p14:cNvPr id="10" name="Tinta 9">
+                <a:extLst>
+                  <a:ext uri="{FF2B5EF4-FFF2-40B4-BE49-F238E27FC236}">
+                    <a16:creationId xmlns:a16="http://schemas.microsoft.com/office/drawing/2014/main" id="{B068D3E0-8EA0-3EB5-2FDD-EDDD99599096}"/>
+                  </a:ext>
+                </a:extLst>
+              </p14:cNvPr>
+              <p14:cNvContentPartPr/>
+              <p14:nvPr/>
+            </p14:nvContentPartPr>
+            <p14:xfrm>
+              <a:off x="2059560" y="1291230"/>
+              <a:ext cx="453600" cy="254520"/>
+            </p14:xfrm>
+          </p:contentPart>
+        </mc:Choice>
+        <mc:Fallback>
+          <p:pic>
+            <p:nvPicPr>
+              <p:cNvPr id="10" name="Tinta 9">
+                <a:extLst>
+                  <a:ext uri="{FF2B5EF4-FFF2-40B4-BE49-F238E27FC236}">
+                    <a16:creationId xmlns:a16="http://schemas.microsoft.com/office/drawing/2014/main" id="{B068D3E0-8EA0-3EB5-2FDD-EDDD99599096}"/>
+                  </a:ext>
+                </a:extLst>
+              </p:cNvPr>
+              <p:cNvPicPr/>
+              <p:nvPr/>
+            </p:nvPicPr>
+            <p:blipFill>
+              <a:blip r:embed="rId14"/>
+              <a:stretch>
+                <a:fillRect/>
+              </a:stretch>
+            </p:blipFill>
+            <p:spPr>
+              <a:xfrm>
+                <a:off x="2053440" y="1285110"/>
+                <a:ext cx="465840" cy="266760"/>
+              </a:xfrm>
+              <a:prstGeom prst="rect">
+                <a:avLst/>
+              </a:prstGeom>
+            </p:spPr>
+          </p:pic>
+        </mc:Fallback>
+      </mc:AlternateContent>
+      <mc:AlternateContent xmlns:mc="http://schemas.openxmlformats.org/markup-compatibility/2006">
+        <mc:Choice xmlns:p14="http://schemas.microsoft.com/office/powerpoint/2010/main" Requires="p14">
+          <p:contentPart p14:bwMode="auto" r:id="rId15">
+            <p14:nvContentPartPr>
+              <p14:cNvPr id="11" name="Tinta 10">
+                <a:extLst>
+                  <a:ext uri="{FF2B5EF4-FFF2-40B4-BE49-F238E27FC236}">
+                    <a16:creationId xmlns:a16="http://schemas.microsoft.com/office/drawing/2014/main" id="{190B4492-A0BF-39E4-2E00-0FBB2B3FCBDB}"/>
+                  </a:ext>
+                </a:extLst>
+              </p14:cNvPr>
+              <p14:cNvContentPartPr/>
+              <p14:nvPr/>
+            </p14:nvContentPartPr>
+            <p14:xfrm>
+              <a:off x="537120" y="1817190"/>
+              <a:ext cx="1782720" cy="93240"/>
+            </p14:xfrm>
+          </p:contentPart>
+        </mc:Choice>
+        <mc:Fallback>
+          <p:pic>
+            <p:nvPicPr>
+              <p:cNvPr id="11" name="Tinta 10">
+                <a:extLst>
+                  <a:ext uri="{FF2B5EF4-FFF2-40B4-BE49-F238E27FC236}">
+                    <a16:creationId xmlns:a16="http://schemas.microsoft.com/office/drawing/2014/main" id="{190B4492-A0BF-39E4-2E00-0FBB2B3FCBDB}"/>
+                  </a:ext>
+                </a:extLst>
+              </p:cNvPr>
+              <p:cNvPicPr/>
+              <p:nvPr/>
+            </p:nvPicPr>
+            <p:blipFill>
+              <a:blip r:embed="rId16"/>
+              <a:stretch>
+                <a:fillRect/>
+              </a:stretch>
+            </p:blipFill>
+            <p:spPr>
+              <a:xfrm>
+                <a:off x="531000" y="1811070"/>
+                <a:ext cx="1794960" cy="105480"/>
+              </a:xfrm>
+              <a:prstGeom prst="rect">
+                <a:avLst/>
+              </a:prstGeom>
+            </p:spPr>
+          </p:pic>
+        </mc:Fallback>
+      </mc:AlternateContent>
+      <p:sp>
+        <p:nvSpPr>
+          <p:cNvPr id="12" name="Espaço Reservado para Conteúdo 2">
+            <a:extLst>
+              <a:ext uri="{FF2B5EF4-FFF2-40B4-BE49-F238E27FC236}">
+                <a16:creationId xmlns:a16="http://schemas.microsoft.com/office/drawing/2014/main" id="{C59867BD-0ED6-224E-7A15-D60D9D556F7F}"/>
+              </a:ext>
+            </a:extLst>
+          </p:cNvPr>
+          <p:cNvSpPr txBox="1">
+            <a:spLocks/>
+          </p:cNvSpPr>
+          <p:nvPr/>
+        </p:nvSpPr>
+        <p:spPr>
+          <a:xfrm>
+            <a:off x="3649980" y="91440"/>
+            <a:ext cx="2830830" cy="6675120"/>
+          </a:xfrm>
+          <a:prstGeom prst="rect">
+            <a:avLst/>
+          </a:prstGeom>
+        </p:spPr>
+        <p:txBody>
+          <a:bodyPr/>
+          <a:lstStyle>
+            <a:lvl1pPr marL="228600" indent="-228600" algn="l" defTabSz="914400" rtl="0" eaLnBrk="1" latinLnBrk="0" hangingPunct="1">
+              <a:lnSpc>
+                <a:spcPct val="90000"/>
+              </a:lnSpc>
+              <a:spcBef>
+                <a:spcPts val="1000"/>
+              </a:spcBef>
+              <a:buFont typeface="Arial" panose="020B0604020202020204" pitchFamily="34" charset="0"/>
+              <a:buChar char="•"/>
+              <a:defRPr sz="2800" kern="1200">
+                <a:solidFill>
+                  <a:schemeClr val="tx1"/>
+                </a:solidFill>
+                <a:latin typeface="+mn-lt"/>
+                <a:ea typeface="+mn-ea"/>
+                <a:cs typeface="+mn-cs"/>
+              </a:defRPr>
+            </a:lvl1pPr>
+            <a:lvl2pPr marL="685800" indent="-228600" algn="l" defTabSz="914400" rtl="0" eaLnBrk="1" latinLnBrk="0" hangingPunct="1">
+              <a:lnSpc>
+                <a:spcPct val="90000"/>
+              </a:lnSpc>
+              <a:spcBef>
+                <a:spcPts val="500"/>
+              </a:spcBef>
+              <a:buFont typeface="Arial" panose="020B0604020202020204" pitchFamily="34" charset="0"/>
+              <a:buChar char="•"/>
+              <a:defRPr sz="2400" kern="1200">
+                <a:solidFill>
+                  <a:schemeClr val="tx1"/>
+                </a:solidFill>
+                <a:latin typeface="+mn-lt"/>
+                <a:ea typeface="+mn-ea"/>
+                <a:cs typeface="+mn-cs"/>
+              </a:defRPr>
+            </a:lvl2pPr>
+            <a:lvl3pPr marL="1143000" indent="-228600" algn="l" defTabSz="914400" rtl="0" eaLnBrk="1" latinLnBrk="0" hangingPunct="1">
+              <a:lnSpc>
+                <a:spcPct val="90000"/>
+              </a:lnSpc>
+              <a:spcBef>
+                <a:spcPts val="500"/>
+              </a:spcBef>
+              <a:buFont typeface="Arial" panose="020B0604020202020204" pitchFamily="34" charset="0"/>
+              <a:buChar char="•"/>
+              <a:defRPr sz="2000" kern="1200">
+                <a:solidFill>
+                  <a:schemeClr val="tx1"/>
+                </a:solidFill>
+                <a:latin typeface="+mn-lt"/>
+                <a:ea typeface="+mn-ea"/>
+                <a:cs typeface="+mn-cs"/>
+              </a:defRPr>
+            </a:lvl3pPr>
+            <a:lvl4pPr marL="1600200" indent="-228600" algn="l" defTabSz="914400" rtl="0" eaLnBrk="1" latinLnBrk="0" hangingPunct="1">
+              <a:lnSpc>
+                <a:spcPct val="90000"/>
+              </a:lnSpc>
+              <a:spcBef>
+                <a:spcPts val="500"/>
+              </a:spcBef>
+              <a:buFont typeface="Arial" panose="020B0604020202020204" pitchFamily="34" charset="0"/>
+              <a:buChar char="•"/>
+              <a:defRPr sz="1800" kern="1200">
+                <a:solidFill>
+                  <a:schemeClr val="tx1"/>
+                </a:solidFill>
+                <a:latin typeface="+mn-lt"/>
+                <a:ea typeface="+mn-ea"/>
+                <a:cs typeface="+mn-cs"/>
+              </a:defRPr>
+            </a:lvl4pPr>
+            <a:lvl5pPr marL="2057400" indent="-228600" algn="l" defTabSz="914400" rtl="0" eaLnBrk="1" latinLnBrk="0" hangingPunct="1">
+              <a:lnSpc>
+                <a:spcPct val="90000"/>
+              </a:lnSpc>
+              <a:spcBef>
+                <a:spcPts val="500"/>
+              </a:spcBef>
+              <a:buFont typeface="Arial" panose="020B0604020202020204" pitchFamily="34" charset="0"/>
+              <a:buChar char="•"/>
+              <a:defRPr sz="1800" kern="1200">
+                <a:solidFill>
+                  <a:schemeClr val="tx1"/>
+                </a:solidFill>
+                <a:latin typeface="+mn-lt"/>
+                <a:ea typeface="+mn-ea"/>
+                <a:cs typeface="+mn-cs"/>
+              </a:defRPr>
+            </a:lvl5pPr>
+            <a:lvl6pPr marL="2514600" indent="-228600" algn="l" defTabSz="914400" rtl="0" eaLnBrk="1" latinLnBrk="0" hangingPunct="1">
+              <a:lnSpc>
+                <a:spcPct val="90000"/>
+              </a:lnSpc>
+              <a:spcBef>
+                <a:spcPts val="500"/>
+              </a:spcBef>
+              <a:buFont typeface="Arial" panose="020B0604020202020204" pitchFamily="34" charset="0"/>
+              <a:buChar char="•"/>
+              <a:defRPr sz="1800" kern="1200">
+                <a:solidFill>
+                  <a:schemeClr val="tx1"/>
+                </a:solidFill>
+                <a:latin typeface="+mn-lt"/>
+                <a:ea typeface="+mn-ea"/>
+                <a:cs typeface="+mn-cs"/>
+              </a:defRPr>
+            </a:lvl6pPr>
+            <a:lvl7pPr marL="2971800" indent="-228600" algn="l" defTabSz="914400" rtl="0" eaLnBrk="1" latinLnBrk="0" hangingPunct="1">
+              <a:lnSpc>
+                <a:spcPct val="90000"/>
+              </a:lnSpc>
+              <a:spcBef>
+                <a:spcPts val="500"/>
+              </a:spcBef>
+              <a:buFont typeface="Arial" panose="020B0604020202020204" pitchFamily="34" charset="0"/>
+              <a:buChar char="•"/>
+              <a:defRPr sz="1800" kern="1200">
+                <a:solidFill>
+                  <a:schemeClr val="tx1"/>
+                </a:solidFill>
+                <a:latin typeface="+mn-lt"/>
+                <a:ea typeface="+mn-ea"/>
+                <a:cs typeface="+mn-cs"/>
+              </a:defRPr>
+            </a:lvl7pPr>
+            <a:lvl8pPr marL="3429000" indent="-228600" algn="l" defTabSz="914400" rtl="0" eaLnBrk="1" latinLnBrk="0" hangingPunct="1">
+              <a:lnSpc>
+                <a:spcPct val="90000"/>
+              </a:lnSpc>
+              <a:spcBef>
+                <a:spcPts val="500"/>
+              </a:spcBef>
+              <a:buFont typeface="Arial" panose="020B0604020202020204" pitchFamily="34" charset="0"/>
+              <a:buChar char="•"/>
+              <a:defRPr sz="1800" kern="1200">
+                <a:solidFill>
+                  <a:schemeClr val="tx1"/>
+                </a:solidFill>
+                <a:latin typeface="+mn-lt"/>
+                <a:ea typeface="+mn-ea"/>
+                <a:cs typeface="+mn-cs"/>
+              </a:defRPr>
+            </a:lvl8pPr>
+            <a:lvl9pPr marL="3886200" indent="-228600" algn="l" defTabSz="914400" rtl="0" eaLnBrk="1" latinLnBrk="0" hangingPunct="1">
+              <a:lnSpc>
+                <a:spcPct val="90000"/>
+              </a:lnSpc>
+              <a:spcBef>
+                <a:spcPts val="500"/>
+              </a:spcBef>
+              <a:buFont typeface="Arial" panose="020B0604020202020204" pitchFamily="34" charset="0"/>
+              <a:buChar char="•"/>
+              <a:defRPr sz="1800" kern="1200">
+                <a:solidFill>
+                  <a:schemeClr val="tx1"/>
+                </a:solidFill>
+                <a:latin typeface="+mn-lt"/>
+                <a:ea typeface="+mn-ea"/>
+                <a:cs typeface="+mn-cs"/>
+              </a:defRPr>
+            </a:lvl9pPr>
+          </a:lstStyle>
+          <a:p>
+            <a:r>
+              <a:rPr lang="pt-BR" dirty="0"/>
+              <a:t>Compra</a:t>
+            </a:r>
+          </a:p>
+          <a:p>
+            <a:r>
+              <a:rPr lang="pt-BR" dirty="0"/>
+              <a:t>Venda</a:t>
+            </a:r>
+          </a:p>
+        </p:txBody>
+      </p:sp>
+      <mc:AlternateContent xmlns:mc="http://schemas.openxmlformats.org/markup-compatibility/2006">
+        <mc:Choice xmlns:p14="http://schemas.microsoft.com/office/powerpoint/2010/main" Requires="p14">
+          <p:contentPart p14:bwMode="auto" r:id="rId17">
+            <p14:nvContentPartPr>
+              <p14:cNvPr id="13" name="Tinta 12">
+                <a:extLst>
+                  <a:ext uri="{FF2B5EF4-FFF2-40B4-BE49-F238E27FC236}">
+                    <a16:creationId xmlns:a16="http://schemas.microsoft.com/office/drawing/2014/main" id="{0F1DF1C7-BBEE-DF32-F8CF-EC919F5FEE9E}"/>
+                  </a:ext>
+                </a:extLst>
+              </p14:cNvPr>
+              <p14:cNvContentPartPr/>
+              <p14:nvPr/>
+            </p14:nvContentPartPr>
+            <p14:xfrm>
+              <a:off x="468360" y="2342430"/>
+              <a:ext cx="2485440" cy="57600"/>
+            </p14:xfrm>
+          </p:contentPart>
+        </mc:Choice>
+        <mc:Fallback>
+          <p:pic>
+            <p:nvPicPr>
+              <p:cNvPr id="13" name="Tinta 12">
+                <a:extLst>
+                  <a:ext uri="{FF2B5EF4-FFF2-40B4-BE49-F238E27FC236}">
+                    <a16:creationId xmlns:a16="http://schemas.microsoft.com/office/drawing/2014/main" id="{0F1DF1C7-BBEE-DF32-F8CF-EC919F5FEE9E}"/>
+                  </a:ext>
+                </a:extLst>
+              </p:cNvPr>
+              <p:cNvPicPr/>
+              <p:nvPr/>
+            </p:nvPicPr>
+            <p:blipFill>
+              <a:blip r:embed="rId18"/>
+              <a:stretch>
+                <a:fillRect/>
+              </a:stretch>
+            </p:blipFill>
+            <p:spPr>
+              <a:xfrm>
+                <a:off x="462240" y="2336310"/>
+                <a:ext cx="2497680" cy="69840"/>
+              </a:xfrm>
+              <a:prstGeom prst="rect">
+                <a:avLst/>
+              </a:prstGeom>
+            </p:spPr>
+          </p:pic>
+        </mc:Fallback>
+      </mc:AlternateContent>
+      <mc:AlternateContent xmlns:mc="http://schemas.openxmlformats.org/markup-compatibility/2006">
+        <mc:Choice xmlns:p14="http://schemas.microsoft.com/office/powerpoint/2010/main" Requires="p14">
+          <p:contentPart p14:bwMode="auto" r:id="rId19">
+            <p14:nvContentPartPr>
+              <p14:cNvPr id="14" name="Tinta 13">
+                <a:extLst>
+                  <a:ext uri="{FF2B5EF4-FFF2-40B4-BE49-F238E27FC236}">
+                    <a16:creationId xmlns:a16="http://schemas.microsoft.com/office/drawing/2014/main" id="{561DE3A8-EF4E-6A89-EA16-B14809BA139F}"/>
+                  </a:ext>
+                </a:extLst>
+              </p14:cNvPr>
+              <p14:cNvContentPartPr/>
+              <p14:nvPr/>
+            </p14:nvContentPartPr>
+            <p14:xfrm>
+              <a:off x="2342880" y="3180510"/>
+              <a:ext cx="350640" cy="277920"/>
+            </p14:xfrm>
+          </p:contentPart>
+        </mc:Choice>
+        <mc:Fallback>
+          <p:pic>
+            <p:nvPicPr>
+              <p:cNvPr id="14" name="Tinta 13">
+                <a:extLst>
+                  <a:ext uri="{FF2B5EF4-FFF2-40B4-BE49-F238E27FC236}">
+                    <a16:creationId xmlns:a16="http://schemas.microsoft.com/office/drawing/2014/main" id="{561DE3A8-EF4E-6A89-EA16-B14809BA139F}"/>
+                  </a:ext>
+                </a:extLst>
+              </p:cNvPr>
+              <p:cNvPicPr/>
+              <p:nvPr/>
+            </p:nvPicPr>
+            <p:blipFill>
+              <a:blip r:embed="rId20"/>
+              <a:stretch>
+                <a:fillRect/>
+              </a:stretch>
+            </p:blipFill>
+            <p:spPr>
+              <a:xfrm>
+                <a:off x="2336760" y="3174390"/>
+                <a:ext cx="362880" cy="290160"/>
+              </a:xfrm>
+              <a:prstGeom prst="rect">
+                <a:avLst/>
+              </a:prstGeom>
+            </p:spPr>
+          </p:pic>
+        </mc:Fallback>
+      </mc:AlternateContent>
+      <mc:AlternateContent xmlns:mc="http://schemas.openxmlformats.org/markup-compatibility/2006">
+        <mc:Choice xmlns:p14="http://schemas.microsoft.com/office/powerpoint/2010/main" Requires="p14">
+          <p:contentPart p14:bwMode="auto" r:id="rId21">
+            <p14:nvContentPartPr>
+              <p14:cNvPr id="15" name="Tinta 14">
+                <a:extLst>
+                  <a:ext uri="{FF2B5EF4-FFF2-40B4-BE49-F238E27FC236}">
+                    <a16:creationId xmlns:a16="http://schemas.microsoft.com/office/drawing/2014/main" id="{18720F5E-8E5B-1D4D-26B4-EC6AD4DF5C64}"/>
+                  </a:ext>
+                </a:extLst>
+              </p14:cNvPr>
+              <p14:cNvContentPartPr/>
+              <p14:nvPr/>
+            </p14:nvContentPartPr>
+            <p14:xfrm>
+              <a:off x="2147760" y="3649230"/>
+              <a:ext cx="777240" cy="374760"/>
+            </p14:xfrm>
+          </p:contentPart>
+        </mc:Choice>
+        <mc:Fallback>
+          <p:pic>
+            <p:nvPicPr>
+              <p:cNvPr id="15" name="Tinta 14">
+                <a:extLst>
+                  <a:ext uri="{FF2B5EF4-FFF2-40B4-BE49-F238E27FC236}">
+                    <a16:creationId xmlns:a16="http://schemas.microsoft.com/office/drawing/2014/main" id="{18720F5E-8E5B-1D4D-26B4-EC6AD4DF5C64}"/>
+                  </a:ext>
+                </a:extLst>
+              </p:cNvPr>
+              <p:cNvPicPr/>
+              <p:nvPr/>
+            </p:nvPicPr>
+            <p:blipFill>
+              <a:blip r:embed="rId22"/>
+              <a:stretch>
+                <a:fillRect/>
+              </a:stretch>
+            </p:blipFill>
+            <p:spPr>
+              <a:xfrm>
+                <a:off x="2141640" y="3643110"/>
+                <a:ext cx="789480" cy="387000"/>
+              </a:xfrm>
+              <a:prstGeom prst="rect">
+                <a:avLst/>
+              </a:prstGeom>
+            </p:spPr>
+          </p:pic>
+        </mc:Fallback>
+      </mc:AlternateContent>
+      <mc:AlternateContent xmlns:mc="http://schemas.openxmlformats.org/markup-compatibility/2006">
+        <mc:Choice xmlns:p14="http://schemas.microsoft.com/office/powerpoint/2010/main" Requires="p14">
+          <p:contentPart p14:bwMode="auto" r:id="rId23">
+            <p14:nvContentPartPr>
+              <p14:cNvPr id="16" name="Tinta 15">
+                <a:extLst>
+                  <a:ext uri="{FF2B5EF4-FFF2-40B4-BE49-F238E27FC236}">
+                    <a16:creationId xmlns:a16="http://schemas.microsoft.com/office/drawing/2014/main" id="{46EDF0BD-94B6-DE61-0A63-5E9620EF4FC5}"/>
+                  </a:ext>
+                </a:extLst>
+              </p14:cNvPr>
+              <p14:cNvContentPartPr/>
+              <p14:nvPr/>
+            </p14:nvContentPartPr>
+            <p14:xfrm>
+              <a:off x="639720" y="4400190"/>
+              <a:ext cx="1872360" cy="69480"/>
+            </p14:xfrm>
+          </p:contentPart>
+        </mc:Choice>
+        <mc:Fallback>
+          <p:pic>
+            <p:nvPicPr>
+              <p:cNvPr id="16" name="Tinta 15">
+                <a:extLst>
+                  <a:ext uri="{FF2B5EF4-FFF2-40B4-BE49-F238E27FC236}">
+                    <a16:creationId xmlns:a16="http://schemas.microsoft.com/office/drawing/2014/main" id="{46EDF0BD-94B6-DE61-0A63-5E9620EF4FC5}"/>
+                  </a:ext>
+                </a:extLst>
+              </p:cNvPr>
+              <p:cNvPicPr/>
+              <p:nvPr/>
+            </p:nvPicPr>
+            <p:blipFill>
+              <a:blip r:embed="rId24"/>
+              <a:stretch>
+                <a:fillRect/>
+              </a:stretch>
+            </p:blipFill>
+            <p:spPr>
+              <a:xfrm>
+                <a:off x="633600" y="4394070"/>
+                <a:ext cx="1884600" cy="81720"/>
+              </a:xfrm>
+              <a:prstGeom prst="rect">
+                <a:avLst/>
+              </a:prstGeom>
+            </p:spPr>
+          </p:pic>
+        </mc:Fallback>
+      </mc:AlternateContent>
+      <mc:AlternateContent xmlns:mc="http://schemas.openxmlformats.org/markup-compatibility/2006">
+        <mc:Choice xmlns:p14="http://schemas.microsoft.com/office/powerpoint/2010/main" Requires="p14">
+          <p:contentPart p14:bwMode="auto" r:id="rId25">
+            <p14:nvContentPartPr>
+              <p14:cNvPr id="17" name="Tinta 16">
+                <a:extLst>
+                  <a:ext uri="{FF2B5EF4-FFF2-40B4-BE49-F238E27FC236}">
+                    <a16:creationId xmlns:a16="http://schemas.microsoft.com/office/drawing/2014/main" id="{383ED9A1-98FA-50C4-604F-4DD76D936517}"/>
+                  </a:ext>
+                </a:extLst>
+              </p14:cNvPr>
+              <p14:cNvContentPartPr/>
+              <p14:nvPr/>
+            </p14:nvContentPartPr>
+            <p14:xfrm>
+              <a:off x="537120" y="4925790"/>
+              <a:ext cx="1450440" cy="59760"/>
+            </p14:xfrm>
+          </p:contentPart>
+        </mc:Choice>
+        <mc:Fallback>
+          <p:pic>
+            <p:nvPicPr>
+              <p:cNvPr id="17" name="Tinta 16">
+                <a:extLst>
+                  <a:ext uri="{FF2B5EF4-FFF2-40B4-BE49-F238E27FC236}">
+                    <a16:creationId xmlns:a16="http://schemas.microsoft.com/office/drawing/2014/main" id="{383ED9A1-98FA-50C4-604F-4DD76D936517}"/>
+                  </a:ext>
+                </a:extLst>
+              </p:cNvPr>
+              <p:cNvPicPr/>
+              <p:nvPr/>
+            </p:nvPicPr>
+            <p:blipFill>
+              <a:blip r:embed="rId26"/>
+              <a:stretch>
+                <a:fillRect/>
+              </a:stretch>
+            </p:blipFill>
+            <p:spPr>
+              <a:xfrm>
+                <a:off x="531000" y="4919670"/>
+                <a:ext cx="1462680" cy="72000"/>
+              </a:xfrm>
+              <a:prstGeom prst="rect">
+                <a:avLst/>
+              </a:prstGeom>
+            </p:spPr>
+          </p:pic>
+        </mc:Fallback>
+      </mc:AlternateContent>
+      <mc:AlternateContent xmlns:mc="http://schemas.openxmlformats.org/markup-compatibility/2006">
+        <mc:Choice xmlns:p14="http://schemas.microsoft.com/office/powerpoint/2010/main" Requires="p14">
+          <p:contentPart p14:bwMode="auto" r:id="rId27">
+            <p14:nvContentPartPr>
+              <p14:cNvPr id="18" name="Tinta 17">
+                <a:extLst>
+                  <a:ext uri="{FF2B5EF4-FFF2-40B4-BE49-F238E27FC236}">
+                    <a16:creationId xmlns:a16="http://schemas.microsoft.com/office/drawing/2014/main" id="{18C939B3-BB10-AA96-F804-C5FDCB5B798C}"/>
+                  </a:ext>
+                </a:extLst>
+              </p14:cNvPr>
+              <p14:cNvContentPartPr/>
+              <p14:nvPr/>
+            </p14:nvContentPartPr>
+            <p14:xfrm>
+              <a:off x="1899720" y="5278950"/>
+              <a:ext cx="454320" cy="299160"/>
+            </p14:xfrm>
+          </p:contentPart>
+        </mc:Choice>
+        <mc:Fallback>
+          <p:pic>
+            <p:nvPicPr>
+              <p:cNvPr id="18" name="Tinta 17">
+                <a:extLst>
+                  <a:ext uri="{FF2B5EF4-FFF2-40B4-BE49-F238E27FC236}">
+                    <a16:creationId xmlns:a16="http://schemas.microsoft.com/office/drawing/2014/main" id="{18C939B3-BB10-AA96-F804-C5FDCB5B798C}"/>
+                  </a:ext>
+                </a:extLst>
+              </p:cNvPr>
+              <p:cNvPicPr/>
+              <p:nvPr/>
+            </p:nvPicPr>
+            <p:blipFill>
+              <a:blip r:embed="rId28"/>
+              <a:stretch>
+                <a:fillRect/>
+              </a:stretch>
+            </p:blipFill>
+            <p:spPr>
+              <a:xfrm>
+                <a:off x="1893600" y="5272830"/>
+                <a:ext cx="466560" cy="311400"/>
+              </a:xfrm>
+              <a:prstGeom prst="rect">
+                <a:avLst/>
+              </a:prstGeom>
+            </p:spPr>
+          </p:pic>
+        </mc:Fallback>
+      </mc:AlternateContent>
+      <mc:AlternateContent xmlns:mc="http://schemas.openxmlformats.org/markup-compatibility/2006">
+        <mc:Choice xmlns:p14="http://schemas.microsoft.com/office/powerpoint/2010/main" Requires="p14">
+          <p:contentPart p14:bwMode="auto" r:id="rId29">
+            <p14:nvContentPartPr>
+              <p14:cNvPr id="19" name="Tinta 18">
+                <a:extLst>
+                  <a:ext uri="{FF2B5EF4-FFF2-40B4-BE49-F238E27FC236}">
+                    <a16:creationId xmlns:a16="http://schemas.microsoft.com/office/drawing/2014/main" id="{9C9FB0D8-2223-B276-C5D1-3A083659683D}"/>
+                  </a:ext>
+                </a:extLst>
+              </p14:cNvPr>
+              <p14:cNvContentPartPr/>
+              <p14:nvPr/>
+            </p14:nvContentPartPr>
+            <p14:xfrm>
+              <a:off x="376560" y="5942070"/>
+              <a:ext cx="2399400" cy="127800"/>
+            </p14:xfrm>
+          </p:contentPart>
+        </mc:Choice>
+        <mc:Fallback>
+          <p:pic>
+            <p:nvPicPr>
+              <p:cNvPr id="19" name="Tinta 18">
+                <a:extLst>
+                  <a:ext uri="{FF2B5EF4-FFF2-40B4-BE49-F238E27FC236}">
+                    <a16:creationId xmlns:a16="http://schemas.microsoft.com/office/drawing/2014/main" id="{9C9FB0D8-2223-B276-C5D1-3A083659683D}"/>
+                  </a:ext>
+                </a:extLst>
+              </p:cNvPr>
+              <p:cNvPicPr/>
+              <p:nvPr/>
+            </p:nvPicPr>
+            <p:blipFill>
+              <a:blip r:embed="rId30"/>
+              <a:stretch>
+                <a:fillRect/>
+              </a:stretch>
+            </p:blipFill>
+            <p:spPr>
+              <a:xfrm>
+                <a:off x="370440" y="5935950"/>
+                <a:ext cx="2411640" cy="140040"/>
+              </a:xfrm>
+              <a:prstGeom prst="rect">
+                <a:avLst/>
+              </a:prstGeom>
+            </p:spPr>
+          </p:pic>
+        </mc:Fallback>
+      </mc:AlternateContent>
+    </p:spTree>
+    <p:extLst>
+      <p:ext uri="{BB962C8B-B14F-4D97-AF65-F5344CB8AC3E}">
+        <p14:creationId xmlns:p14="http://schemas.microsoft.com/office/powerpoint/2010/main" val="1548502580"/>
+      </p:ext>
+    </p:extLst>
+  </p:cSld>
+  <p:clrMapOvr>
+    <a:masterClrMapping/>
+  </p:clrMapOvr>
+</p:sld>
+</file>
+
+<file path=ppt/slides/slide13.xml><?xml version="1.0" encoding="utf-8"?>
+<p:sld xmlns:a="http://schemas.openxmlformats.org/drawingml/2006/main" xmlns:r="http://schemas.openxmlformats.org/officeDocument/2006/relationships" xmlns:p="http://schemas.openxmlformats.org/presentationml/2006/main">
+  <p:cSld>
+    <p:spTree>
+      <p:nvGrpSpPr>
+        <p:cNvPr id="1" name=""/>
+        <p:cNvGrpSpPr/>
+        <p:nvPr/>
+      </p:nvGrpSpPr>
+      <p:grpSpPr>
+        <a:xfrm>
+          <a:off x="0" y="0"/>
+          <a:ext cx="0" cy="0"/>
+          <a:chOff x="0" y="0"/>
+          <a:chExt cx="0" cy="0"/>
+        </a:xfrm>
+      </p:grpSpPr>
+      <p:sp>
+        <p:nvSpPr>
+          <p:cNvPr id="20" name="Retângulo 19">
+            <a:extLst>
+              <a:ext uri="{FF2B5EF4-FFF2-40B4-BE49-F238E27FC236}">
+                <a16:creationId xmlns:a16="http://schemas.microsoft.com/office/drawing/2014/main" id="{15433D8D-5D9A-FCC0-BF1D-36A08FDA8FE8}"/>
+              </a:ext>
+            </a:extLst>
+          </p:cNvPr>
+          <p:cNvSpPr/>
+          <p:nvPr/>
+        </p:nvSpPr>
+        <p:spPr>
+          <a:xfrm>
+            <a:off x="3743070" y="264060"/>
+            <a:ext cx="2221230" cy="696060"/>
+          </a:xfrm>
+          <a:prstGeom prst="rect">
+            <a:avLst/>
+          </a:prstGeom>
+        </p:spPr>
+        <p:style>
+          <a:lnRef idx="2">
+            <a:schemeClr val="dk1"/>
+          </a:lnRef>
+          <a:fillRef idx="1">
+            <a:schemeClr val="lt1"/>
+          </a:fillRef>
+          <a:effectRef idx="0">
+            <a:schemeClr val="dk1"/>
+          </a:effectRef>
+          <a:fontRef idx="minor">
+            <a:schemeClr val="dk1"/>
+          </a:fontRef>
+        </p:style>
+        <p:txBody>
+          <a:bodyPr rtlCol="0" anchor="ctr"/>
+          <a:lstStyle/>
+          <a:p>
+            <a:pPr algn="ctr"/>
+            <a:r>
+              <a:rPr lang="pt-BR" dirty="0"/>
+              <a:t>Usuário</a:t>
+            </a:r>
+          </a:p>
+        </p:txBody>
+      </p:sp>
+      <p:sp>
+        <p:nvSpPr>
+          <p:cNvPr id="21" name="Retângulo 20">
+            <a:extLst>
+              <a:ext uri="{FF2B5EF4-FFF2-40B4-BE49-F238E27FC236}">
+                <a16:creationId xmlns:a16="http://schemas.microsoft.com/office/drawing/2014/main" id="{6590316D-B3DC-1284-1EC5-46F0F184C0A6}"/>
+              </a:ext>
+            </a:extLst>
+          </p:cNvPr>
+          <p:cNvSpPr/>
+          <p:nvPr/>
+        </p:nvSpPr>
+        <p:spPr>
+          <a:xfrm>
+            <a:off x="7544755" y="5324224"/>
+            <a:ext cx="2221230" cy="696060"/>
+          </a:xfrm>
+          <a:prstGeom prst="rect">
+            <a:avLst/>
+          </a:prstGeom>
+        </p:spPr>
+        <p:style>
+          <a:lnRef idx="2">
+            <a:schemeClr val="dk1"/>
+          </a:lnRef>
+          <a:fillRef idx="1">
+            <a:schemeClr val="lt1"/>
+          </a:fillRef>
+          <a:effectRef idx="0">
+            <a:schemeClr val="dk1"/>
+          </a:effectRef>
+          <a:fontRef idx="minor">
+            <a:schemeClr val="dk1"/>
+          </a:fontRef>
+        </p:style>
+        <p:txBody>
+          <a:bodyPr rtlCol="0" anchor="ctr"/>
+          <a:lstStyle/>
+          <a:p>
+            <a:pPr algn="ctr"/>
+            <a:r>
+              <a:rPr lang="pt-BR" dirty="0"/>
+              <a:t>Fornecedor</a:t>
+            </a:r>
+          </a:p>
+        </p:txBody>
+      </p:sp>
+      <p:sp>
+        <p:nvSpPr>
+          <p:cNvPr id="22" name="Retângulo 21">
+            <a:extLst>
+              <a:ext uri="{FF2B5EF4-FFF2-40B4-BE49-F238E27FC236}">
+                <a16:creationId xmlns:a16="http://schemas.microsoft.com/office/drawing/2014/main" id="{F1541CFF-8A89-CD40-AF16-AD18466D7E93}"/>
+              </a:ext>
+            </a:extLst>
+          </p:cNvPr>
+          <p:cNvSpPr/>
+          <p:nvPr/>
+        </p:nvSpPr>
+        <p:spPr>
+          <a:xfrm>
+            <a:off x="3743070" y="5258700"/>
+            <a:ext cx="2221230" cy="696060"/>
+          </a:xfrm>
+          <a:prstGeom prst="rect">
+            <a:avLst/>
+          </a:prstGeom>
+        </p:spPr>
+        <p:style>
+          <a:lnRef idx="2">
+            <a:schemeClr val="dk1"/>
+          </a:lnRef>
+          <a:fillRef idx="1">
+            <a:schemeClr val="lt1"/>
+          </a:fillRef>
+          <a:effectRef idx="0">
+            <a:schemeClr val="dk1"/>
+          </a:effectRef>
+          <a:fontRef idx="minor">
+            <a:schemeClr val="dk1"/>
+          </a:fontRef>
+        </p:style>
+        <p:txBody>
+          <a:bodyPr rtlCol="0" anchor="ctr"/>
+          <a:lstStyle/>
+          <a:p>
+            <a:pPr algn="ctr"/>
+            <a:r>
+              <a:rPr lang="pt-BR" dirty="0"/>
+              <a:t>Produto</a:t>
+            </a:r>
+          </a:p>
+        </p:txBody>
+      </p:sp>
+      <p:sp>
+        <p:nvSpPr>
+          <p:cNvPr id="23" name="Retângulo 22">
+            <a:extLst>
+              <a:ext uri="{FF2B5EF4-FFF2-40B4-BE49-F238E27FC236}">
+                <a16:creationId xmlns:a16="http://schemas.microsoft.com/office/drawing/2014/main" id="{D47BA652-125D-4617-D603-666058C03BB6}"/>
+              </a:ext>
+            </a:extLst>
+          </p:cNvPr>
+          <p:cNvSpPr/>
+          <p:nvPr/>
+        </p:nvSpPr>
+        <p:spPr>
+          <a:xfrm>
+            <a:off x="220980" y="5295240"/>
+            <a:ext cx="2221230" cy="696060"/>
+          </a:xfrm>
+          <a:prstGeom prst="rect">
+            <a:avLst/>
+          </a:prstGeom>
+        </p:spPr>
+        <p:style>
+          <a:lnRef idx="2">
+            <a:schemeClr val="dk1"/>
+          </a:lnRef>
+          <a:fillRef idx="1">
+            <a:schemeClr val="lt1"/>
+          </a:fillRef>
+          <a:effectRef idx="0">
+            <a:schemeClr val="dk1"/>
+          </a:effectRef>
+          <a:fontRef idx="minor">
+            <a:schemeClr val="dk1"/>
+          </a:fontRef>
+        </p:style>
+        <p:txBody>
+          <a:bodyPr rtlCol="0" anchor="ctr"/>
+          <a:lstStyle/>
+          <a:p>
+            <a:pPr algn="ctr"/>
+            <a:r>
+              <a:rPr lang="pt-BR" dirty="0"/>
+              <a:t>Categoria</a:t>
+            </a:r>
+          </a:p>
+        </p:txBody>
+      </p:sp>
+      <p:sp>
+        <p:nvSpPr>
+          <p:cNvPr id="24" name="Retângulo 23">
+            <a:extLst>
+              <a:ext uri="{FF2B5EF4-FFF2-40B4-BE49-F238E27FC236}">
+                <a16:creationId xmlns:a16="http://schemas.microsoft.com/office/drawing/2014/main" id="{1679E284-8A93-97F2-7246-FD11BF55E165}"/>
+              </a:ext>
+            </a:extLst>
+          </p:cNvPr>
+          <p:cNvSpPr/>
+          <p:nvPr/>
+        </p:nvSpPr>
+        <p:spPr>
+          <a:xfrm>
+            <a:off x="3743070" y="3463742"/>
+            <a:ext cx="2221230" cy="696060"/>
+          </a:xfrm>
+          <a:prstGeom prst="rect">
+            <a:avLst/>
+          </a:prstGeom>
+        </p:spPr>
+        <p:style>
+          <a:lnRef idx="2">
+            <a:schemeClr val="dk1"/>
+          </a:lnRef>
+          <a:fillRef idx="1">
+            <a:schemeClr val="lt1"/>
+          </a:fillRef>
+          <a:effectRef idx="0">
+            <a:schemeClr val="dk1"/>
+          </a:effectRef>
+          <a:fontRef idx="minor">
+            <a:schemeClr val="dk1"/>
+          </a:fontRef>
+        </p:style>
+        <p:txBody>
+          <a:bodyPr rtlCol="0" anchor="ctr"/>
+          <a:lstStyle/>
+          <a:p>
+            <a:pPr algn="ctr"/>
+            <a:r>
+              <a:rPr lang="pt-BR" dirty="0"/>
+              <a:t>Estoque</a:t>
+            </a:r>
+          </a:p>
+        </p:txBody>
+      </p:sp>
+      <p:sp>
+        <p:nvSpPr>
+          <p:cNvPr id="25" name="Retângulo 24">
+            <a:extLst>
+              <a:ext uri="{FF2B5EF4-FFF2-40B4-BE49-F238E27FC236}">
+                <a16:creationId xmlns:a16="http://schemas.microsoft.com/office/drawing/2014/main" id="{4A14C019-4E2B-B988-420E-639AE3AAE9D4}"/>
+              </a:ext>
+            </a:extLst>
+          </p:cNvPr>
+          <p:cNvSpPr/>
+          <p:nvPr/>
+        </p:nvSpPr>
+        <p:spPr>
+          <a:xfrm>
+            <a:off x="255270" y="1863901"/>
+            <a:ext cx="2221230" cy="696060"/>
+          </a:xfrm>
+          <a:prstGeom prst="rect">
+            <a:avLst/>
+          </a:prstGeom>
+        </p:spPr>
+        <p:style>
+          <a:lnRef idx="2">
+            <a:schemeClr val="dk1"/>
+          </a:lnRef>
+          <a:fillRef idx="1">
+            <a:schemeClr val="lt1"/>
+          </a:fillRef>
+          <a:effectRef idx="0">
+            <a:schemeClr val="dk1"/>
+          </a:effectRef>
+          <a:fontRef idx="minor">
+            <a:schemeClr val="dk1"/>
+          </a:fontRef>
+        </p:style>
+        <p:txBody>
+          <a:bodyPr rtlCol="0" anchor="ctr"/>
+          <a:lstStyle/>
+          <a:p>
+            <a:pPr algn="ctr"/>
+            <a:r>
+              <a:rPr lang="pt-BR" dirty="0"/>
+              <a:t>Cliente</a:t>
+            </a:r>
+          </a:p>
+        </p:txBody>
+      </p:sp>
+      <p:sp>
+        <p:nvSpPr>
+          <p:cNvPr id="26" name="Retângulo 25">
+            <a:extLst>
+              <a:ext uri="{FF2B5EF4-FFF2-40B4-BE49-F238E27FC236}">
+                <a16:creationId xmlns:a16="http://schemas.microsoft.com/office/drawing/2014/main" id="{38FE574A-DB73-528E-52A4-59DD343D61A1}"/>
+              </a:ext>
+            </a:extLst>
+          </p:cNvPr>
+          <p:cNvSpPr/>
+          <p:nvPr/>
+        </p:nvSpPr>
+        <p:spPr>
+          <a:xfrm>
+            <a:off x="7528560" y="3492272"/>
+            <a:ext cx="2221230" cy="696060"/>
+          </a:xfrm>
+          <a:prstGeom prst="rect">
+            <a:avLst/>
+          </a:prstGeom>
+        </p:spPr>
+        <p:style>
+          <a:lnRef idx="2">
+            <a:schemeClr val="dk1"/>
+          </a:lnRef>
+          <a:fillRef idx="1">
+            <a:schemeClr val="lt1"/>
+          </a:fillRef>
+          <a:effectRef idx="0">
+            <a:schemeClr val="dk1"/>
+          </a:effectRef>
+          <a:fontRef idx="minor">
+            <a:schemeClr val="dk1"/>
+          </a:fontRef>
+        </p:style>
+        <p:txBody>
+          <a:bodyPr rtlCol="0" anchor="ctr"/>
+          <a:lstStyle/>
+          <a:p>
+            <a:pPr algn="ctr"/>
+            <a:r>
+              <a:rPr lang="pt-BR" dirty="0"/>
+              <a:t>Compra</a:t>
+            </a:r>
+          </a:p>
+        </p:txBody>
+      </p:sp>
+      <p:sp>
+        <p:nvSpPr>
+          <p:cNvPr id="27" name="Retângulo 26">
+            <a:extLst>
+              <a:ext uri="{FF2B5EF4-FFF2-40B4-BE49-F238E27FC236}">
+                <a16:creationId xmlns:a16="http://schemas.microsoft.com/office/drawing/2014/main" id="{C4177ABB-D7D2-A4F6-0F66-948B458E4D11}"/>
+              </a:ext>
+            </a:extLst>
+          </p:cNvPr>
+          <p:cNvSpPr/>
+          <p:nvPr/>
+        </p:nvSpPr>
+        <p:spPr>
+          <a:xfrm>
+            <a:off x="3743070" y="1863901"/>
+            <a:ext cx="2221230" cy="696060"/>
+          </a:xfrm>
+          <a:prstGeom prst="rect">
+            <a:avLst/>
+          </a:prstGeom>
+        </p:spPr>
+        <p:style>
+          <a:lnRef idx="2">
+            <a:schemeClr val="dk1"/>
+          </a:lnRef>
+          <a:fillRef idx="1">
+            <a:schemeClr val="lt1"/>
+          </a:fillRef>
+          <a:effectRef idx="0">
+            <a:schemeClr val="dk1"/>
+          </a:effectRef>
+          <a:fontRef idx="minor">
+            <a:schemeClr val="dk1"/>
+          </a:fontRef>
+        </p:style>
+        <p:txBody>
+          <a:bodyPr rtlCol="0" anchor="ctr"/>
+          <a:lstStyle/>
+          <a:p>
+            <a:pPr algn="ctr"/>
+            <a:r>
+              <a:rPr lang="pt-BR" dirty="0"/>
+              <a:t>Venda</a:t>
+            </a:r>
+          </a:p>
+        </p:txBody>
+      </p:sp>
+      <p:sp>
+        <p:nvSpPr>
+          <p:cNvPr id="13" name="Losango 12">
+            <a:extLst>
+              <a:ext uri="{FF2B5EF4-FFF2-40B4-BE49-F238E27FC236}">
+                <a16:creationId xmlns:a16="http://schemas.microsoft.com/office/drawing/2014/main" id="{D299258E-36BE-C141-D685-6DD87292805D}"/>
+              </a:ext>
+            </a:extLst>
+          </p:cNvPr>
+          <p:cNvSpPr/>
+          <p:nvPr/>
+        </p:nvSpPr>
+        <p:spPr>
+          <a:xfrm>
+            <a:off x="4070730" y="1063980"/>
+            <a:ext cx="1565910" cy="696060"/>
+          </a:xfrm>
+          <a:prstGeom prst="diamond">
+            <a:avLst/>
+          </a:prstGeom>
+        </p:spPr>
+        <p:style>
+          <a:lnRef idx="2">
+            <a:schemeClr val="accent1">
+              <a:shade val="15000"/>
+            </a:schemeClr>
+          </a:lnRef>
+          <a:fillRef idx="1">
+            <a:schemeClr val="accent1"/>
+          </a:fillRef>
+          <a:effectRef idx="0">
+            <a:schemeClr val="accent1"/>
+          </a:effectRef>
+          <a:fontRef idx="minor">
+            <a:schemeClr val="lt1"/>
+          </a:fontRef>
+        </p:style>
+        <p:txBody>
+          <a:bodyPr rtlCol="0" anchor="ctr"/>
+          <a:lstStyle/>
+          <a:p>
+            <a:pPr algn="ctr"/>
+            <a:endParaRPr lang="pt-BR"/>
+          </a:p>
+        </p:txBody>
+      </p:sp>
+      <p:sp>
+        <p:nvSpPr>
+          <p:cNvPr id="14" name="Losango 13">
+            <a:extLst>
+              <a:ext uri="{FF2B5EF4-FFF2-40B4-BE49-F238E27FC236}">
+                <a16:creationId xmlns:a16="http://schemas.microsoft.com/office/drawing/2014/main" id="{E6DEF96B-C24E-C549-1359-6D27431F54E9}"/>
+              </a:ext>
+            </a:extLst>
+          </p:cNvPr>
+          <p:cNvSpPr/>
+          <p:nvPr/>
+        </p:nvSpPr>
+        <p:spPr>
+          <a:xfrm>
+            <a:off x="2648647" y="1863901"/>
+            <a:ext cx="997650" cy="696060"/>
+          </a:xfrm>
+          <a:prstGeom prst="diamond">
+            <a:avLst/>
+          </a:prstGeom>
+        </p:spPr>
+        <p:style>
+          <a:lnRef idx="2">
+            <a:schemeClr val="accent1">
+              <a:shade val="15000"/>
+            </a:schemeClr>
+          </a:lnRef>
+          <a:fillRef idx="1">
+            <a:schemeClr val="accent1"/>
+          </a:fillRef>
+          <a:effectRef idx="0">
+            <a:schemeClr val="accent1"/>
+          </a:effectRef>
+          <a:fontRef idx="minor">
+            <a:schemeClr val="lt1"/>
+          </a:fontRef>
+        </p:style>
+        <p:txBody>
+          <a:bodyPr rtlCol="0" anchor="ctr"/>
+          <a:lstStyle/>
+          <a:p>
+            <a:pPr algn="ctr"/>
+            <a:endParaRPr lang="pt-BR"/>
+          </a:p>
+        </p:txBody>
+      </p:sp>
+      <p:sp>
+        <p:nvSpPr>
+          <p:cNvPr id="15" name="Losango 14">
+            <a:extLst>
+              <a:ext uri="{FF2B5EF4-FFF2-40B4-BE49-F238E27FC236}">
+                <a16:creationId xmlns:a16="http://schemas.microsoft.com/office/drawing/2014/main" id="{52247DA7-11B5-EE49-30F5-4270A44A1F46}"/>
+              </a:ext>
+            </a:extLst>
+          </p:cNvPr>
+          <p:cNvSpPr/>
+          <p:nvPr/>
+        </p:nvSpPr>
+        <p:spPr>
+          <a:xfrm>
+            <a:off x="4022344" y="2698198"/>
+            <a:ext cx="1565910" cy="696060"/>
+          </a:xfrm>
+          <a:prstGeom prst="diamond">
+            <a:avLst/>
+          </a:prstGeom>
+        </p:spPr>
+        <p:style>
+          <a:lnRef idx="2">
+            <a:schemeClr val="accent1">
+              <a:shade val="15000"/>
+            </a:schemeClr>
+          </a:lnRef>
+          <a:fillRef idx="1">
+            <a:schemeClr val="accent1"/>
+          </a:fillRef>
+          <a:effectRef idx="0">
+            <a:schemeClr val="accent1"/>
+          </a:effectRef>
+          <a:fontRef idx="minor">
+            <a:schemeClr val="lt1"/>
+          </a:fontRef>
+        </p:style>
+        <p:txBody>
+          <a:bodyPr rtlCol="0" anchor="ctr"/>
+          <a:lstStyle/>
+          <a:p>
+            <a:pPr algn="ctr"/>
+            <a:endParaRPr lang="pt-BR"/>
+          </a:p>
+        </p:txBody>
+      </p:sp>
+      <p:sp>
+        <p:nvSpPr>
+          <p:cNvPr id="16" name="Losango 15">
+            <a:extLst>
+              <a:ext uri="{FF2B5EF4-FFF2-40B4-BE49-F238E27FC236}">
+                <a16:creationId xmlns:a16="http://schemas.microsoft.com/office/drawing/2014/main" id="{9CAE486D-5D1B-94FC-9C48-E39C8730668F}"/>
+              </a:ext>
+            </a:extLst>
+          </p:cNvPr>
+          <p:cNvSpPr/>
+          <p:nvPr/>
+        </p:nvSpPr>
+        <p:spPr>
+          <a:xfrm>
+            <a:off x="4022344" y="4414277"/>
+            <a:ext cx="1565910" cy="696060"/>
+          </a:xfrm>
+          <a:prstGeom prst="diamond">
+            <a:avLst/>
+          </a:prstGeom>
+        </p:spPr>
+        <p:style>
+          <a:lnRef idx="2">
+            <a:schemeClr val="accent1">
+              <a:shade val="15000"/>
+            </a:schemeClr>
+          </a:lnRef>
+          <a:fillRef idx="1">
+            <a:schemeClr val="accent1"/>
+          </a:fillRef>
+          <a:effectRef idx="0">
+            <a:schemeClr val="accent1"/>
+          </a:effectRef>
+          <a:fontRef idx="minor">
+            <a:schemeClr val="lt1"/>
+          </a:fontRef>
+        </p:style>
+        <p:txBody>
+          <a:bodyPr rtlCol="0" anchor="ctr"/>
+          <a:lstStyle/>
+          <a:p>
+            <a:pPr algn="ctr"/>
+            <a:endParaRPr lang="pt-BR"/>
+          </a:p>
+        </p:txBody>
+      </p:sp>
+      <p:sp>
+        <p:nvSpPr>
+          <p:cNvPr id="17" name="Losango 16">
+            <a:extLst>
+              <a:ext uri="{FF2B5EF4-FFF2-40B4-BE49-F238E27FC236}">
+                <a16:creationId xmlns:a16="http://schemas.microsoft.com/office/drawing/2014/main" id="{37D646EB-99BC-6E76-445C-3A98A9D857BD}"/>
+              </a:ext>
+            </a:extLst>
+          </p:cNvPr>
+          <p:cNvSpPr/>
+          <p:nvPr/>
+        </p:nvSpPr>
+        <p:spPr>
+          <a:xfrm>
+            <a:off x="2538982" y="5253664"/>
+            <a:ext cx="997650" cy="696060"/>
+          </a:xfrm>
+          <a:prstGeom prst="diamond">
+            <a:avLst/>
+          </a:prstGeom>
+        </p:spPr>
+        <p:style>
+          <a:lnRef idx="2">
+            <a:schemeClr val="accent1">
+              <a:shade val="15000"/>
+            </a:schemeClr>
+          </a:lnRef>
+          <a:fillRef idx="1">
+            <a:schemeClr val="accent1"/>
+          </a:fillRef>
+          <a:effectRef idx="0">
+            <a:schemeClr val="accent1"/>
+          </a:effectRef>
+          <a:fontRef idx="minor">
+            <a:schemeClr val="lt1"/>
+          </a:fontRef>
+        </p:style>
+        <p:txBody>
+          <a:bodyPr rtlCol="0" anchor="ctr"/>
+          <a:lstStyle/>
+          <a:p>
+            <a:pPr algn="ctr"/>
+            <a:endParaRPr lang="pt-BR"/>
+          </a:p>
+        </p:txBody>
+      </p:sp>
+      <p:sp>
+        <p:nvSpPr>
+          <p:cNvPr id="19" name="Losango 18">
+            <a:extLst>
+              <a:ext uri="{FF2B5EF4-FFF2-40B4-BE49-F238E27FC236}">
+                <a16:creationId xmlns:a16="http://schemas.microsoft.com/office/drawing/2014/main" id="{EFC22A74-B445-CB54-287E-436B658C2650}"/>
+              </a:ext>
+            </a:extLst>
+          </p:cNvPr>
+          <p:cNvSpPr/>
+          <p:nvPr/>
+        </p:nvSpPr>
+        <p:spPr>
+          <a:xfrm>
+            <a:off x="6120510" y="3457712"/>
+            <a:ext cx="1251840" cy="696060"/>
+          </a:xfrm>
+          <a:prstGeom prst="diamond">
+            <a:avLst/>
+          </a:prstGeom>
+        </p:spPr>
+        <p:style>
+          <a:lnRef idx="2">
+            <a:schemeClr val="accent1">
+              <a:shade val="15000"/>
+            </a:schemeClr>
+          </a:lnRef>
+          <a:fillRef idx="1">
+            <a:schemeClr val="accent1"/>
+          </a:fillRef>
+          <a:effectRef idx="0">
+            <a:schemeClr val="accent1"/>
+          </a:effectRef>
+          <a:fontRef idx="minor">
+            <a:schemeClr val="lt1"/>
+          </a:fontRef>
+        </p:style>
+        <p:txBody>
+          <a:bodyPr rtlCol="0" anchor="ctr"/>
+          <a:lstStyle/>
+          <a:p>
+            <a:pPr algn="ctr"/>
+            <a:endParaRPr lang="pt-BR"/>
+          </a:p>
+        </p:txBody>
+      </p:sp>
+      <p:sp>
+        <p:nvSpPr>
+          <p:cNvPr id="28" name="Losango 27">
+            <a:extLst>
+              <a:ext uri="{FF2B5EF4-FFF2-40B4-BE49-F238E27FC236}">
+                <a16:creationId xmlns:a16="http://schemas.microsoft.com/office/drawing/2014/main" id="{F38DBCB1-7163-7FD6-BBA3-2F0443359505}"/>
+              </a:ext>
+            </a:extLst>
+          </p:cNvPr>
+          <p:cNvSpPr/>
+          <p:nvPr/>
+        </p:nvSpPr>
+        <p:spPr>
+          <a:xfrm>
+            <a:off x="7856220" y="1760040"/>
+            <a:ext cx="1565910" cy="696060"/>
+          </a:xfrm>
+          <a:prstGeom prst="diamond">
+            <a:avLst/>
+          </a:prstGeom>
+        </p:spPr>
+        <p:style>
+          <a:lnRef idx="2">
+            <a:schemeClr val="accent1">
+              <a:shade val="15000"/>
+            </a:schemeClr>
+          </a:lnRef>
+          <a:fillRef idx="1">
+            <a:schemeClr val="accent1"/>
+          </a:fillRef>
+          <a:effectRef idx="0">
+            <a:schemeClr val="accent1"/>
+          </a:effectRef>
+          <a:fontRef idx="minor">
+            <a:schemeClr val="lt1"/>
+          </a:fontRef>
+        </p:style>
+        <p:txBody>
+          <a:bodyPr rtlCol="0" anchor="ctr"/>
+          <a:lstStyle/>
+          <a:p>
+            <a:pPr algn="ctr"/>
+            <a:endParaRPr lang="pt-BR"/>
+          </a:p>
+        </p:txBody>
+      </p:sp>
+      <p:cxnSp>
+        <p:nvCxnSpPr>
+          <p:cNvPr id="30" name="Conector: Angulado 29">
+            <a:extLst>
+              <a:ext uri="{FF2B5EF4-FFF2-40B4-BE49-F238E27FC236}">
+                <a16:creationId xmlns:a16="http://schemas.microsoft.com/office/drawing/2014/main" id="{D2C07885-DD1D-F0EB-2614-6DF97CA5BB01}"/>
+              </a:ext>
+            </a:extLst>
+          </p:cNvPr>
+          <p:cNvCxnSpPr>
+            <a:stCxn id="20" idx="3"/>
+            <a:endCxn id="26" idx="0"/>
+          </p:cNvCxnSpPr>
+          <p:nvPr/>
+        </p:nvCxnSpPr>
+        <p:spPr>
+          <a:xfrm>
+            <a:off x="5964300" y="612090"/>
+            <a:ext cx="2674875" cy="2880182"/>
+          </a:xfrm>
+          <a:prstGeom prst="bentConnector2">
+            <a:avLst/>
+          </a:prstGeom>
+        </p:spPr>
+        <p:style>
+          <a:lnRef idx="2">
+            <a:schemeClr val="accent1"/>
+          </a:lnRef>
+          <a:fillRef idx="0">
+            <a:schemeClr val="accent1"/>
+          </a:fillRef>
+          <a:effectRef idx="1">
+            <a:schemeClr val="accent1"/>
+          </a:effectRef>
+          <a:fontRef idx="minor">
+            <a:schemeClr val="tx1"/>
+          </a:fontRef>
+        </p:style>
+      </p:cxnSp>
+      <p:sp>
+        <p:nvSpPr>
+          <p:cNvPr id="31" name="Losango 30">
+            <a:extLst>
+              <a:ext uri="{FF2B5EF4-FFF2-40B4-BE49-F238E27FC236}">
+                <a16:creationId xmlns:a16="http://schemas.microsoft.com/office/drawing/2014/main" id="{9416EA65-5129-79F3-C632-C104C7AFEE74}"/>
+              </a:ext>
+            </a:extLst>
+          </p:cNvPr>
+          <p:cNvSpPr/>
+          <p:nvPr/>
+        </p:nvSpPr>
+        <p:spPr>
+          <a:xfrm>
+            <a:off x="7856220" y="4414277"/>
+            <a:ext cx="1565910" cy="696060"/>
+          </a:xfrm>
+          <a:prstGeom prst="diamond">
+            <a:avLst/>
+          </a:prstGeom>
+        </p:spPr>
+        <p:style>
+          <a:lnRef idx="2">
+            <a:schemeClr val="accent1">
+              <a:shade val="15000"/>
+            </a:schemeClr>
+          </a:lnRef>
+          <a:fillRef idx="1">
+            <a:schemeClr val="accent1"/>
+          </a:fillRef>
+          <a:effectRef idx="0">
+            <a:schemeClr val="accent1"/>
+          </a:effectRef>
+          <a:fontRef idx="minor">
+            <a:schemeClr val="lt1"/>
+          </a:fontRef>
+        </p:style>
+        <p:txBody>
+          <a:bodyPr rtlCol="0" anchor="ctr"/>
+          <a:lstStyle/>
+          <a:p>
+            <a:pPr algn="ctr"/>
+            <a:endParaRPr lang="pt-BR"/>
+          </a:p>
+        </p:txBody>
+      </p:sp>
+      <mc:AlternateContent xmlns:mc="http://schemas.openxmlformats.org/markup-compatibility/2006">
+        <mc:Choice xmlns:p14="http://schemas.microsoft.com/office/powerpoint/2010/main" Requires="p14">
+          <p:contentPart p14:bwMode="auto" r:id="rId2">
+            <p14:nvContentPartPr>
+              <p14:cNvPr id="32" name="Tinta 31">
+                <a:extLst>
+                  <a:ext uri="{FF2B5EF4-FFF2-40B4-BE49-F238E27FC236}">
+                    <a16:creationId xmlns:a16="http://schemas.microsoft.com/office/drawing/2014/main" id="{12408E65-E867-80CE-3F3C-98D0E275D51C}"/>
+                  </a:ext>
+                </a:extLst>
+              </p14:cNvPr>
+              <p14:cNvContentPartPr/>
+              <p14:nvPr/>
+            </p14:nvContentPartPr>
+            <p14:xfrm>
+              <a:off x="4834440" y="959670"/>
+              <a:ext cx="4680" cy="105840"/>
+            </p14:xfrm>
+          </p:contentPart>
+        </mc:Choice>
+        <mc:Fallback>
+          <p:pic>
+            <p:nvPicPr>
+              <p:cNvPr id="32" name="Tinta 31">
+                <a:extLst>
+                  <a:ext uri="{FF2B5EF4-FFF2-40B4-BE49-F238E27FC236}">
+                    <a16:creationId xmlns:a16="http://schemas.microsoft.com/office/drawing/2014/main" id="{12408E65-E867-80CE-3F3C-98D0E275D51C}"/>
+                  </a:ext>
+                </a:extLst>
+              </p:cNvPr>
+              <p:cNvPicPr/>
+              <p:nvPr/>
+            </p:nvPicPr>
+            <p:blipFill>
+              <a:blip r:embed="rId3"/>
+              <a:stretch>
+                <a:fillRect/>
+              </a:stretch>
+            </p:blipFill>
+            <p:spPr>
+              <a:xfrm>
+                <a:off x="4828320" y="953550"/>
+                <a:ext cx="16920" cy="118080"/>
+              </a:xfrm>
+              <a:prstGeom prst="rect">
+                <a:avLst/>
+              </a:prstGeom>
+            </p:spPr>
+          </p:pic>
+        </mc:Fallback>
+      </mc:AlternateContent>
+      <mc:AlternateContent xmlns:mc="http://schemas.openxmlformats.org/markup-compatibility/2006">
+        <mc:Choice xmlns:p14="http://schemas.microsoft.com/office/powerpoint/2010/main" Requires="p14">
+          <p:contentPart p14:bwMode="auto" r:id="rId4">
+            <p14:nvContentPartPr>
+              <p14:cNvPr id="33" name="Tinta 32">
+                <a:extLst>
+                  <a:ext uri="{FF2B5EF4-FFF2-40B4-BE49-F238E27FC236}">
+                    <a16:creationId xmlns:a16="http://schemas.microsoft.com/office/drawing/2014/main" id="{44513166-C347-63AE-A8C1-C0E99B17A576}"/>
+                  </a:ext>
+                </a:extLst>
+              </p14:cNvPr>
+              <p14:cNvContentPartPr/>
+              <p14:nvPr/>
+            </p14:nvContentPartPr>
+            <p14:xfrm>
+              <a:off x="4857120" y="1771470"/>
+              <a:ext cx="12240" cy="78120"/>
+            </p14:xfrm>
+          </p:contentPart>
+        </mc:Choice>
+        <mc:Fallback>
+          <p:pic>
+            <p:nvPicPr>
+              <p:cNvPr id="33" name="Tinta 32">
+                <a:extLst>
+                  <a:ext uri="{FF2B5EF4-FFF2-40B4-BE49-F238E27FC236}">
+                    <a16:creationId xmlns:a16="http://schemas.microsoft.com/office/drawing/2014/main" id="{44513166-C347-63AE-A8C1-C0E99B17A576}"/>
+                  </a:ext>
+                </a:extLst>
+              </p:cNvPr>
+              <p:cNvPicPr/>
+              <p:nvPr/>
+            </p:nvPicPr>
+            <p:blipFill>
+              <a:blip r:embed="rId5"/>
+              <a:stretch>
+                <a:fillRect/>
+              </a:stretch>
+            </p:blipFill>
+            <p:spPr>
+              <a:xfrm>
+                <a:off x="4851000" y="1765350"/>
+                <a:ext cx="24480" cy="90360"/>
+              </a:xfrm>
+              <a:prstGeom prst="rect">
+                <a:avLst/>
+              </a:prstGeom>
+            </p:spPr>
+          </p:pic>
+        </mc:Fallback>
+      </mc:AlternateContent>
+      <mc:AlternateContent xmlns:mc="http://schemas.openxmlformats.org/markup-compatibility/2006">
+        <mc:Choice xmlns:p14="http://schemas.microsoft.com/office/powerpoint/2010/main" Requires="p14">
+          <p:contentPart p14:bwMode="auto" r:id="rId6">
+            <p14:nvContentPartPr>
+              <p14:cNvPr id="34" name="Tinta 33">
+                <a:extLst>
+                  <a:ext uri="{FF2B5EF4-FFF2-40B4-BE49-F238E27FC236}">
+                    <a16:creationId xmlns:a16="http://schemas.microsoft.com/office/drawing/2014/main" id="{A181369E-510D-C350-EBDC-0256E57289F3}"/>
+                  </a:ext>
+                </a:extLst>
+              </p14:cNvPr>
+              <p14:cNvContentPartPr/>
+              <p14:nvPr/>
+            </p14:nvContentPartPr>
+            <p14:xfrm>
+              <a:off x="2468520" y="2228310"/>
+              <a:ext cx="147960" cy="360"/>
+            </p14:xfrm>
+          </p:contentPart>
+        </mc:Choice>
+        <mc:Fallback>
+          <p:pic>
+            <p:nvPicPr>
+              <p:cNvPr id="34" name="Tinta 33">
+                <a:extLst>
+                  <a:ext uri="{FF2B5EF4-FFF2-40B4-BE49-F238E27FC236}">
+                    <a16:creationId xmlns:a16="http://schemas.microsoft.com/office/drawing/2014/main" id="{A181369E-510D-C350-EBDC-0256E57289F3}"/>
+                  </a:ext>
+                </a:extLst>
+              </p:cNvPr>
+              <p:cNvPicPr/>
+              <p:nvPr/>
+            </p:nvPicPr>
+            <p:blipFill>
+              <a:blip r:embed="rId7"/>
+              <a:stretch>
+                <a:fillRect/>
+              </a:stretch>
+            </p:blipFill>
+            <p:spPr>
+              <a:xfrm>
+                <a:off x="2462400" y="2222190"/>
+                <a:ext cx="160200" cy="12600"/>
+              </a:xfrm>
+              <a:prstGeom prst="rect">
+                <a:avLst/>
+              </a:prstGeom>
+            </p:spPr>
+          </p:pic>
+        </mc:Fallback>
+      </mc:AlternateContent>
+      <mc:AlternateContent xmlns:mc="http://schemas.openxmlformats.org/markup-compatibility/2006">
+        <mc:Choice xmlns:p14="http://schemas.microsoft.com/office/powerpoint/2010/main" Requires="p14">
+          <p:contentPart p14:bwMode="auto" r:id="rId8">
+            <p14:nvContentPartPr>
+              <p14:cNvPr id="35" name="Tinta 34">
+                <a:extLst>
+                  <a:ext uri="{FF2B5EF4-FFF2-40B4-BE49-F238E27FC236}">
+                    <a16:creationId xmlns:a16="http://schemas.microsoft.com/office/drawing/2014/main" id="{2F6B8FF1-1AAC-F53F-641F-4CA12C6B8A58}"/>
+                  </a:ext>
+                </a:extLst>
+              </p14:cNvPr>
+              <p14:cNvContentPartPr/>
+              <p14:nvPr/>
+            </p14:nvContentPartPr>
+            <p14:xfrm>
+              <a:off x="3657240" y="2228310"/>
+              <a:ext cx="98640" cy="360"/>
+            </p14:xfrm>
+          </p:contentPart>
+        </mc:Choice>
+        <mc:Fallback>
+          <p:pic>
+            <p:nvPicPr>
+              <p:cNvPr id="35" name="Tinta 34">
+                <a:extLst>
+                  <a:ext uri="{FF2B5EF4-FFF2-40B4-BE49-F238E27FC236}">
+                    <a16:creationId xmlns:a16="http://schemas.microsoft.com/office/drawing/2014/main" id="{2F6B8FF1-1AAC-F53F-641F-4CA12C6B8A58}"/>
+                  </a:ext>
+                </a:extLst>
+              </p:cNvPr>
+              <p:cNvPicPr/>
+              <p:nvPr/>
+            </p:nvPicPr>
+            <p:blipFill>
+              <a:blip r:embed="rId9"/>
+              <a:stretch>
+                <a:fillRect/>
+              </a:stretch>
+            </p:blipFill>
+            <p:spPr>
+              <a:xfrm>
+                <a:off x="3651120" y="2222190"/>
+                <a:ext cx="110880" cy="12600"/>
+              </a:xfrm>
+              <a:prstGeom prst="rect">
+                <a:avLst/>
+              </a:prstGeom>
+            </p:spPr>
+          </p:pic>
+        </mc:Fallback>
+      </mc:AlternateContent>
+      <mc:AlternateContent xmlns:mc="http://schemas.openxmlformats.org/markup-compatibility/2006">
+        <mc:Choice xmlns:p14="http://schemas.microsoft.com/office/powerpoint/2010/main" Requires="p14">
+          <p:contentPart p14:bwMode="auto" r:id="rId10">
+            <p14:nvContentPartPr>
+              <p14:cNvPr id="36" name="Tinta 35">
+                <a:extLst>
+                  <a:ext uri="{FF2B5EF4-FFF2-40B4-BE49-F238E27FC236}">
+                    <a16:creationId xmlns:a16="http://schemas.microsoft.com/office/drawing/2014/main" id="{662BA3B3-179D-DFCF-7F0D-090726272E7C}"/>
+                  </a:ext>
+                </a:extLst>
+              </p14:cNvPr>
+              <p14:cNvContentPartPr/>
+              <p14:nvPr/>
+            </p14:nvContentPartPr>
+            <p14:xfrm>
+              <a:off x="4800600" y="2571390"/>
+              <a:ext cx="360" cy="137160"/>
+            </p14:xfrm>
+          </p:contentPart>
+        </mc:Choice>
+        <mc:Fallback>
+          <p:pic>
+            <p:nvPicPr>
+              <p:cNvPr id="36" name="Tinta 35">
+                <a:extLst>
+                  <a:ext uri="{FF2B5EF4-FFF2-40B4-BE49-F238E27FC236}">
+                    <a16:creationId xmlns:a16="http://schemas.microsoft.com/office/drawing/2014/main" id="{662BA3B3-179D-DFCF-7F0D-090726272E7C}"/>
+                  </a:ext>
+                </a:extLst>
+              </p:cNvPr>
+              <p:cNvPicPr/>
+              <p:nvPr/>
+            </p:nvPicPr>
+            <p:blipFill>
+              <a:blip r:embed="rId11"/>
+              <a:stretch>
+                <a:fillRect/>
+              </a:stretch>
+            </p:blipFill>
+            <p:spPr>
+              <a:xfrm>
+                <a:off x="4794480" y="2565270"/>
+                <a:ext cx="12600" cy="149400"/>
+              </a:xfrm>
+              <a:prstGeom prst="rect">
+                <a:avLst/>
+              </a:prstGeom>
+            </p:spPr>
+          </p:pic>
+        </mc:Fallback>
+      </mc:AlternateContent>
+      <mc:AlternateContent xmlns:mc="http://schemas.openxmlformats.org/markup-compatibility/2006">
+        <mc:Choice xmlns:p14="http://schemas.microsoft.com/office/powerpoint/2010/main" Requires="p14">
+          <p:contentPart p14:bwMode="auto" r:id="rId12">
+            <p14:nvContentPartPr>
+              <p14:cNvPr id="37" name="Tinta 36">
+                <a:extLst>
+                  <a:ext uri="{FF2B5EF4-FFF2-40B4-BE49-F238E27FC236}">
+                    <a16:creationId xmlns:a16="http://schemas.microsoft.com/office/drawing/2014/main" id="{F52709CB-4C39-481E-D710-4ABEA77BA32C}"/>
+                  </a:ext>
+                </a:extLst>
+              </p14:cNvPr>
+              <p14:cNvContentPartPr/>
+              <p14:nvPr/>
+            </p14:nvContentPartPr>
+            <p14:xfrm>
+              <a:off x="4811760" y="3394350"/>
+              <a:ext cx="360" cy="113760"/>
+            </p14:xfrm>
+          </p:contentPart>
+        </mc:Choice>
+        <mc:Fallback>
+          <p:pic>
+            <p:nvPicPr>
+              <p:cNvPr id="37" name="Tinta 36">
+                <a:extLst>
+                  <a:ext uri="{FF2B5EF4-FFF2-40B4-BE49-F238E27FC236}">
+                    <a16:creationId xmlns:a16="http://schemas.microsoft.com/office/drawing/2014/main" id="{F52709CB-4C39-481E-D710-4ABEA77BA32C}"/>
+                  </a:ext>
+                </a:extLst>
+              </p:cNvPr>
+              <p:cNvPicPr/>
+              <p:nvPr/>
+            </p:nvPicPr>
+            <p:blipFill>
+              <a:blip r:embed="rId13"/>
+              <a:stretch>
+                <a:fillRect/>
+              </a:stretch>
+            </p:blipFill>
+            <p:spPr>
+              <a:xfrm>
+                <a:off x="4805640" y="3388230"/>
+                <a:ext cx="12600" cy="126000"/>
+              </a:xfrm>
+              <a:prstGeom prst="rect">
+                <a:avLst/>
+              </a:prstGeom>
+            </p:spPr>
+          </p:pic>
+        </mc:Fallback>
+      </mc:AlternateContent>
+      <mc:AlternateContent xmlns:mc="http://schemas.openxmlformats.org/markup-compatibility/2006">
+        <mc:Choice xmlns:p14="http://schemas.microsoft.com/office/powerpoint/2010/main" Requires="p14">
+          <p:contentPart p14:bwMode="auto" r:id="rId14">
+            <p14:nvContentPartPr>
+              <p14:cNvPr id="38" name="Tinta 37">
+                <a:extLst>
+                  <a:ext uri="{FF2B5EF4-FFF2-40B4-BE49-F238E27FC236}">
+                    <a16:creationId xmlns:a16="http://schemas.microsoft.com/office/drawing/2014/main" id="{06265A91-6B46-A78E-7580-EF54F4F0ADB8}"/>
+                  </a:ext>
+                </a:extLst>
+              </p14:cNvPr>
+              <p14:cNvContentPartPr/>
+              <p14:nvPr/>
+            </p14:nvContentPartPr>
+            <p14:xfrm>
+              <a:off x="4809960" y="4125870"/>
+              <a:ext cx="34560" cy="287280"/>
+            </p14:xfrm>
+          </p:contentPart>
+        </mc:Choice>
+        <mc:Fallback>
+          <p:pic>
+            <p:nvPicPr>
+              <p:cNvPr id="38" name="Tinta 37">
+                <a:extLst>
+                  <a:ext uri="{FF2B5EF4-FFF2-40B4-BE49-F238E27FC236}">
+                    <a16:creationId xmlns:a16="http://schemas.microsoft.com/office/drawing/2014/main" id="{06265A91-6B46-A78E-7580-EF54F4F0ADB8}"/>
+                  </a:ext>
+                </a:extLst>
+              </p:cNvPr>
+              <p:cNvPicPr/>
+              <p:nvPr/>
+            </p:nvPicPr>
+            <p:blipFill>
+              <a:blip r:embed="rId15"/>
+              <a:stretch>
+                <a:fillRect/>
+              </a:stretch>
+            </p:blipFill>
+            <p:spPr>
+              <a:xfrm>
+                <a:off x="4803840" y="4119750"/>
+                <a:ext cx="46800" cy="299520"/>
+              </a:xfrm>
+              <a:prstGeom prst="rect">
+                <a:avLst/>
+              </a:prstGeom>
+            </p:spPr>
+          </p:pic>
+        </mc:Fallback>
+      </mc:AlternateContent>
+      <mc:AlternateContent xmlns:mc="http://schemas.openxmlformats.org/markup-compatibility/2006">
+        <mc:Choice xmlns:p14="http://schemas.microsoft.com/office/powerpoint/2010/main" Requires="p14">
+          <p:contentPart p14:bwMode="auto" r:id="rId16">
+            <p14:nvContentPartPr>
+              <p14:cNvPr id="39" name="Tinta 38">
+                <a:extLst>
+                  <a:ext uri="{FF2B5EF4-FFF2-40B4-BE49-F238E27FC236}">
+                    <a16:creationId xmlns:a16="http://schemas.microsoft.com/office/drawing/2014/main" id="{81264448-F91E-25E7-4267-2EE172A94D99}"/>
+                  </a:ext>
+                </a:extLst>
+              </p14:cNvPr>
+              <p14:cNvContentPartPr/>
+              <p14:nvPr/>
+            </p14:nvContentPartPr>
+            <p14:xfrm>
+              <a:off x="4823280" y="5109030"/>
+              <a:ext cx="360" cy="130320"/>
+            </p14:xfrm>
+          </p:contentPart>
+        </mc:Choice>
+        <mc:Fallback>
+          <p:pic>
+            <p:nvPicPr>
+              <p:cNvPr id="39" name="Tinta 38">
+                <a:extLst>
+                  <a:ext uri="{FF2B5EF4-FFF2-40B4-BE49-F238E27FC236}">
+                    <a16:creationId xmlns:a16="http://schemas.microsoft.com/office/drawing/2014/main" id="{81264448-F91E-25E7-4267-2EE172A94D99}"/>
+                  </a:ext>
+                </a:extLst>
+              </p:cNvPr>
+              <p:cNvPicPr/>
+              <p:nvPr/>
+            </p:nvPicPr>
+            <p:blipFill>
+              <a:blip r:embed="rId17"/>
+              <a:stretch>
+                <a:fillRect/>
+              </a:stretch>
+            </p:blipFill>
+            <p:spPr>
+              <a:xfrm>
+                <a:off x="4817160" y="5102910"/>
+                <a:ext cx="12600" cy="142560"/>
+              </a:xfrm>
+              <a:prstGeom prst="rect">
+                <a:avLst/>
+              </a:prstGeom>
+            </p:spPr>
+          </p:pic>
+        </mc:Fallback>
+      </mc:AlternateContent>
+      <mc:AlternateContent xmlns:mc="http://schemas.openxmlformats.org/markup-compatibility/2006">
+        <mc:Choice xmlns:p14="http://schemas.microsoft.com/office/powerpoint/2010/main" Requires="p14">
+          <p:contentPart p14:bwMode="auto" r:id="rId18">
+            <p14:nvContentPartPr>
+              <p14:cNvPr id="41" name="Tinta 40">
+                <a:extLst>
+                  <a:ext uri="{FF2B5EF4-FFF2-40B4-BE49-F238E27FC236}">
+                    <a16:creationId xmlns:a16="http://schemas.microsoft.com/office/drawing/2014/main" id="{5D077DDD-528A-7920-508F-0DC2F01A0A10}"/>
+                  </a:ext>
+                </a:extLst>
+              </p14:cNvPr>
+              <p14:cNvContentPartPr/>
+              <p14:nvPr/>
+            </p14:nvContentPartPr>
+            <p14:xfrm>
+              <a:off x="2422800" y="5588910"/>
+              <a:ext cx="106200" cy="360"/>
+            </p14:xfrm>
+          </p:contentPart>
+        </mc:Choice>
+        <mc:Fallback>
+          <p:pic>
+            <p:nvPicPr>
+              <p:cNvPr id="41" name="Tinta 40">
+                <a:extLst>
+                  <a:ext uri="{FF2B5EF4-FFF2-40B4-BE49-F238E27FC236}">
+                    <a16:creationId xmlns:a16="http://schemas.microsoft.com/office/drawing/2014/main" id="{5D077DDD-528A-7920-508F-0DC2F01A0A10}"/>
+                  </a:ext>
+                </a:extLst>
+              </p:cNvPr>
+              <p:cNvPicPr/>
+              <p:nvPr/>
+            </p:nvPicPr>
+            <p:blipFill>
+              <a:blip r:embed="rId19"/>
+              <a:stretch>
+                <a:fillRect/>
+              </a:stretch>
+            </p:blipFill>
+            <p:spPr>
+              <a:xfrm>
+                <a:off x="2416680" y="5582790"/>
+                <a:ext cx="118440" cy="12600"/>
+              </a:xfrm>
+              <a:prstGeom prst="rect">
+                <a:avLst/>
+              </a:prstGeom>
+            </p:spPr>
+          </p:pic>
+        </mc:Fallback>
+      </mc:AlternateContent>
+      <mc:AlternateContent xmlns:mc="http://schemas.openxmlformats.org/markup-compatibility/2006">
+        <mc:Choice xmlns:p14="http://schemas.microsoft.com/office/powerpoint/2010/main" Requires="p14">
+          <p:contentPart p14:bwMode="auto" r:id="rId20">
+            <p14:nvContentPartPr>
+              <p14:cNvPr id="42" name="Tinta 41">
+                <a:extLst>
+                  <a:ext uri="{FF2B5EF4-FFF2-40B4-BE49-F238E27FC236}">
+                    <a16:creationId xmlns:a16="http://schemas.microsoft.com/office/drawing/2014/main" id="{7D128978-9D0F-0A1C-56F9-9B51F607B4C9}"/>
+                  </a:ext>
+                </a:extLst>
+              </p14:cNvPr>
+              <p14:cNvContentPartPr/>
+              <p14:nvPr/>
+            </p14:nvContentPartPr>
+            <p14:xfrm>
+              <a:off x="3485880" y="5611950"/>
+              <a:ext cx="250560" cy="34920"/>
+            </p14:xfrm>
+          </p:contentPart>
+        </mc:Choice>
+        <mc:Fallback>
+          <p:pic>
+            <p:nvPicPr>
+              <p:cNvPr id="42" name="Tinta 41">
+                <a:extLst>
+                  <a:ext uri="{FF2B5EF4-FFF2-40B4-BE49-F238E27FC236}">
+                    <a16:creationId xmlns:a16="http://schemas.microsoft.com/office/drawing/2014/main" id="{7D128978-9D0F-0A1C-56F9-9B51F607B4C9}"/>
+                  </a:ext>
+                </a:extLst>
+              </p:cNvPr>
+              <p:cNvPicPr/>
+              <p:nvPr/>
+            </p:nvPicPr>
+            <p:blipFill>
+              <a:blip r:embed="rId21"/>
+              <a:stretch>
+                <a:fillRect/>
+              </a:stretch>
+            </p:blipFill>
+            <p:spPr>
+              <a:xfrm>
+                <a:off x="3479760" y="5605830"/>
+                <a:ext cx="262800" cy="47160"/>
+              </a:xfrm>
+              <a:prstGeom prst="rect">
+                <a:avLst/>
+              </a:prstGeom>
+            </p:spPr>
+          </p:pic>
+        </mc:Fallback>
+      </mc:AlternateContent>
+      <mc:AlternateContent xmlns:mc="http://schemas.openxmlformats.org/markup-compatibility/2006">
+        <mc:Choice xmlns:p14="http://schemas.microsoft.com/office/powerpoint/2010/main" Requires="p14">
+          <p:contentPart p14:bwMode="auto" r:id="rId22">
+            <p14:nvContentPartPr>
+              <p14:cNvPr id="43" name="Tinta 42">
+                <a:extLst>
+                  <a:ext uri="{FF2B5EF4-FFF2-40B4-BE49-F238E27FC236}">
+                    <a16:creationId xmlns:a16="http://schemas.microsoft.com/office/drawing/2014/main" id="{B7C4A885-3AC5-1BFE-8ECD-3727096357EA}"/>
+                  </a:ext>
+                </a:extLst>
+              </p14:cNvPr>
+              <p14:cNvContentPartPr/>
+              <p14:nvPr/>
+            </p14:nvContentPartPr>
+            <p14:xfrm>
+              <a:off x="8618040" y="4183110"/>
+              <a:ext cx="360" cy="227520"/>
+            </p14:xfrm>
+          </p:contentPart>
+        </mc:Choice>
+        <mc:Fallback>
+          <p:pic>
+            <p:nvPicPr>
+              <p:cNvPr id="43" name="Tinta 42">
+                <a:extLst>
+                  <a:ext uri="{FF2B5EF4-FFF2-40B4-BE49-F238E27FC236}">
+                    <a16:creationId xmlns:a16="http://schemas.microsoft.com/office/drawing/2014/main" id="{B7C4A885-3AC5-1BFE-8ECD-3727096357EA}"/>
+                  </a:ext>
+                </a:extLst>
+              </p:cNvPr>
+              <p:cNvPicPr/>
+              <p:nvPr/>
+            </p:nvPicPr>
+            <p:blipFill>
+              <a:blip r:embed="rId23"/>
+              <a:stretch>
+                <a:fillRect/>
+              </a:stretch>
+            </p:blipFill>
+            <p:spPr>
+              <a:xfrm>
+                <a:off x="8611920" y="4176990"/>
+                <a:ext cx="12600" cy="239760"/>
+              </a:xfrm>
+              <a:prstGeom prst="rect">
+                <a:avLst/>
+              </a:prstGeom>
+            </p:spPr>
+          </p:pic>
+        </mc:Fallback>
+      </mc:AlternateContent>
+      <mc:AlternateContent xmlns:mc="http://schemas.openxmlformats.org/markup-compatibility/2006">
+        <mc:Choice xmlns:p14="http://schemas.microsoft.com/office/powerpoint/2010/main" Requires="p14">
+          <p:contentPart p14:bwMode="auto" r:id="rId24">
+            <p14:nvContentPartPr>
+              <p14:cNvPr id="45" name="Tinta 44">
+                <a:extLst>
+                  <a:ext uri="{FF2B5EF4-FFF2-40B4-BE49-F238E27FC236}">
+                    <a16:creationId xmlns:a16="http://schemas.microsoft.com/office/drawing/2014/main" id="{B83751A4-1871-A346-DD2C-7CA728D4EAF5}"/>
+                  </a:ext>
+                </a:extLst>
+              </p14:cNvPr>
+              <p14:cNvContentPartPr/>
+              <p14:nvPr/>
+            </p14:nvContentPartPr>
+            <p14:xfrm>
+              <a:off x="8641080" y="5109030"/>
+              <a:ext cx="22320" cy="182880"/>
+            </p14:xfrm>
+          </p:contentPart>
+        </mc:Choice>
+        <mc:Fallback>
+          <p:pic>
+            <p:nvPicPr>
+              <p:cNvPr id="45" name="Tinta 44">
+                <a:extLst>
+                  <a:ext uri="{FF2B5EF4-FFF2-40B4-BE49-F238E27FC236}">
+                    <a16:creationId xmlns:a16="http://schemas.microsoft.com/office/drawing/2014/main" id="{B83751A4-1871-A346-DD2C-7CA728D4EAF5}"/>
+                  </a:ext>
+                </a:extLst>
+              </p:cNvPr>
+              <p:cNvPicPr/>
+              <p:nvPr/>
+            </p:nvPicPr>
+            <p:blipFill>
+              <a:blip r:embed="rId25"/>
+              <a:stretch>
+                <a:fillRect/>
+              </a:stretch>
+            </p:blipFill>
+            <p:spPr>
+              <a:xfrm>
+                <a:off x="8634960" y="5102910"/>
+                <a:ext cx="34560" cy="195120"/>
+              </a:xfrm>
+              <a:prstGeom prst="rect">
+                <a:avLst/>
+              </a:prstGeom>
+            </p:spPr>
+          </p:pic>
+        </mc:Fallback>
+      </mc:AlternateContent>
+      <mc:AlternateContent xmlns:mc="http://schemas.openxmlformats.org/markup-compatibility/2006">
+        <mc:Choice xmlns:p14="http://schemas.microsoft.com/office/powerpoint/2010/main" Requires="p14">
+          <p:contentPart p14:bwMode="auto" r:id="rId26">
+            <p14:nvContentPartPr>
+              <p14:cNvPr id="47" name="Tinta 46">
+                <a:extLst>
+                  <a:ext uri="{FF2B5EF4-FFF2-40B4-BE49-F238E27FC236}">
+                    <a16:creationId xmlns:a16="http://schemas.microsoft.com/office/drawing/2014/main" id="{C306140B-7747-6423-4BAC-C3D21522D496}"/>
+                  </a:ext>
+                </a:extLst>
+              </p14:cNvPr>
+              <p14:cNvContentPartPr/>
+              <p14:nvPr/>
+            </p14:nvContentPartPr>
+            <p14:xfrm>
+              <a:off x="5978880" y="3794310"/>
+              <a:ext cx="182160" cy="360"/>
+            </p14:xfrm>
+          </p:contentPart>
+        </mc:Choice>
+        <mc:Fallback>
+          <p:pic>
+            <p:nvPicPr>
+              <p:cNvPr id="47" name="Tinta 46">
+                <a:extLst>
+                  <a:ext uri="{FF2B5EF4-FFF2-40B4-BE49-F238E27FC236}">
+                    <a16:creationId xmlns:a16="http://schemas.microsoft.com/office/drawing/2014/main" id="{C306140B-7747-6423-4BAC-C3D21522D496}"/>
+                  </a:ext>
+                </a:extLst>
+              </p:cNvPr>
+              <p:cNvPicPr/>
+              <p:nvPr/>
+            </p:nvPicPr>
+            <p:blipFill>
+              <a:blip r:embed="rId27"/>
+              <a:stretch>
+                <a:fillRect/>
+              </a:stretch>
+            </p:blipFill>
+            <p:spPr>
+              <a:xfrm>
+                <a:off x="5972760" y="3788190"/>
+                <a:ext cx="194400" cy="12600"/>
+              </a:xfrm>
+              <a:prstGeom prst="rect">
+                <a:avLst/>
+              </a:prstGeom>
+            </p:spPr>
+          </p:pic>
+        </mc:Fallback>
+      </mc:AlternateContent>
+      <mc:AlternateContent xmlns:mc="http://schemas.openxmlformats.org/markup-compatibility/2006">
+        <mc:Choice xmlns:p14="http://schemas.microsoft.com/office/powerpoint/2010/main" Requires="p14">
+          <p:contentPart p14:bwMode="auto" r:id="rId28">
+            <p14:nvContentPartPr>
+              <p14:cNvPr id="48" name="Tinta 47">
+                <a:extLst>
+                  <a:ext uri="{FF2B5EF4-FFF2-40B4-BE49-F238E27FC236}">
+                    <a16:creationId xmlns:a16="http://schemas.microsoft.com/office/drawing/2014/main" id="{B2E23BB9-41E2-6E3D-8AF0-FDCF6E5029BB}"/>
+                  </a:ext>
+                </a:extLst>
+              </p14:cNvPr>
+              <p14:cNvContentPartPr/>
+              <p14:nvPr/>
+            </p14:nvContentPartPr>
+            <p14:xfrm>
+              <a:off x="7395120" y="3817350"/>
+              <a:ext cx="124920" cy="7560"/>
+            </p14:xfrm>
+          </p:contentPart>
+        </mc:Choice>
+        <mc:Fallback>
+          <p:pic>
+            <p:nvPicPr>
+              <p:cNvPr id="48" name="Tinta 47">
+                <a:extLst>
+                  <a:ext uri="{FF2B5EF4-FFF2-40B4-BE49-F238E27FC236}">
+                    <a16:creationId xmlns:a16="http://schemas.microsoft.com/office/drawing/2014/main" id="{B2E23BB9-41E2-6E3D-8AF0-FDCF6E5029BB}"/>
+                  </a:ext>
+                </a:extLst>
+              </p:cNvPr>
+              <p:cNvPicPr/>
+              <p:nvPr/>
+            </p:nvPicPr>
+            <p:blipFill>
+              <a:blip r:embed="rId29"/>
+              <a:stretch>
+                <a:fillRect/>
+              </a:stretch>
+            </p:blipFill>
+            <p:spPr>
+              <a:xfrm>
+                <a:off x="7389000" y="3811230"/>
+                <a:ext cx="137160" cy="19800"/>
+              </a:xfrm>
+              <a:prstGeom prst="rect">
+                <a:avLst/>
+              </a:prstGeom>
+            </p:spPr>
+          </p:pic>
+        </mc:Fallback>
+      </mc:AlternateContent>
+      <mc:AlternateContent xmlns:mc="http://schemas.openxmlformats.org/markup-compatibility/2006">
+        <mc:Choice xmlns:p14="http://schemas.microsoft.com/office/powerpoint/2010/main" Requires="p14">
+          <p:contentPart p14:bwMode="auto" r:id="rId30">
+            <p14:nvContentPartPr>
+              <p14:cNvPr id="49" name="Tinta 48">
+                <a:extLst>
+                  <a:ext uri="{FF2B5EF4-FFF2-40B4-BE49-F238E27FC236}">
+                    <a16:creationId xmlns:a16="http://schemas.microsoft.com/office/drawing/2014/main" id="{0CA4E80E-5CCF-F14D-FFE2-D0D92221036F}"/>
+                  </a:ext>
+                </a:extLst>
+              </p14:cNvPr>
+              <p14:cNvContentPartPr/>
+              <p14:nvPr/>
+            </p14:nvContentPartPr>
+            <p14:xfrm>
+              <a:off x="2583000" y="2212470"/>
+              <a:ext cx="57960" cy="5040"/>
+            </p14:xfrm>
+          </p:contentPart>
+        </mc:Choice>
+        <mc:Fallback>
+          <p:pic>
+            <p:nvPicPr>
+              <p:cNvPr id="49" name="Tinta 48">
+                <a:extLst>
+                  <a:ext uri="{FF2B5EF4-FFF2-40B4-BE49-F238E27FC236}">
+                    <a16:creationId xmlns:a16="http://schemas.microsoft.com/office/drawing/2014/main" id="{0CA4E80E-5CCF-F14D-FFE2-D0D92221036F}"/>
+                  </a:ext>
+                </a:extLst>
+              </p:cNvPr>
+              <p:cNvPicPr/>
+              <p:nvPr/>
+            </p:nvPicPr>
+            <p:blipFill>
+              <a:blip r:embed="rId31"/>
+              <a:stretch>
+                <a:fillRect/>
+              </a:stretch>
+            </p:blipFill>
+            <p:spPr>
+              <a:xfrm>
+                <a:off x="2576880" y="2206350"/>
+                <a:ext cx="70200" cy="17280"/>
+              </a:xfrm>
+              <a:prstGeom prst="rect">
+                <a:avLst/>
+              </a:prstGeom>
+            </p:spPr>
+          </p:pic>
+        </mc:Fallback>
+      </mc:AlternateContent>
+    </p:spTree>
+    <p:extLst>
+      <p:ext uri="{BB962C8B-B14F-4D97-AF65-F5344CB8AC3E}">
+        <p14:creationId xmlns:p14="http://schemas.microsoft.com/office/powerpoint/2010/main" val="3749127294"/>
       </p:ext>
     </p:extLst>
   </p:cSld>
@@ -12141,8 +18724,8 @@
             <a:chExt cx="9168840" cy="6657840"/>
           </a:xfrm>
         </p:grpSpPr>
-        <mc:AlternateContent xmlns:mc="http://schemas.openxmlformats.org/markup-compatibility/2006">
-          <mc:Choice xmlns:p14="http://schemas.microsoft.com/office/powerpoint/2010/main" Requires="p14">
+        <mc:AlternateContent xmlns:mc="http://schemas.openxmlformats.org/markup-compatibility/2006" xmlns:p14="http://schemas.microsoft.com/office/powerpoint/2010/main">
+          <mc:Choice Requires="p14">
             <p:contentPart p14:bwMode="auto" r:id="rId2">
               <p14:nvContentPartPr>
                 <p14:cNvPr id="3" name="Tinta 2">
@@ -12161,7 +18744,7 @@
               </p14:xfrm>
             </p:contentPart>
           </mc:Choice>
-          <mc:Fallback>
+          <mc:Fallback xmlns="">
             <p:pic>
               <p:nvPicPr>
                 <p:cNvPr id="3" name="Tinta 2">
@@ -12192,8 +18775,8 @@
             </p:pic>
           </mc:Fallback>
         </mc:AlternateContent>
-        <mc:AlternateContent xmlns:mc="http://schemas.openxmlformats.org/markup-compatibility/2006">
-          <mc:Choice xmlns:p14="http://schemas.microsoft.com/office/powerpoint/2010/main" Requires="p14">
+        <mc:AlternateContent xmlns:mc="http://schemas.openxmlformats.org/markup-compatibility/2006" xmlns:p14="http://schemas.microsoft.com/office/powerpoint/2010/main">
+          <mc:Choice Requires="p14">
             <p:contentPart p14:bwMode="auto" r:id="rId4">
               <p14:nvContentPartPr>
                 <p14:cNvPr id="4" name="Tinta 3">
@@ -12212,7 +18795,7 @@
               </p14:xfrm>
             </p:contentPart>
           </mc:Choice>
-          <mc:Fallback>
+          <mc:Fallback xmlns="">
             <p:pic>
               <p:nvPicPr>
                 <p:cNvPr id="4" name="Tinta 3">
@@ -12243,8 +18826,8 @@
             </p:pic>
           </mc:Fallback>
         </mc:AlternateContent>
-        <mc:AlternateContent xmlns:mc="http://schemas.openxmlformats.org/markup-compatibility/2006">
-          <mc:Choice xmlns:p14="http://schemas.microsoft.com/office/powerpoint/2010/main" Requires="p14">
+        <mc:AlternateContent xmlns:mc="http://schemas.openxmlformats.org/markup-compatibility/2006" xmlns:p14="http://schemas.microsoft.com/office/powerpoint/2010/main">
+          <mc:Choice Requires="p14">
             <p:contentPart p14:bwMode="auto" r:id="rId6">
               <p14:nvContentPartPr>
                 <p14:cNvPr id="5" name="Tinta 4">
@@ -12263,7 +18846,7 @@
               </p14:xfrm>
             </p:contentPart>
           </mc:Choice>
-          <mc:Fallback>
+          <mc:Fallback xmlns="">
             <p:pic>
               <p:nvPicPr>
                 <p:cNvPr id="5" name="Tinta 4">
@@ -12294,8 +18877,8 @@
             </p:pic>
           </mc:Fallback>
         </mc:AlternateContent>
-        <mc:AlternateContent xmlns:mc="http://schemas.openxmlformats.org/markup-compatibility/2006">
-          <mc:Choice xmlns:p14="http://schemas.microsoft.com/office/powerpoint/2010/main" Requires="p14">
+        <mc:AlternateContent xmlns:mc="http://schemas.openxmlformats.org/markup-compatibility/2006" xmlns:p14="http://schemas.microsoft.com/office/powerpoint/2010/main">
+          <mc:Choice Requires="p14">
             <p:contentPart p14:bwMode="auto" r:id="rId8">
               <p14:nvContentPartPr>
                 <p14:cNvPr id="6" name="Tinta 5">
@@ -12314,7 +18897,7 @@
               </p14:xfrm>
             </p:contentPart>
           </mc:Choice>
-          <mc:Fallback>
+          <mc:Fallback xmlns="">
             <p:pic>
               <p:nvPicPr>
                 <p:cNvPr id="6" name="Tinta 5">
@@ -12345,8 +18928,8 @@
             </p:pic>
           </mc:Fallback>
         </mc:AlternateContent>
-        <mc:AlternateContent xmlns:mc="http://schemas.openxmlformats.org/markup-compatibility/2006">
-          <mc:Choice xmlns:p14="http://schemas.microsoft.com/office/powerpoint/2010/main" Requires="p14">
+        <mc:AlternateContent xmlns:mc="http://schemas.openxmlformats.org/markup-compatibility/2006" xmlns:p14="http://schemas.microsoft.com/office/powerpoint/2010/main">
+          <mc:Choice Requires="p14">
             <p:contentPart p14:bwMode="auto" r:id="rId10">
               <p14:nvContentPartPr>
                 <p14:cNvPr id="8" name="Tinta 7">
@@ -12365,7 +18948,7 @@
               </p14:xfrm>
             </p:contentPart>
           </mc:Choice>
-          <mc:Fallback>
+          <mc:Fallback xmlns="">
             <p:pic>
               <p:nvPicPr>
                 <p:cNvPr id="8" name="Tinta 7">
@@ -12396,8 +18979,8 @@
             </p:pic>
           </mc:Fallback>
         </mc:AlternateContent>
-        <mc:AlternateContent xmlns:mc="http://schemas.openxmlformats.org/markup-compatibility/2006">
-          <mc:Choice xmlns:p14="http://schemas.microsoft.com/office/powerpoint/2010/main" Requires="p14">
+        <mc:AlternateContent xmlns:mc="http://schemas.openxmlformats.org/markup-compatibility/2006" xmlns:p14="http://schemas.microsoft.com/office/powerpoint/2010/main">
+          <mc:Choice Requires="p14">
             <p:contentPart p14:bwMode="auto" r:id="rId12">
               <p14:nvContentPartPr>
                 <p14:cNvPr id="10" name="Tinta 9">
@@ -12416,7 +18999,7 @@
               </p14:xfrm>
             </p:contentPart>
           </mc:Choice>
-          <mc:Fallback>
+          <mc:Fallback xmlns="">
             <p:pic>
               <p:nvPicPr>
                 <p:cNvPr id="10" name="Tinta 9">
@@ -12447,8 +19030,8 @@
             </p:pic>
           </mc:Fallback>
         </mc:AlternateContent>
-        <mc:AlternateContent xmlns:mc="http://schemas.openxmlformats.org/markup-compatibility/2006">
-          <mc:Choice xmlns:p14="http://schemas.microsoft.com/office/powerpoint/2010/main" Requires="p14">
+        <mc:AlternateContent xmlns:mc="http://schemas.openxmlformats.org/markup-compatibility/2006" xmlns:p14="http://schemas.microsoft.com/office/powerpoint/2010/main">
+          <mc:Choice Requires="p14">
             <p:contentPart p14:bwMode="auto" r:id="rId14">
               <p14:nvContentPartPr>
                 <p14:cNvPr id="11" name="Tinta 10">
@@ -12467,7 +19050,7 @@
               </p14:xfrm>
             </p:contentPart>
           </mc:Choice>
-          <mc:Fallback>
+          <mc:Fallback xmlns="">
             <p:pic>
               <p:nvPicPr>
                 <p:cNvPr id="11" name="Tinta 10">
@@ -12498,8 +19081,8 @@
             </p:pic>
           </mc:Fallback>
         </mc:AlternateContent>
-        <mc:AlternateContent xmlns:mc="http://schemas.openxmlformats.org/markup-compatibility/2006">
-          <mc:Choice xmlns:p14="http://schemas.microsoft.com/office/powerpoint/2010/main" Requires="p14">
+        <mc:AlternateContent xmlns:mc="http://schemas.openxmlformats.org/markup-compatibility/2006" xmlns:p14="http://schemas.microsoft.com/office/powerpoint/2010/main">
+          <mc:Choice Requires="p14">
             <p:contentPart p14:bwMode="auto" r:id="rId16">
               <p14:nvContentPartPr>
                 <p14:cNvPr id="12" name="Tinta 11">
@@ -12518,7 +19101,7 @@
               </p14:xfrm>
             </p:contentPart>
           </mc:Choice>
-          <mc:Fallback>
+          <mc:Fallback xmlns="">
             <p:pic>
               <p:nvPicPr>
                 <p:cNvPr id="12" name="Tinta 11">
